--- a/slides/08貿易政策_基礎編.pptx
+++ b/slides/08貿易政策_基礎編.pptx
@@ -228,17 +228,17 @@
           <inkml:channelProperty channel="Y" name="resolution" value="1000" units="1/cm"/>
         </inkml:channelProperties>
       </inkml:inkSource>
-      <inkml:timestamp xml:id="ts0" timeString="2023-11-21T05:18:14.290"/>
+      <inkml:timestamp xml:id="ts0" timeString="2024-05-28T07:03:18.677"/>
     </inkml:context>
     <inkml:brush xml:id="br0">
-      <inkml:brushProperty name="width" value="0.4" units="cm"/>
-      <inkml:brushProperty name="height" value="0.8" units="cm"/>
-      <inkml:brushProperty name="color" value="#FF8517"/>
+      <inkml:brushProperty name="width" value="0.2" units="cm"/>
+      <inkml:brushProperty name="height" value="0.4" units="cm"/>
+      <inkml:brushProperty name="color" value="#FFFC00"/>
       <inkml:brushProperty name="tip" value="rectangle"/>
       <inkml:brushProperty name="rasterOp" value="maskPen"/>
     </inkml:brush>
   </inkml:definitions>
-  <inkml:trace contextRef="#ctx0" brushRef="#br0">1 1,'84'0,"1"0,-5 0,-1 0,-3 0,0 0,7 0,1 0,1 0,1 0,4 0,1 0,8 0,0 0,-3 0,-1 0,1 0,1 0,1 0,-1 0,-4 0,0 2,2 0,1 1,0 1,-1 1,-3 1,-1 1,-5-1,-2 0,-5 1,-1-2,-4 0,-1 0,-4-1,-1 1,-2-1,0 0,1-2,-1 0,1 0,-1-1,3-1,1 0,-3 0,-1 0,-1 0,-2 0,-3 0,-1 0,-4 0,-1 0,-3 0,-1 0,45 0,0 0,1 0,-46 0,1 0,2 0,0 0,1 0,1 0,1 0,1 0,-2 0,1 0,-3 0,0 0,-1 0,0 0,-1 0,2 0,3 0,1 0,4 0,1 0,9 0,2 0,6 0,2 0,4 0,2 0,3 0,1 0,0 0,0 0,0 0,0 0,0 0,1 0,0 0,0 0,-3 0,0 0,-1 0,-2 0,-1 0,-2 0,-3 0,-2 0,-2 0,0 0,-4 0,0 0,-3 2,0 0,-3 0,-1 0,-3 1,-2-1,-7 0,-2 0,36-2,-15 0,-17 0,-12 0,-12 0,-9 0,-5 0,5 0,5 0,15 0,8 1,0 2,-5 1,-12 0,-8 1,-8-3,-3 3</inkml:trace>
+  <inkml:trace contextRef="#ctx0" brushRef="#br0">1 227,'86'0,"13"0,-45 0,1 0,5 0,1 0,2 0,-1 0,-1 0,-1 0,0 0,-1 0,-5 0,0 0,-3 1,0-2,38-1,-15-1,-9-2,-11-1,-4 3,-1 1,0-1,0 0,-2 0,-3 0,-2 2,0-2,6 0,5 0,7 2,5 1,3 0,4 0,2 0,3 0,-1 0,1 0,0 0,2 0,2 0,1-2,-1-2,-3 1,-1 0,-4 1,-4-1,-6-1,-5-1,1 0,-1-1,2-3,0-2,0-2,-3-2,-3 3,-6 2,-3 1,0 0,3-1,2 1,2 1,1 0,-4 2,0 0,-4 1,0 2,-1 0,-2 3,0 0,0 0,-3 0,-6 0,-8 0,-10 0,-3 0,-15 17,-1-9,-9 15,-5-8,-16 15,-19 17,-19 17,29-27,-2 1,-1 0,-1 0,1-1,1-1,1-2,0 0,3-4,1-2,-35 25,6-3,7-6,5 0,6-3,4-3,4-1,3 0,-4 3,-3 4,-6 6,0 0,0-1,-1-3,0 2,-3 3,-4 7,-10 9,33-31,0 1,-5 4,-1 0,-3 3,-1 0,-2 2,-1 0,1 0,-1 1,1-1,1 1,0-2,2 0,2-3,0-1,1-1,0 0,3-3,1-1,1-2,1-2,-34 28,7-8,2-2,1-4,0-1,0-1,2-4,1 1,3-2,0 3,0 4,-1 3,1 2,2 3,3-3,0 2,3 1,-3 0,0-1,-3 0,0 0,3-5,1-2,6-6,4-5,4-1,2-1,2-1,3-3,7-4,7-6,7-8,1-2,-9 6,-12 11,-6 8,2-1,11-12,13-13,5-7</inkml:trace>
 </inkml:ink>
 </file>
 
@@ -256,17 +256,241 @@
           <inkml:channelProperty channel="Y" name="resolution" value="1000" units="1/cm"/>
         </inkml:channelProperties>
       </inkml:inkSource>
-      <inkml:timestamp xml:id="ts0" timeString="2023-11-21T05:18:44.896"/>
+      <inkml:timestamp xml:id="ts0" timeString="2024-05-28T07:03:34.894"/>
     </inkml:context>
     <inkml:brush xml:id="br0">
-      <inkml:brushProperty name="width" value="0.4" units="cm"/>
-      <inkml:brushProperty name="height" value="0.8" units="cm"/>
-      <inkml:brushProperty name="color" value="#FF8517"/>
+      <inkml:brushProperty name="width" value="0.2" units="cm"/>
+      <inkml:brushProperty name="height" value="0.4" units="cm"/>
+      <inkml:brushProperty name="color" value="#00FDFF"/>
       <inkml:brushProperty name="tip" value="rectangle"/>
       <inkml:brushProperty name="rasterOp" value="maskPen"/>
     </inkml:brush>
   </inkml:definitions>
-  <inkml:trace contextRef="#ctx0" brushRef="#br0">0 0,'83'0,"4"0,1 0,8 0,-43 0,1 0,0 0,1 0,-2 0,-1 0,1 0,0 0,44 1,-1 5,-46 0,0 2,45 12,-3 2,-9-3,-9-7,-12-2,-10-4,-9-3,-12 1,-7-1,-7 0,-4 0</inkml:trace>
+  <inkml:trace contextRef="#ctx0" brushRef="#br0">156 1,'0'78,"0"-26,0 4,0 10,0 5,0 13,0 3,0 5,0 2,0 1,0 0,0 4,0-1,0-5,0 0,0-1,0 0,0-7,0-1,0-8,0-2,0-9,0-4,0 30,0-30,0-18,0 2,0 14,0 19,-2 15,0-41,0 0,0 3,0 1,0 3,0 1,1 3,-1 1,-2 6,0 2,0 4,0 2,-1 5,-1 0,1 0,0 0,0-3,-1-2,-1-3,0-2,0-4,-1-1,1-3,-1-1,0-7,1-1,-6 40,3-27,4-24,4-14,2-3,0 10,0 14,0 14,0 6,3 0,3-3,6-4,2-4,0-9,-4-10,-2-14,-3-11,-1-5,3 2,3 10,6 13,4 12,4 4,-4-7,-5-12,-4-10,-5-10,-2-3,-2-2,4-2,5-4,6-1</inkml:trace>
+</inkml:ink>
+</file>
+
+<file path=ppt/ink/ink102.xml><?xml version="1.0" encoding="utf-8"?>
+<inkml:ink xmlns:inkml="http://www.w3.org/2003/InkML">
+  <inkml:definitions>
+    <inkml:context xml:id="ctx0">
+      <inkml:inkSource xml:id="inkSrc0">
+        <inkml:traceFormat>
+          <inkml:channel name="X" type="integer" min="-2.14748E9" max="2.14748E9" units="cm"/>
+          <inkml:channel name="Y" type="integer" min="-2.14748E9" max="2.14748E9" units="cm"/>
+        </inkml:traceFormat>
+        <inkml:channelProperties>
+          <inkml:channelProperty channel="X" name="resolution" value="1000" units="1/cm"/>
+          <inkml:channelProperty channel="Y" name="resolution" value="1000" units="1/cm"/>
+        </inkml:channelProperties>
+      </inkml:inkSource>
+      <inkml:timestamp xml:id="ts0" timeString="2024-05-28T07:03:37.226"/>
+    </inkml:context>
+    <inkml:brush xml:id="br0">
+      <inkml:brushProperty name="width" value="0.2" units="cm"/>
+      <inkml:brushProperty name="height" value="0.4" units="cm"/>
+      <inkml:brushProperty name="color" value="#00FDFF"/>
+      <inkml:brushProperty name="tip" value="rectangle"/>
+      <inkml:brushProperty name="rasterOp" value="maskPen"/>
+    </inkml:brush>
+  </inkml:definitions>
+  <inkml:trace contextRef="#ctx0" brushRef="#br0">0 38,'100'0,"-46"0,2 0,8 0,1 0,7 0,2 0,-2 0,2 0,4 0,1 0,-3 0,-1 0,-3 0,-3 0,-6 0,-2 0,-3 0,-2 0,-3 0,-1 0,45 0,-5 0,-17 0,-12 0,-11 0,-7 0,0 0,0 0,2 0,5 0,4 0,4 0,1 0,1 0,2 0,10 0,4 0,5 0,3 0,-1 0,1 0,-5 0,-8 0,-5 0,0 0,5 0,4 0,-1 0,-3 0,-3 0,-4 0,1 0,2-2,4-4,2-1,2-2,4 2,0 4,6 0,9 3,-45 0,0 0,5 0,0 0,-1 0,1 0,-2 0,1 0,-2 0,1 0,1 0,0 0,0 0,-1 0,-3 0,-1 0,41 0,-14 0,-8 0,-6 0,-8 0,-6 0,-5 0,-3 0,2 0,1 0,1 0,0 0,0 0,1 0,2 0,3 0,5 0,1 0,-10 0,-9 0,-14 0,-10 0,-2 0,2 0,7 0,3 3,1-1,-13 1,-4-2</inkml:trace>
+</inkml:ink>
+</file>
+
+<file path=ppt/ink/ink103.xml><?xml version="1.0" encoding="utf-8"?>
+<inkml:ink xmlns:inkml="http://www.w3.org/2003/InkML">
+  <inkml:definitions>
+    <inkml:context xml:id="ctx0">
+      <inkml:inkSource xml:id="inkSrc0">
+        <inkml:traceFormat>
+          <inkml:channel name="X" type="integer" min="-2.14748E9" max="2.14748E9" units="cm"/>
+          <inkml:channel name="Y" type="integer" min="-2.14748E9" max="2.14748E9" units="cm"/>
+        </inkml:traceFormat>
+        <inkml:channelProperties>
+          <inkml:channelProperty channel="X" name="resolution" value="1000" units="1/cm"/>
+          <inkml:channelProperty channel="Y" name="resolution" value="1000" units="1/cm"/>
+        </inkml:channelProperties>
+      </inkml:inkSource>
+      <inkml:timestamp xml:id="ts0" timeString="2024-05-28T07:03:39.943"/>
+    </inkml:context>
+    <inkml:brush xml:id="br0">
+      <inkml:brushProperty name="width" value="0.2" units="cm"/>
+      <inkml:brushProperty name="height" value="0.4" units="cm"/>
+      <inkml:brushProperty name="color" value="#00FDFF"/>
+      <inkml:brushProperty name="tip" value="rectangle"/>
+      <inkml:brushProperty name="rasterOp" value="maskPen"/>
+    </inkml:brush>
+  </inkml:definitions>
+  <inkml:trace contextRef="#ctx0" brushRef="#br0">1 0,'31'60,"0"1,10 5,8 2,-3-12,6 1,3 2,11 6,5 2,2 1,-11-12,2 2,1-1,-1 0,1 0,0-1,0 0,0 0,0 0,1 0,-1 0,-1-1,-4-3,0 0,-1-1,-1 0,14 10,0-1,-2 0,0-3,-1-1,-3-2,-8-8,-2-2,-2-1,18 12,-4-3,-11-8,-4-2,-8-6,-3-2,26 21,-13-12,-11-10,-12-11,-7-6,-5-6,4 1,10 2,9 2,4 5,1 2,-3 5,1 3,-1 4,0 0,3 3,2 0,-4 0,0-2,-2-2,4 3,8 4,3 4,3 3,-1 1,-2-2,-3-2,1 1,1 0,8 7,6 6,-33-25,0 0,4 3,1 1,0 0,0 2,3 3,0 2,1 0,0 1,-2 0,-1 1,1 0,-1-1,-3-2,-1-1,-2-2,0 0,-1-1,-2 0,-1 0,0-1,0 0,-2-1,29 32,-6-6,-8-8,-5-4,-5-6,-4-6,-2-6,-2-3,0-3,-2-3,-1-2,0 1,2 3,0 4,3 3,1 0,0-2,-3-4,-6-7,-7-6,-7-5,-2-1,0 2,8 4,9 7,5 3,-1 0,-4-4,-10-6,-6-5,-4-6,-3-1</inkml:trace>
+</inkml:ink>
+</file>
+
+<file path=ppt/ink/ink104.xml><?xml version="1.0" encoding="utf-8"?>
+<inkml:ink xmlns:inkml="http://www.w3.org/2003/InkML">
+  <inkml:definitions>
+    <inkml:context xml:id="ctx0">
+      <inkml:inkSource xml:id="inkSrc0">
+        <inkml:traceFormat>
+          <inkml:channel name="X" type="integer" min="-2.14748E9" max="2.14748E9" units="cm"/>
+          <inkml:channel name="Y" type="integer" min="-2.14748E9" max="2.14748E9" units="cm"/>
+        </inkml:traceFormat>
+        <inkml:channelProperties>
+          <inkml:channelProperty channel="X" name="resolution" value="1000" units="1/cm"/>
+          <inkml:channelProperty channel="Y" name="resolution" value="1000" units="1/cm"/>
+        </inkml:channelProperties>
+      </inkml:inkSource>
+      <inkml:timestamp xml:id="ts0" timeString="2024-05-28T07:06:03.244"/>
+    </inkml:context>
+    <inkml:brush xml:id="br0">
+      <inkml:brushProperty name="width" value="0.2" units="cm"/>
+      <inkml:brushProperty name="height" value="0.4" units="cm"/>
+      <inkml:brushProperty name="color" value="#FFFC00"/>
+      <inkml:brushProperty name="tip" value="rectangle"/>
+      <inkml:brushProperty name="rasterOp" value="maskPen"/>
+    </inkml:brush>
+  </inkml:definitions>
+  <inkml:trace contextRef="#ctx0" brushRef="#br0">0 97,'76'0,"2"0,4 0,7 0,-2 0,8 0,3 0,-1 0,-47 0,0 0,46 0,-2 0,-6 0,-1 0,-3 0,-6 0,-1 3,-4 3,5 4,14 2,5-2,-46-6,1-2,0 0,0-1,1 0,0-2,1 1,1 0,3 0,1 0,1 0,0 0,0 0,0 0,-1 0,0 0,-4-2,-1 0,-1-1,0-1,-3 0,0-2,47-3,0 4,-1 2,-3 3,-6 0,-9 0,-8 0,-6 0,-3-3,-1 0,0-2,-3-2,-7 1,-7-2,-5-1,2 2,2-1,-1 3,-6 1,-6 2,-7 2,1-1,8-2,3-2,2 0,-6 0,-8 3,-4 1,-1-1,3-1,1 0,2-2,-4 3,-10-1,-3 2</inkml:trace>
+</inkml:ink>
+</file>
+
+<file path=ppt/ink/ink105.xml><?xml version="1.0" encoding="utf-8"?>
+<inkml:ink xmlns:inkml="http://www.w3.org/2003/InkML">
+  <inkml:definitions>
+    <inkml:context xml:id="ctx0">
+      <inkml:inkSource xml:id="inkSrc0">
+        <inkml:traceFormat>
+          <inkml:channel name="X" type="integer" min="-2.14748E9" max="2.14748E9" units="cm"/>
+          <inkml:channel name="Y" type="integer" min="-2.14748E9" max="2.14748E9" units="cm"/>
+        </inkml:traceFormat>
+        <inkml:channelProperties>
+          <inkml:channelProperty channel="X" name="resolution" value="1000" units="1/cm"/>
+          <inkml:channelProperty channel="Y" name="resolution" value="1000" units="1/cm"/>
+        </inkml:channelProperties>
+      </inkml:inkSource>
+      <inkml:timestamp xml:id="ts0" timeString="2024-05-28T07:06:05.127"/>
+    </inkml:context>
+    <inkml:brush xml:id="br0">
+      <inkml:brushProperty name="width" value="0.2" units="cm"/>
+      <inkml:brushProperty name="height" value="0.4" units="cm"/>
+      <inkml:brushProperty name="color" value="#FFFC00"/>
+      <inkml:brushProperty name="tip" value="rectangle"/>
+      <inkml:brushProperty name="rasterOp" value="maskPen"/>
+    </inkml:brush>
+  </inkml:definitions>
+  <inkml:trace contextRef="#ctx0" brushRef="#br0">302 1,'-34'12,"6"1,13 2,2-3,-2 0,-6 2,-2 4,1 0,8-4,7-4,4-4,-4 6,-9 1,-6 7,-2-1,6-5,7-3,5-7,3-1</inkml:trace>
+</inkml:ink>
+</file>
+
+<file path=ppt/ink/ink106.xml><?xml version="1.0" encoding="utf-8"?>
+<inkml:ink xmlns:inkml="http://www.w3.org/2003/InkML">
+  <inkml:definitions>
+    <inkml:context xml:id="ctx0">
+      <inkml:inkSource xml:id="inkSrc0">
+        <inkml:traceFormat>
+          <inkml:channel name="X" type="integer" min="-2.14748E9" max="2.14748E9" units="cm"/>
+          <inkml:channel name="Y" type="integer" min="-2.14748E9" max="2.14748E9" units="cm"/>
+        </inkml:traceFormat>
+        <inkml:channelProperties>
+          <inkml:channelProperty channel="X" name="resolution" value="1000" units="1/cm"/>
+          <inkml:channelProperty channel="Y" name="resolution" value="1000" units="1/cm"/>
+        </inkml:channelProperties>
+      </inkml:inkSource>
+      <inkml:timestamp xml:id="ts0" timeString="2024-05-28T07:06:11.814"/>
+    </inkml:context>
+    <inkml:brush xml:id="br0">
+      <inkml:brushProperty name="width" value="0.2" units="cm"/>
+      <inkml:brushProperty name="height" value="0.4" units="cm"/>
+      <inkml:brushProperty name="color" value="#FFACD5"/>
+      <inkml:brushProperty name="tip" value="rectangle"/>
+      <inkml:brushProperty name="rasterOp" value="maskPen"/>
+    </inkml:brush>
+  </inkml:definitions>
+  <inkml:trace contextRef="#ctx0" brushRef="#br0">84 0,'39'0,"-3"0,-12 0,9 0,12 0,4 0,-5 0,-11 0,-7 0,3 0,6 0,1 0,-4 0,-8 0,-9 0,-4 0,0 0,-1 0,15 0,13 0,9 0,-2 0,-10 0,-12 1,-9 1,-4 0,7 3,2 0,13 0,-3 2,-4-1,-7-2,-9-2,-48 14,11-5,-39 13,28-11,4-2,7-6,2-3,-6-2,-15 0,-14 0,-8 0,5 0,16 0,17 0,5 0,-5 0,-11 0,-10 0,1 0,6 0,12-2,9-1,2 1,2-1,1 3,4 0,8 0,50 5,-19-1,34 3,-37-4,-11-1,-3-2</inkml:trace>
+</inkml:ink>
+</file>
+
+<file path=ppt/ink/ink107.xml><?xml version="1.0" encoding="utf-8"?>
+<inkml:ink xmlns:inkml="http://www.w3.org/2003/InkML">
+  <inkml:definitions>
+    <inkml:context xml:id="ctx0">
+      <inkml:inkSource xml:id="inkSrc0">
+        <inkml:traceFormat>
+          <inkml:channel name="X" type="integer" min="-2.14748E9" max="2.14748E9" units="cm"/>
+          <inkml:channel name="Y" type="integer" min="-2.14748E9" max="2.14748E9" units="cm"/>
+          <inkml:channel name="F" type="integer" max="32767" units="dev"/>
+        </inkml:traceFormat>
+        <inkml:channelProperties>
+          <inkml:channelProperty channel="X" name="resolution" value="1000" units="1/cm"/>
+          <inkml:channelProperty channel="Y" name="resolution" value="1000" units="1/cm"/>
+          <inkml:channelProperty channel="F" name="resolution" value="0" units="1/dev"/>
+        </inkml:channelProperties>
+      </inkml:inkSource>
+      <inkml:timestamp xml:id="ts0" timeString="2023-11-21T05:16:57.267"/>
+    </inkml:context>
+    <inkml:brush xml:id="br0">
+      <inkml:brushProperty name="width" value="0.2" units="cm"/>
+      <inkml:brushProperty name="height" value="0.2" units="cm"/>
+      <inkml:brushProperty name="color" value="#FF0066"/>
+    </inkml:brush>
+  </inkml:definitions>
+  <inkml:trace contextRef="#ctx0" brushRef="#br0">0 3607 24575,'38'5'0,"19"-1"0,23-4 0,-30 0 0,3 0 0,4 0 0,0 0 0,9 0 0,2 0 0,1 0 0,2 0 0,6 0 0,1 0 0,2 0 0,-1 0 0,-2 0 0,0 0 0,-3 0 0,-2 0 0,-6 0 0,-3 0 0,-8 0 0,-2 0 0,42 0 0,-13 0 0,-13 0 0,-7 0 0,-11 0 0,-5 0 0,-1 0 0,-1 0 0,-1 0 0,-6 3 0,-5 0 0,-3 0 0,-5 0 0,-6-3 0,-1 0 0,9 0 0,12 0 0,15 0 0,14 0 0,0 0 0,-1 0 0,-5 0 0,-9 0 0,0 0 0,0 0 0,0 0 0,1 0 0,-1 0 0,2 0 0,1 0 0,4 0 0,1 0 0,-1 0 0,4 0 0,0 0 0,5 0 0,-3 0 0,-3 0 0,1 0 0,0 0 0,3 0 0,1 3 0,1 0 0,-1 1 0,-3 2 0,-5-2 0,-5-1 0,-2 1 0,3-4 0,4 0 0,0 0 0,-1 0 0,0 0 0,-3 0 0,4 0 0,-1 0 0,-2 0 0,-2 0 0,-6 0 0,-3 0 0,-3 0 0,-2 0 0,-1 0 0,1 0 0,-3 0 0,-2 0 0,-3 0 0,-2 0 0,2 0 0,-2 0 0,-1 0 0,0 0 0,-3 0 0,3 0 0,1 0 0,3 0 0,3 0 0,-2 2 0,0 2 0,-4-1 0,-6 0 0,-5-3 0,-8 0 0,0 0 0,1 3 0,2-1 0,10 4 0,9 2 0,6-1 0,5 2 0,-6-1 0,-4-1 0,-3-1 0,-5-1 0,1-2 0,-2 0 0,-1-2 0,3-1 0,-2 0 0,-2 0 0,-4 0 0,-5 0 0,-5 0 0,-1 0 0,0 0 0,9 0 0,8 0 0,12 0 0,7 0 0,0 0 0,-2 3 0,-9 0 0,-7 0 0,-8 2 0,-7-3 0,1 1 0,0-1 0,4 1 0,6 0 0,3 0 0,3 3 0,0-3 0,-8 0 0,-5-1 0,-7-4 0,-6 0 0,-8-9 0,0 3 0,-11-10 0,-3 1 0,-6-5 0,-10-7 0,-4-1 0,-6-4 0,-2 0 0,3 1 0,-3 0 0,3 0 0,1 2 0,-3 1 0,2 1 0,1 2 0,3 4 0,5 0 0,0 1 0,1-1 0,-1 0 0,2 2 0,1 0 0,2-1 0,0-2 0,0-2 0,4 2 0,2 0 0,4 2 0,3 3 0,3 2 0,0 2 0,1-3 0,-5-7 0,-6-7 0,-7-5 0,-8-4 0,-3 0 0,2 1 0,0-1 0,7 1 0,0-3 0,-1-2 0,0-3 0,-4-2 0,0 1 0,-3-3 0,1-3 0,-2-2 0,-2-3 0,-1-3 0,-4 2 0,2 3 0,1 7 0,2 6 0,5 5 0,0 0 0,0 0 0,1 0 0,-1 0 0,0 1 0,0-1 0,-1-4 0,0-1 0,-4-4 0,-2-3 0,-4-3 0,-7-6 0,1 0 0,-7-4 0,1 3 0,-1-3 0,0 2 0,4 3 0,0-1 0,2 4 0,0 1 0,1 4 0,-1 5 0,2 6 0,-2 3 0,0 4 0,1 4 0,0 2 0,-1 3 0,1 0 0,-1 3 0,1 1 0,2-1 0,1 1 0,2 0 0,-1 0 0,2 0 0,0-2 0,-1-2 0,2 1 0,-1-2 0,2 2 0,5 0 0,3 1 0,4 3 0,1 2 0,3 3 0,-2 1 0,-1 3 0,2-1 0,-2 1 0,2 0 0,2-1 0,-1 4 0,6 0 0,5 0 0,6 0 0,5-2-820,2 2 1,2 4 0,2 1 0</inkml:trace>
+</inkml:ink>
+</file>
+
+<file path=ppt/ink/ink108.xml><?xml version="1.0" encoding="utf-8"?>
+<inkml:ink xmlns:inkml="http://www.w3.org/2003/InkML">
+  <inkml:definitions>
+    <inkml:context xml:id="ctx0">
+      <inkml:inkSource xml:id="inkSrc0">
+        <inkml:traceFormat>
+          <inkml:channel name="X" type="integer" min="-2.14748E9" max="2.14748E9" units="cm"/>
+          <inkml:channel name="Y" type="integer" min="-2.14748E9" max="2.14748E9" units="cm"/>
+          <inkml:channel name="F" type="integer" max="32767" units="dev"/>
+        </inkml:traceFormat>
+        <inkml:channelProperties>
+          <inkml:channelProperty channel="X" name="resolution" value="1000" units="1/cm"/>
+          <inkml:channelProperty channel="Y" name="resolution" value="1000" units="1/cm"/>
+          <inkml:channelProperty channel="F" name="resolution" value="0" units="1/dev"/>
+        </inkml:channelProperties>
+      </inkml:inkSource>
+      <inkml:timestamp xml:id="ts0" timeString="2023-11-21T05:16:59.615"/>
+    </inkml:context>
+    <inkml:brush xml:id="br0">
+      <inkml:brushProperty name="width" value="0.2" units="cm"/>
+      <inkml:brushProperty name="height" value="0.2" units="cm"/>
+      <inkml:brushProperty name="color" value="#FF0066"/>
+    </inkml:brush>
+  </inkml:definitions>
+  <inkml:trace contextRef="#ctx0" brushRef="#br0">0 1 24575,'34'20'0,"1"2"0,7 13 0,4 4 0,0 7 0,2 7 0,3 2 0,0 6 0,1 1 0,-2-3 0,-4-3 0,-7-6 0,-4-3 0,-2-4 0,-4-6 0,-1-1 0,-2-3 0,0-1 0,0 4 0,2 5 0,3 7 0,2 4 0,2 2 0,0-2 0,-1-4 0,-1-6 0,-4-9 0,-5-9 0,-5-5 0,-7-5 0,-1 1 0,1-1 0,3 1 0,2 3 0,0-1 0,0-2 0,0-1 0,1-2 0,-1 0 0,4 5 0,5 8 0,7 8 0,5 5 0,2-1 0,-3-4 0,-1-3 0,-3-1 0,-2 0 0,1-1 0,-1 1 0,0-4 0,-1 0 0,-1 2 0,1 1 0,4 6 0,4 2 0,1 1 0,-1-3 0,-5-7 0,-7-5 0,-8-5 0,-5-3 0,-4-2 0,0-3 0,3 3 0,11 8 0,12 8 0,10 12 0,8 5 0,-2 1 0,-4-4 0,-8-10 0,-11-6 0,-5-9 0,-10-6 0,-2-5-820,-4-4 1,-4-2 0,-1 0 0</inkml:trace>
+</inkml:ink>
+</file>
+
+<file path=ppt/ink/ink109.xml><?xml version="1.0" encoding="utf-8"?>
+<inkml:ink xmlns:inkml="http://www.w3.org/2003/InkML">
+  <inkml:definitions>
+    <inkml:context xml:id="ctx0">
+      <inkml:inkSource xml:id="inkSrc0">
+        <inkml:traceFormat>
+          <inkml:channel name="X" type="integer" min="-2.14748E9" max="2.14748E9" units="cm"/>
+          <inkml:channel name="Y" type="integer" min="-2.14748E9" max="2.14748E9" units="cm"/>
+          <inkml:channel name="F" type="integer" max="32767" units="dev"/>
+        </inkml:traceFormat>
+        <inkml:channelProperties>
+          <inkml:channelProperty channel="X" name="resolution" value="1000" units="1/cm"/>
+          <inkml:channelProperty channel="Y" name="resolution" value="1000" units="1/cm"/>
+          <inkml:channelProperty channel="F" name="resolution" value="0" units="1/dev"/>
+        </inkml:channelProperties>
+      </inkml:inkSource>
+      <inkml:timestamp xml:id="ts0" timeString="2023-11-21T05:17:02.469"/>
+    </inkml:context>
+    <inkml:brush xml:id="br0">
+      <inkml:brushProperty name="width" value="0.2" units="cm"/>
+      <inkml:brushProperty name="height" value="0.2" units="cm"/>
+      <inkml:brushProperty name="color" value="#FF0066"/>
+    </inkml:brush>
+  </inkml:definitions>
+  <inkml:trace contextRef="#ctx0" brushRef="#br0">125 1 24575,'0'42'0,"0"5"0,0 19 0,0 16 0,0-33 0,0 2 0,0 7 0,0 1 0,0 4 0,0 1 0,0 2 0,0 1 0,0 0 0,0-1 0,0-2 0,-1-2 0,-1-5 0,0-2 0,0-4 0,0-1 0,-2 47 0,-2-7 0,0 0 0,-1-5 0,-2-3 0,1 0 0,2-2 0,-1 2 0,2-4 0,1-2 0,0-8 0,4-9 0,0-3 0,0-2 0,0 1 0,0 7 0,0 5 0,0 7 0,0 4 0,0 1 0,0 2 0,0-2 0,0 3 0,0-1 0,0 0 0,0 6 0,0 4 0,0 5 0,0-46 0,0 0 0,0 0 0,0 1 0,0-1 0,0 0 0,0 1 0,0-1 0,0 0 0,0 0 0,0 50 0,0-4 0,0-8 0,0-8 0,0-8 0,0-5 0,0-4 0,0 0 0,0 0 0,0 1 0,0 9 0,0 0 0,0 5 0,0 0 0,0-5 0,0-2 0,0-5 0,0-3 0,0 0 0,-1-5 0,-2-1 0,0-5 0,-1-9 0,-1-4 0,-1-2 0,-1-1 0,-1 4 0,2-5 0,2-6 0,2-8 0,2-9 0,0-6 0,0-4 0</inkml:trace>
 </inkml:ink>
 </file>
 
@@ -295,6 +519,258 @@
     </inkml:brush>
   </inkml:definitions>
   <inkml:trace contextRef="#ctx0" brushRef="#br0">0 1,'62'0,"0"0,3 0,0 0,-4 0,-1 0,4 0,0 0,1 0,0 0,-4 0,-2 0,-2 0,-3 0,-2 0,-2 0,40 0,0 0,-5 0,-4 0,-2 0,-10 0,-4 0,-6 0,-3 0,0 5,7 3,6 2,0 0,2-6,-7-2,-8-2,-2 3,-9 1,-4 2,-2 3,1-2,4 2,0 0,0 0,-8 1,-6-1,-6-4,-9 0,-5 24,-8 6,-7 26,-7 1,-8 4,-5-1,-7-3,-5-7,-5-6,-8-7,-6-9,-11-4,-10-4,-14-7,41-12,-2 0,-5-3,-1-1,-3-2,-1 0,-1 0,1 0,0 0,2 0,3 0,1 0,5 0,1 0,-45 0,5-2,-1-2,-3-2,2-2,-3 1,3 0,2 2,4-2,12 0,11 2,12-1,8 2,4-2,8-1,8 1,8 1,5 0</inkml:trace>
+</inkml:ink>
+</file>
+
+<file path=ppt/ink/ink110.xml><?xml version="1.0" encoding="utf-8"?>
+<inkml:ink xmlns:inkml="http://www.w3.org/2003/InkML">
+  <inkml:definitions>
+    <inkml:context xml:id="ctx0">
+      <inkml:inkSource xml:id="inkSrc0">
+        <inkml:traceFormat>
+          <inkml:channel name="X" type="integer" min="-2.14748E9" max="2.14748E9" units="cm"/>
+          <inkml:channel name="Y" type="integer" min="-2.14748E9" max="2.14748E9" units="cm"/>
+          <inkml:channel name="F" type="integer" max="32767" units="dev"/>
+        </inkml:traceFormat>
+        <inkml:channelProperties>
+          <inkml:channelProperty channel="X" name="resolution" value="1000" units="1/cm"/>
+          <inkml:channelProperty channel="Y" name="resolution" value="1000" units="1/cm"/>
+          <inkml:channelProperty channel="F" name="resolution" value="0" units="1/dev"/>
+        </inkml:channelProperties>
+      </inkml:inkSource>
+      <inkml:timestamp xml:id="ts0" timeString="2023-11-21T05:17:36.053"/>
+    </inkml:context>
+    <inkml:brush xml:id="br0">
+      <inkml:brushProperty name="width" value="0.2" units="cm"/>
+      <inkml:brushProperty name="height" value="0.2" units="cm"/>
+      <inkml:brushProperty name="color" value="#66CC00"/>
+    </inkml:brush>
+  </inkml:definitions>
+  <inkml:trace contextRef="#ctx0" brushRef="#br0">1745 2010 24575,'-46'0'0,"-21"0"0,16 0 0,-4 0 0,-7 0 0,-2 0 0,-5 0 0,-2 0 0,-3 1 0,-1-2 0,3 1 0,1-1 0,-4-4 0,1-3 0,5-4 0,3-5 0,4-4 0,2-5 0,4-6 0,3-4 0,4-1 0,3-2 0,3-1 0,3-3 0,6 0 0,3-1 0,-19-40 0,9-6 0,23 43 0,1-2 0,1-3 0,1-1 0,2-4 0,1 0 0,4-1 0,1 0 0,2-1 0,2 0 0,0 0 0,2 2 0,1 3 0,0 2 0,0-43 0,0 18 0,5 12 0,9 5 0,15 4 0,22 0 0,24 2 0,-27 26 0,4 2 0,8 0 0,4 3 0,7 1 0,4 2-471,7 3 1,4 4 470,-19 6 0,3 2 0,0 2-445,6-1 1,1 2-1,2 1 445,3 0 0,1 2 0,0-1 0,-4 0 0,1 0 0,-2 0 0,-5 0 0,0 0 0,-1 0-233,-2 0 1,-1 1 0,-1 0 232,26 3 0,-2 1 0,-3 2 0,-2 3 0,-13 1 0,-3 1 0,-8 1 0,-2 1 0,-9 0 0,-2 0 843,34 18-843,-10 4 1345,-11 3-1345,-3 4 784,-4 0-784,-4 4 0,0 6 0,-2 2 0,-5 0 0,-7-2 0,-6-6 0,-5-1 0,-3 0 0,-1 1 0,-6 1 0,-2 2 0,-6-1 0,-4 0 0,-3 0 0,-2-3 0,-1 2 0,-7-1 0,-10 3 0,-12 0 0,-12-1 0,-4 1 0,-8-1 0,-6-1 0,-3 0 0,-8-2 0,-5 0 0,-7 2 0,38-25 0,-1 0 0,-4 0 0,-2 0 0,-3-1 0,-2-1 0,-1 0 0,-1 0 0,-3-1 0,-1-2 0,1-1 0,0-1 0,0 0 0,0-2 0,-1 0 0,0-2 0,6-1 0,1-2 0,-42 3-820,29-7 1,34-5 0,19 0 0</inkml:trace>
+</inkml:ink>
+</file>
+
+<file path=ppt/ink/ink111.xml><?xml version="1.0" encoding="utf-8"?>
+<inkml:ink xmlns:inkml="http://www.w3.org/2003/InkML">
+  <inkml:definitions>
+    <inkml:context xml:id="ctx0">
+      <inkml:inkSource xml:id="inkSrc0">
+        <inkml:traceFormat>
+          <inkml:channel name="X" type="integer" min="-2.14748E9" max="2.14748E9" units="cm"/>
+          <inkml:channel name="Y" type="integer" min="-2.14748E9" max="2.14748E9" units="cm"/>
+        </inkml:traceFormat>
+        <inkml:channelProperties>
+          <inkml:channelProperty channel="X" name="resolution" value="1000" units="1/cm"/>
+          <inkml:channelProperty channel="Y" name="resolution" value="1000" units="1/cm"/>
+        </inkml:channelProperties>
+      </inkml:inkSource>
+      <inkml:timestamp xml:id="ts0" timeString="2023-11-21T05:18:09.475"/>
+    </inkml:context>
+    <inkml:brush xml:id="br0">
+      <inkml:brushProperty name="width" value="0.4" units="cm"/>
+      <inkml:brushProperty name="height" value="0.8" units="cm"/>
+      <inkml:brushProperty name="color" value="#FF8517"/>
+      <inkml:brushProperty name="tip" value="rectangle"/>
+      <inkml:brushProperty name="rasterOp" value="maskPen"/>
+    </inkml:brush>
+  </inkml:definitions>
+  <inkml:trace contextRef="#ctx0" brushRef="#br0">0 47,'81'0,"0"0,1 0,2 0,3 0,1 0,4 0,3 0,4 0,0 0,-2 0,-3 0,-7 0,-1 0,-4 0,-1 0,-1 0,-1 0,-3 0,0 0,-2 0,-2 0,-6 0,-2 0,-8 0,-2 0,44 0,-20 0,-15 0,-11 0,-7 0,-4 0,-10 0,-7 0,-4 0,0 0,13 0,10 0,22 0,10 0,8 0,-4 0,-14 0,-17 0,-17 0,-10 0,-10-21,-2-5</inkml:trace>
+</inkml:ink>
+</file>
+
+<file path=ppt/ink/ink112.xml><?xml version="1.0" encoding="utf-8"?>
+<inkml:ink xmlns:inkml="http://www.w3.org/2003/InkML">
+  <inkml:definitions>
+    <inkml:context xml:id="ctx0">
+      <inkml:inkSource xml:id="inkSrc0">
+        <inkml:traceFormat>
+          <inkml:channel name="X" type="integer" min="-2.14748E9" max="2.14748E9" units="cm"/>
+          <inkml:channel name="Y" type="integer" min="-2.14748E9" max="2.14748E9" units="cm"/>
+        </inkml:traceFormat>
+        <inkml:channelProperties>
+          <inkml:channelProperty channel="X" name="resolution" value="1000" units="1/cm"/>
+          <inkml:channelProperty channel="Y" name="resolution" value="1000" units="1/cm"/>
+        </inkml:channelProperties>
+      </inkml:inkSource>
+      <inkml:timestamp xml:id="ts0" timeString="2023-11-21T05:18:11.927"/>
+    </inkml:context>
+    <inkml:brush xml:id="br0">
+      <inkml:brushProperty name="width" value="0.4" units="cm"/>
+      <inkml:brushProperty name="height" value="0.8" units="cm"/>
+      <inkml:brushProperty name="color" value="#FF8517"/>
+      <inkml:brushProperty name="tip" value="rectangle"/>
+      <inkml:brushProperty name="rasterOp" value="maskPen"/>
+    </inkml:brush>
+  </inkml:definitions>
+  <inkml:trace contextRef="#ctx0" brushRef="#br0">1 32,'80'0,"0"0,10 0,3 0,4 0,4 0,-26 0,1 0,1 0,-4 0,0 0,0 0,4 0,0 0,1 0,-1 0,0 0,0 0,-2 0,-1 0,0 0,4 0,0 0,-1 0,-9 0,-2 0,1 0,32 0,1 0,-2 0,0 0,-5 0,1 0,0 0,-2 0,-8 0,-2 0,-5 0,-1 0,-5 0,-1 0,0 0,1 0,-1 0,0 0,-2 0,-1 0,-1 0,-1 0,-6 0,0 0,-2 0,1 0,-2 0,0 0,-3-3,0-1,-1 0,-1-1,46-3,-6 1,-8 7,-6 0,-7 0,-2 0,-1 0,0 0,-1 0,-6 0,-14 0,-13 0,-11 0,-9 0,0 0</inkml:trace>
+</inkml:ink>
+</file>
+
+<file path=ppt/ink/ink113.xml><?xml version="1.0" encoding="utf-8"?>
+<inkml:ink xmlns:inkml="http://www.w3.org/2003/InkML">
+  <inkml:definitions>
+    <inkml:context xml:id="ctx0">
+      <inkml:inkSource xml:id="inkSrc0">
+        <inkml:traceFormat>
+          <inkml:channel name="X" type="integer" min="-2.14748E9" max="2.14748E9" units="cm"/>
+          <inkml:channel name="Y" type="integer" min="-2.14748E9" max="2.14748E9" units="cm"/>
+        </inkml:traceFormat>
+        <inkml:channelProperties>
+          <inkml:channelProperty channel="X" name="resolution" value="1000" units="1/cm"/>
+          <inkml:channelProperty channel="Y" name="resolution" value="1000" units="1/cm"/>
+        </inkml:channelProperties>
+      </inkml:inkSource>
+      <inkml:timestamp xml:id="ts0" timeString="2023-11-21T05:18:14.290"/>
+    </inkml:context>
+    <inkml:brush xml:id="br0">
+      <inkml:brushProperty name="width" value="0.4" units="cm"/>
+      <inkml:brushProperty name="height" value="0.8" units="cm"/>
+      <inkml:brushProperty name="color" value="#FF8517"/>
+      <inkml:brushProperty name="tip" value="rectangle"/>
+      <inkml:brushProperty name="rasterOp" value="maskPen"/>
+    </inkml:brush>
+  </inkml:definitions>
+  <inkml:trace contextRef="#ctx0" brushRef="#br0">1 1,'84'0,"1"0,-5 0,-1 0,-3 0,0 0,7 0,1 0,1 0,1 0,4 0,1 0,8 0,0 0,-3 0,-1 0,1 0,1 0,1 0,-1 0,-4 0,0 2,2 0,1 1,0 1,-1 1,-3 1,-1 1,-5-1,-2 0,-5 1,-1-2,-4 0,-1 0,-4-1,-1 1,-2-1,0 0,1-2,-1 0,1 0,-1-1,3-1,1 0,-3 0,-1 0,-1 0,-2 0,-3 0,-1 0,-4 0,-1 0,-3 0,-1 0,45 0,0 0,1 0,-46 0,1 0,2 0,0 0,1 0,1 0,1 0,1 0,-2 0,1 0,-3 0,0 0,-1 0,0 0,-1 0,2 0,3 0,1 0,4 0,1 0,9 0,2 0,6 0,2 0,4 0,2 0,3 0,1 0,0 0,0 0,0 0,0 0,0 0,1 0,0 0,0 0,-3 0,0 0,-1 0,-2 0,-1 0,-2 0,-3 0,-2 0,-2 0,0 0,-4 0,0 0,-3 2,0 0,-3 0,-1 0,-3 1,-2-1,-7 0,-2 0,36-2,-15 0,-17 0,-12 0,-12 0,-9 0,-5 0,5 0,5 0,15 0,8 1,0 2,-5 1,-12 0,-8 1,-8-3,-3 3</inkml:trace>
+</inkml:ink>
+</file>
+
+<file path=ppt/ink/ink114.xml><?xml version="1.0" encoding="utf-8"?>
+<inkml:ink xmlns:inkml="http://www.w3.org/2003/InkML">
+  <inkml:definitions>
+    <inkml:context xml:id="ctx0">
+      <inkml:inkSource xml:id="inkSrc0">
+        <inkml:traceFormat>
+          <inkml:channel name="X" type="integer" min="-2.14748E9" max="2.14748E9" units="cm"/>
+          <inkml:channel name="Y" type="integer" min="-2.14748E9" max="2.14748E9" units="cm"/>
+        </inkml:traceFormat>
+        <inkml:channelProperties>
+          <inkml:channelProperty channel="X" name="resolution" value="1000" units="1/cm"/>
+          <inkml:channelProperty channel="Y" name="resolution" value="1000" units="1/cm"/>
+        </inkml:channelProperties>
+      </inkml:inkSource>
+      <inkml:timestamp xml:id="ts0" timeString="2023-11-21T05:18:44.896"/>
+    </inkml:context>
+    <inkml:brush xml:id="br0">
+      <inkml:brushProperty name="width" value="0.4" units="cm"/>
+      <inkml:brushProperty name="height" value="0.8" units="cm"/>
+      <inkml:brushProperty name="color" value="#FF8517"/>
+      <inkml:brushProperty name="tip" value="rectangle"/>
+      <inkml:brushProperty name="rasterOp" value="maskPen"/>
+    </inkml:brush>
+  </inkml:definitions>
+  <inkml:trace contextRef="#ctx0" brushRef="#br0">0 0,'83'0,"4"0,1 0,8 0,-43 0,1 0,0 0,1 0,-2 0,-1 0,1 0,0 0,44 1,-1 5,-46 0,0 2,45 12,-3 2,-9-3,-9-7,-12-2,-10-4,-9-3,-12 1,-7-1,-7 0,-4 0</inkml:trace>
+</inkml:ink>
+</file>
+
+<file path=ppt/ink/ink115.xml><?xml version="1.0" encoding="utf-8"?>
+<inkml:ink xmlns:inkml="http://www.w3.org/2003/InkML">
+  <inkml:definitions>
+    <inkml:context xml:id="ctx0">
+      <inkml:inkSource xml:id="inkSrc0">
+        <inkml:traceFormat>
+          <inkml:channel name="X" type="integer" min="-2.14748E9" max="2.14748E9" units="cm"/>
+          <inkml:channel name="Y" type="integer" min="-2.14748E9" max="2.14748E9" units="cm"/>
+        </inkml:traceFormat>
+        <inkml:channelProperties>
+          <inkml:channelProperty channel="X" name="resolution" value="1000" units="1/cm"/>
+          <inkml:channelProperty channel="Y" name="resolution" value="1000" units="1/cm"/>
+        </inkml:channelProperties>
+      </inkml:inkSource>
+      <inkml:timestamp xml:id="ts0" timeString="2024-05-28T07:06:43.935"/>
+    </inkml:context>
+    <inkml:brush xml:id="br0">
+      <inkml:brushProperty name="width" value="0.2" units="cm"/>
+      <inkml:brushProperty name="height" value="0.4" units="cm"/>
+      <inkml:brushProperty name="color" value="#FF8517"/>
+      <inkml:brushProperty name="tip" value="rectangle"/>
+      <inkml:brushProperty name="rasterOp" value="maskPen"/>
+    </inkml:brush>
+  </inkml:definitions>
+  <inkml:trace contextRef="#ctx0" brushRef="#br0">1 157,'42'-24,"-7"3,-8 5,-10 3,-5 4,-4 3,-1 2,5-3,4-3,6-4,1 2,-3 3,-4 2,-9 4,-4 1</inkml:trace>
+</inkml:ink>
+</file>
+
+<file path=ppt/ink/ink116.xml><?xml version="1.0" encoding="utf-8"?>
+<inkml:ink xmlns:inkml="http://www.w3.org/2003/InkML">
+  <inkml:definitions>
+    <inkml:context xml:id="ctx0">
+      <inkml:inkSource xml:id="inkSrc0">
+        <inkml:traceFormat>
+          <inkml:channel name="X" type="integer" min="-2.14748E9" max="2.14748E9" units="cm"/>
+          <inkml:channel name="Y" type="integer" min="-2.14748E9" max="2.14748E9" units="cm"/>
+        </inkml:traceFormat>
+        <inkml:channelProperties>
+          <inkml:channelProperty channel="X" name="resolution" value="1000" units="1/cm"/>
+          <inkml:channelProperty channel="Y" name="resolution" value="1000" units="1/cm"/>
+        </inkml:channelProperties>
+      </inkml:inkSource>
+      <inkml:timestamp xml:id="ts0" timeString="2024-05-28T07:06:45.282"/>
+    </inkml:context>
+    <inkml:brush xml:id="br0">
+      <inkml:brushProperty name="width" value="0.2" units="cm"/>
+      <inkml:brushProperty name="height" value="0.4" units="cm"/>
+      <inkml:brushProperty name="color" value="#FF8517"/>
+      <inkml:brushProperty name="tip" value="rectangle"/>
+      <inkml:brushProperty name="rasterOp" value="maskPen"/>
+    </inkml:brush>
+  </inkml:definitions>
+  <inkml:trace contextRef="#ctx0" brushRef="#br0">1 1,'0'0</inkml:trace>
+</inkml:ink>
+</file>
+
+<file path=ppt/ink/ink117.xml><?xml version="1.0" encoding="utf-8"?>
+<inkml:ink xmlns:inkml="http://www.w3.org/2003/InkML">
+  <inkml:definitions>
+    <inkml:context xml:id="ctx0">
+      <inkml:inkSource xml:id="inkSrc0">
+        <inkml:traceFormat>
+          <inkml:channel name="X" type="integer" min="-2.14748E9" max="2.14748E9" units="cm"/>
+          <inkml:channel name="Y" type="integer" min="-2.14748E9" max="2.14748E9" units="cm"/>
+        </inkml:traceFormat>
+        <inkml:channelProperties>
+          <inkml:channelProperty channel="X" name="resolution" value="1000" units="1/cm"/>
+          <inkml:channelProperty channel="Y" name="resolution" value="1000" units="1/cm"/>
+        </inkml:channelProperties>
+      </inkml:inkSource>
+      <inkml:timestamp xml:id="ts0" timeString="2024-05-28T07:06:46.878"/>
+    </inkml:context>
+    <inkml:brush xml:id="br0">
+      <inkml:brushProperty name="width" value="0.2" units="cm"/>
+      <inkml:brushProperty name="height" value="0.4" units="cm"/>
+      <inkml:brushProperty name="color" value="#FF8517"/>
+      <inkml:brushProperty name="tip" value="rectangle"/>
+      <inkml:brushProperty name="rasterOp" value="maskPen"/>
+    </inkml:brush>
+  </inkml:definitions>
+  <inkml:trace contextRef="#ctx0" brushRef="#br0">1 0,'14'23,"-2"-5,-7-16,4 3,4-2,11 5,2-3,-1 0,-4-2,-7-3,-2 0,4 0,12 0,8 0,-10 0,-6 0</inkml:trace>
+</inkml:ink>
+</file>
+
+<file path=ppt/ink/ink118.xml><?xml version="1.0" encoding="utf-8"?>
+<inkml:ink xmlns:inkml="http://www.w3.org/2003/InkML">
+  <inkml:definitions>
+    <inkml:context xml:id="ctx0">
+      <inkml:inkSource xml:id="inkSrc0">
+        <inkml:traceFormat>
+          <inkml:channel name="X" type="integer" min="-2.14748E9" max="2.14748E9" units="cm"/>
+          <inkml:channel name="Y" type="integer" min="-2.14748E9" max="2.14748E9" units="cm"/>
+        </inkml:traceFormat>
+        <inkml:channelProperties>
+          <inkml:channelProperty channel="X" name="resolution" value="1000" units="1/cm"/>
+          <inkml:channelProperty channel="Y" name="resolution" value="1000" units="1/cm"/>
+        </inkml:channelProperties>
+      </inkml:inkSource>
+      <inkml:timestamp xml:id="ts0" timeString="2024-05-28T07:06:53.119"/>
+    </inkml:context>
+    <inkml:brush xml:id="br0">
+      <inkml:brushProperty name="width" value="0.2" units="cm"/>
+      <inkml:brushProperty name="height" value="0.4" units="cm"/>
+      <inkml:brushProperty name="color" value="#FF8517"/>
+      <inkml:brushProperty name="tip" value="rectangle"/>
+      <inkml:brushProperty name="rasterOp" value="maskPen"/>
+    </inkml:brush>
+  </inkml:definitions>
+  <inkml:trace contextRef="#ctx0" brushRef="#br0">173 50,'96'0,"-43"0,1 0,5 0,2 0,4 0,1 0,0-1,-1 0,-3-2,-2-1,-3 0,-2-1,43-5,-12 3,-9 3,-8 3,-3 1,1 0,-6 0,-3 0,-6 0,-7 0,0 0,0 0,0 0,0 0,1 0,-1 0,-6 0,-7 0,-7 0,-9 0,-3 0,0 0,6 2,9 2,5 1,-1 0,-8 0,-10 1,-5-2,-6 9,-3-6,-2 8,-1-3,-2 5,-4 4,-2-1,-9-3,-10-3,-19-2,-21 3,-15-1,-6-3,5-4,4-3,5-4,-1 0,3 2,4 3,4 1,6 0,1-3,-2-2,-5-1,-11 0,-4 0,-5 0,1 0,7 0,5 0,9 0,6 0,7 0,11 0,13 0,11 0,4 0,-3-3,-9-6,-10-4,-6-5,4 0,10 4,10 2,3 2,-5 1,-4-3,-3-1,6 1,8 1,6 2,4 0,2-2,7 2,2-2,19 0,20-1,26-1,25 1,-43 8,1 1,4 1,0 1,4 0,1 1,-1 0,2 0,2 0,1 0,-1 0,-1 0,-5 0,-2 0,-6 0,-2 0,34 0,-19 0,-17 2,-16 0,-15 1,-8-1,2 10,-10-9,4 8</inkml:trace>
 </inkml:ink>
 </file>
 
@@ -2350,23 +2826,23 @@
         <inkml:traceFormat>
           <inkml:channel name="X" type="integer" min="-2.14748E9" max="2.14748E9" units="cm"/>
           <inkml:channel name="Y" type="integer" min="-2.14748E9" max="2.14748E9" units="cm"/>
+          <inkml:channel name="F" type="integer" max="32767" units="dev"/>
         </inkml:traceFormat>
         <inkml:channelProperties>
           <inkml:channelProperty channel="X" name="resolution" value="1000" units="1/cm"/>
           <inkml:channelProperty channel="Y" name="resolution" value="1000" units="1/cm"/>
+          <inkml:channelProperty channel="F" name="resolution" value="0" units="1/dev"/>
         </inkml:channelProperties>
       </inkml:inkSource>
-      <inkml:timestamp xml:id="ts0" timeString="2023-11-21T05:08:45.009"/>
+      <inkml:timestamp xml:id="ts0" timeString="2024-05-28T06:55:39.841"/>
     </inkml:context>
     <inkml:brush xml:id="br0">
-      <inkml:brushProperty name="width" value="0.4" units="cm"/>
-      <inkml:brushProperty name="height" value="0.8" units="cm"/>
-      <inkml:brushProperty name="color" value="#00FDFF"/>
-      <inkml:brushProperty name="tip" value="rectangle"/>
-      <inkml:brushProperty name="rasterOp" value="maskPen"/>
+      <inkml:brushProperty name="width" value="0.05" units="cm"/>
+      <inkml:brushProperty name="height" value="0.05" units="cm"/>
+      <inkml:brushProperty name="color" value="#0432FF"/>
     </inkml:brush>
   </inkml:definitions>
-  <inkml:trace contextRef="#ctx0" brushRef="#br0">94 1,'62'0,"1"0,5 0,2 0,10 0,2 0,2 0,2 0,-20 0,2 0,0 0,2 0,1 0,0 0,3 0,1 0,0 1,1 0,1 2,-1 0,-6 2,-1 0,0 2,0 0,0 2,-1 0,27 6,-3 0,-7 0,-1-2,-9-2,-2-2,-7 0,-2-2,-7-2,-3-2,45 2,-20-2,-15-3,-13 0,-13 0,-7 0,-5 0,-1 0,-1 0,2 0,0 0,2 0,-2 0,-1 0,1 0,0 0,3 0,5 2,8 1,10 3,9 1,6 0,-4 3,-2-3,-9 2,-8-3,-9-1,-10 0,-7-2,-6 17,-6-1,-4 9,-4-6,-9-7,-17-2,-20-2,-27-1,20-3,-5-1,-12 0,-4 0,-9 0,-3 1,-7 1,-1 0,0 0,0 0,-3 3,1 0,30-4,1 0,0-1,-28 3,1-1,5-1,2-1,5-2,2-2,7 1,1-2,6-1,1 0,6 0,1 0,5 0,0 0,-43 0,5 0,5 0,2 0,-2 0,-1 0,-1 0,1 0,4 0,1 0,4 0,6 0,4 0,5-2,4-2,3-2,4-3,7 1,5-1,8 0,7 1,4 0,6 2,-2-11,9-1,0-4,8-6,0 6</inkml:trace>
+  <inkml:trace contextRef="#ctx0" brushRef="#br0">620 1114 24575,'-25'0'0,"-12"0"0,-11 0 0,-10 0 0,-4-6 0,-3-6 0,-2-10 0,6-9 0,8-4 0,13-5 0,10-3 0,8-2 0,5 0 0,4-3 0,4-4 0,3 0 0,2-5 0,1-4 0,3-2 0,1-11 0,7 0 0,15 4 0,15 5 0,19 13 0,10 7 0,12 6 0,-31 22 0,3 3 0,6 1 0,2 2 0,6 2 0,1 2 0,2 2 0,-1 2 0,-3 1 0,-2 1 0,-5 0 0,-1 3 0,43 7 0,-13 13 0,-9 13 0,-7 11 0,-9 5 0,-11 0 0,-9 2 0,-9 4 0,-9 5 0,-6 7 0,-8 7 0,-10 4 0,-17 2 0,-22 2 0,12-42 0,-6-3 0,-7-1 0,-3-3 0,-3 0 0,-1-3 0,0-3 0,-1-2 0,0-4 0,0-2 0,-46 12 0,3-15 0,2-9 0,4-7 0,7-2 0,3 0 0,7 0 0,8-2 0,5-3 0,12-1 0,12-2 0,8 0 0,14 5 0,4-1 0</inkml:trace>
 </inkml:ink>
 </file>
 
@@ -2406,6 +2882,62 @@
         <inkml:traceFormat>
           <inkml:channel name="X" type="integer" min="-2.14748E9" max="2.14748E9" units="cm"/>
           <inkml:channel name="Y" type="integer" min="-2.14748E9" max="2.14748E9" units="cm"/>
+          <inkml:channel name="F" type="integer" max="32767" units="dev"/>
+        </inkml:traceFormat>
+        <inkml:channelProperties>
+          <inkml:channelProperty channel="X" name="resolution" value="1000" units="1/cm"/>
+          <inkml:channelProperty channel="Y" name="resolution" value="1000" units="1/cm"/>
+          <inkml:channelProperty channel="F" name="resolution" value="0" units="1/dev"/>
+        </inkml:channelProperties>
+      </inkml:inkSource>
+      <inkml:timestamp xml:id="ts0" timeString="2024-05-28T06:56:30.724"/>
+    </inkml:context>
+    <inkml:brush xml:id="br0">
+      <inkml:brushProperty name="width" value="0.05" units="cm"/>
+      <inkml:brushProperty name="height" value="0.05" units="cm"/>
+      <inkml:brushProperty name="color" value="#0432FF"/>
+    </inkml:brush>
+  </inkml:definitions>
+  <inkml:trace contextRef="#ctx0" brushRef="#br0">634 1081 24575,'-13'0'0,"-6"0"0,-11 0 0,-8 0 0,-7 0 0,-5-7 0,0-9 0,0-10 0,5-4 0,6 2 0,6 2 0,4 1 0,3-2 0,4-1 0,4-3 0,5-5 0,5-10 0,5-15 0,1-16 0,2-9 0,0 4 0,3 8 0,9 14 0,11 11 0,17 5 0,13 5 0,14-1 0,8 0 0,0 5 0,-1 7 0,-9 9 0,-3 8 0,-1 4 0,0 5 0,0 5 0,2 11 0,1 12 0,-4 13 0,-5 8 0,-8 6 0,-8 0 0,-6 3 0,-6-1 0,-6-8 0,-6-4 0,-5-4 0,-5 3 0,-2 10 0,-2 8 0,-1 4 0,-4 3 0,-12-2 0,-15 4 0,-19 0 0,-17 1 0,28-34 0,-3 0 0,-2-3 0,-3 0 0,0-2 0,-2-2 0,-1-2 0,-1-2 0,2-3 0,-1-2 0,2-1 0,-1-3 0,-43 9 0,8-9 0,6-10 0,6-5 0,7-2 0,12-4 0,8-9 0,16-6 0,12-2 0,9 0 0,11 6 0,-2 7 0,3 3 0</inkml:trace>
+</inkml:ink>
+</file>
+
+<file path=ppt/ink/ink81.xml><?xml version="1.0" encoding="utf-8"?>
+<inkml:ink xmlns:inkml="http://www.w3.org/2003/InkML">
+  <inkml:definitions>
+    <inkml:context xml:id="ctx0">
+      <inkml:inkSource xml:id="inkSrc0">
+        <inkml:traceFormat>
+          <inkml:channel name="X" type="integer" min="-2.14748E9" max="2.14748E9" units="cm"/>
+          <inkml:channel name="Y" type="integer" min="-2.14748E9" max="2.14748E9" units="cm"/>
+        </inkml:traceFormat>
+        <inkml:channelProperties>
+          <inkml:channelProperty channel="X" name="resolution" value="1000" units="1/cm"/>
+          <inkml:channelProperty channel="Y" name="resolution" value="1000" units="1/cm"/>
+        </inkml:channelProperties>
+      </inkml:inkSource>
+      <inkml:timestamp xml:id="ts0" timeString="2023-11-21T05:08:45.009"/>
+    </inkml:context>
+    <inkml:brush xml:id="br0">
+      <inkml:brushProperty name="width" value="0.4" units="cm"/>
+      <inkml:brushProperty name="height" value="0.8" units="cm"/>
+      <inkml:brushProperty name="color" value="#00FDFF"/>
+      <inkml:brushProperty name="tip" value="rectangle"/>
+      <inkml:brushProperty name="rasterOp" value="maskPen"/>
+    </inkml:brush>
+  </inkml:definitions>
+  <inkml:trace contextRef="#ctx0" brushRef="#br0">94 1,'62'0,"1"0,5 0,2 0,10 0,2 0,2 0,2 0,-20 0,2 0,0 0,2 0,1 0,0 0,3 0,1 0,0 1,1 0,1 2,-1 0,-6 2,-1 0,0 2,0 0,0 2,-1 0,27 6,-3 0,-7 0,-1-2,-9-2,-2-2,-7 0,-2-2,-7-2,-3-2,45 2,-20-2,-15-3,-13 0,-13 0,-7 0,-5 0,-1 0,-1 0,2 0,0 0,2 0,-2 0,-1 0,1 0,0 0,3 0,5 2,8 1,10 3,9 1,6 0,-4 3,-2-3,-9 2,-8-3,-9-1,-10 0,-7-2,-6 17,-6-1,-4 9,-4-6,-9-7,-17-2,-20-2,-27-1,20-3,-5-1,-12 0,-4 0,-9 0,-3 1,-7 1,-1 0,0 0,0 0,-3 3,1 0,30-4,1 0,0-1,-28 3,1-1,5-1,2-1,5-2,2-2,7 1,1-2,6-1,1 0,6 0,1 0,5 0,0 0,-43 0,5 0,5 0,2 0,-2 0,-1 0,-1 0,1 0,4 0,1 0,4 0,6 0,4 0,5-2,4-2,3-2,4-3,7 1,5-1,8 0,7 1,4 0,6 2,-2-11,9-1,0-4,8-6,0 6</inkml:trace>
+</inkml:ink>
+</file>
+
+<file path=ppt/ink/ink82.xml><?xml version="1.0" encoding="utf-8"?>
+<inkml:ink xmlns:inkml="http://www.w3.org/2003/InkML">
+  <inkml:definitions>
+    <inkml:context xml:id="ctx0">
+      <inkml:inkSource xml:id="inkSrc0">
+        <inkml:traceFormat>
+          <inkml:channel name="X" type="integer" min="-2.14748E9" max="2.14748E9" units="cm"/>
+          <inkml:channel name="Y" type="integer" min="-2.14748E9" max="2.14748E9" units="cm"/>
         </inkml:traceFormat>
         <inkml:channelProperties>
           <inkml:channelProperty channel="X" name="resolution" value="1000" units="1/cm"/>
@@ -2426,7 +2958,7 @@
 </inkml:ink>
 </file>
 
-<file path=ppt/ink/ink81.xml><?xml version="1.0" encoding="utf-8"?>
+<file path=ppt/ink/ink83.xml><?xml version="1.0" encoding="utf-8"?>
 <inkml:ink xmlns:inkml="http://www.w3.org/2003/InkML">
   <inkml:definitions>
     <inkml:context xml:id="ctx0">
@@ -2454,7 +2986,7 @@
 </inkml:ink>
 </file>
 
-<file path=ppt/ink/ink82.xml><?xml version="1.0" encoding="utf-8"?>
+<file path=ppt/ink/ink84.xml><?xml version="1.0" encoding="utf-8"?>
 <inkml:ink xmlns:inkml="http://www.w3.org/2003/InkML">
   <inkml:definitions>
     <inkml:context xml:id="ctx0">
@@ -2482,7 +3014,7 @@
 </inkml:ink>
 </file>
 
-<file path=ppt/ink/ink83.xml><?xml version="1.0" encoding="utf-8"?>
+<file path=ppt/ink/ink85.xml><?xml version="1.0" encoding="utf-8"?>
 <inkml:ink xmlns:inkml="http://www.w3.org/2003/InkML">
   <inkml:definitions>
     <inkml:context xml:id="ctx0">
@@ -2510,7 +3042,7 @@
 </inkml:ink>
 </file>
 
-<file path=ppt/ink/ink84.xml><?xml version="1.0" encoding="utf-8"?>
+<file path=ppt/ink/ink86.xml><?xml version="1.0" encoding="utf-8"?>
 <inkml:ink xmlns:inkml="http://www.w3.org/2003/InkML">
   <inkml:definitions>
     <inkml:context xml:id="ctx0">
@@ -2538,7 +3070,7 @@
 </inkml:ink>
 </file>
 
-<file path=ppt/ink/ink85.xml><?xml version="1.0" encoding="utf-8"?>
+<file path=ppt/ink/ink87.xml><?xml version="1.0" encoding="utf-8"?>
 <inkml:ink xmlns:inkml="http://www.w3.org/2003/InkML">
   <inkml:definitions>
     <inkml:context xml:id="ctx0">
@@ -2566,7 +3098,7 @@
 </inkml:ink>
 </file>
 
-<file path=ppt/ink/ink86.xml><?xml version="1.0" encoding="utf-8"?>
+<file path=ppt/ink/ink88.xml><?xml version="1.0" encoding="utf-8"?>
 <inkml:ink xmlns:inkml="http://www.w3.org/2003/InkML">
   <inkml:definitions>
     <inkml:context xml:id="ctx0">
@@ -2594,7 +3126,7 @@
 </inkml:ink>
 </file>
 
-<file path=ppt/ink/ink87.xml><?xml version="1.0" encoding="utf-8"?>
+<file path=ppt/ink/ink89.xml><?xml version="1.0" encoding="utf-8"?>
 <inkml:ink xmlns:inkml="http://www.w3.org/2003/InkML">
   <inkml:definitions>
     <inkml:context xml:id="ctx0">
@@ -2619,62 +3151,6 @@
     </inkml:brush>
   </inkml:definitions>
   <inkml:trace contextRef="#ctx0" brushRef="#br0">1 78,'88'0,"0"0,2 0,2 0,5 0,3 0,-21 0,3 0,-1 0,-2 0,0 0,2 0,6 0,2 0,-2 0,-6-1,0 1,-2 1,-6 0,-2 0,1 1,0 0,0 0,-2 0,23 2,-2 1,-5-1,-2 1,-9-3,-3 0,-8 0,-1 0,-5-2,-1 0,-2 0,1 0,0 0,0 0,4 0,0 0,1 0,1 0,-1 0,1 0,-2 0,-2 0,-2 0,-1 0,-2 0,0 0,46 0,-3 0,-6 0,-5 0,-3 0,-1 0,-1 0,4 0,1 0,5 0,6 0,0 0,-46 0,0 0,46 0,-1 0,-3 0,-2 0,6-3,-46 1,1 0,4-1,1 1,3 1,0-1,2 0,-1 0,0 0,0 0,0 0,1 0,0-1,-1 1,2-1,-1 1,0 0,-1 0,-2-1,0 0,0 0,-1 0,0-1,1 0,-1 0,0-1,0 0,1 0,1 1,0 0,1 0,0 1,0 0,1-1,0 2,-1 0,2 0,0 0,0 0,-1 1,-1 1,0 0,-2 0,-2 0,-4 0,-1 0,43 0,-4 0,-7 0,-1 0,-5 0,-3 0,-7 0,-17 0,-14 0,-13 0,-8 0,30 0,4 0,10 0,3 0,7 0,5 0,4 0,5 0,4 0,2 0,-3 1,2 0,2 0,3 1,0 0,-9 0,3 0,0 1,1 0,0 1,0 0,2 1,1 0,1 1,-1 0,0 1,-2 1,-4-1,0 1,-1 1,0 0,-2 1,-2-1,5 2,-2 0,-1 1,-2-1,-2 1,7 2,-2 0,-2 0,-4-1,11 2,-5 0,-3 0,17 3,-6 0,-17-3,-7-1,20 4,-41-7,-18-7,-10-4,1 0,7 0,17 0,9 0,5 0,-7 0,-12 0,-10 0,-12 0,-3 0</inkml:trace>
-</inkml:ink>
-</file>
-
-<file path=ppt/ink/ink88.xml><?xml version="1.0" encoding="utf-8"?>
-<inkml:ink xmlns:inkml="http://www.w3.org/2003/InkML">
-  <inkml:definitions>
-    <inkml:context xml:id="ctx0">
-      <inkml:inkSource xml:id="inkSrc0">
-        <inkml:traceFormat>
-          <inkml:channel name="X" type="integer" min="-2.14748E9" max="2.14748E9" units="cm"/>
-          <inkml:channel name="Y" type="integer" min="-2.14748E9" max="2.14748E9" units="cm"/>
-        </inkml:traceFormat>
-        <inkml:channelProperties>
-          <inkml:channelProperty channel="X" name="resolution" value="1000" units="1/cm"/>
-          <inkml:channelProperty channel="Y" name="resolution" value="1000" units="1/cm"/>
-        </inkml:channelProperties>
-      </inkml:inkSource>
-      <inkml:timestamp xml:id="ts0" timeString="2023-11-21T05:10:26.301"/>
-    </inkml:context>
-    <inkml:brush xml:id="br0">
-      <inkml:brushProperty name="width" value="0.4" units="cm"/>
-      <inkml:brushProperty name="height" value="0.8" units="cm"/>
-      <inkml:brushProperty name="color" value="#00FDFF"/>
-      <inkml:brushProperty name="tip" value="rectangle"/>
-      <inkml:brushProperty name="rasterOp" value="maskPen"/>
-    </inkml:brush>
-  </inkml:definitions>
-  <inkml:trace contextRef="#ctx0" brushRef="#br0">0 1,'99'0,"0"0,-30 2,1 1,-1 1,29 5,0 3,-3 4,-2 1,-5 2,-5 1,-17-3,-5-1,27 9,-31-7,-24-7,-14-4,-4-3</inkml:trace>
-</inkml:ink>
-</file>
-
-<file path=ppt/ink/ink89.xml><?xml version="1.0" encoding="utf-8"?>
-<inkml:ink xmlns:inkml="http://www.w3.org/2003/InkML">
-  <inkml:definitions>
-    <inkml:context xml:id="ctx0">
-      <inkml:inkSource xml:id="inkSrc0">
-        <inkml:traceFormat>
-          <inkml:channel name="X" type="integer" min="-2.14748E9" max="2.14748E9" units="cm"/>
-          <inkml:channel name="Y" type="integer" min="-2.14748E9" max="2.14748E9" units="cm"/>
-        </inkml:traceFormat>
-        <inkml:channelProperties>
-          <inkml:channelProperty channel="X" name="resolution" value="1000" units="1/cm"/>
-          <inkml:channelProperty channel="Y" name="resolution" value="1000" units="1/cm"/>
-        </inkml:channelProperties>
-      </inkml:inkSource>
-      <inkml:timestamp xml:id="ts0" timeString="2023-11-21T05:10:29.244"/>
-    </inkml:context>
-    <inkml:brush xml:id="br0">
-      <inkml:brushProperty name="width" value="0.4" units="cm"/>
-      <inkml:brushProperty name="height" value="0.8" units="cm"/>
-      <inkml:brushProperty name="color" value="#00FDFF"/>
-      <inkml:brushProperty name="tip" value="rectangle"/>
-      <inkml:brushProperty name="rasterOp" value="maskPen"/>
-    </inkml:brush>
-  </inkml:definitions>
-  <inkml:trace contextRef="#ctx0" brushRef="#br0">0 1,'53'0,"0"0,18 0,4 0,8 0,4 0,-20 0,3 0,0 0,2 0,2 0,-2 1,-2 0,-1 1,0 0,2 1,-1 1,0 1,27 2,-3 1,-7 1,-3 0,-11-2,-3-1,-12-1,-4-1,22 3,-25-3,-20-1,-16-3,-5 0</inkml:trace>
 </inkml:ink>
 </file>
 
@@ -2720,6 +3196,62 @@
           <inkml:channelProperty channel="Y" name="resolution" value="1000" units="1/cm"/>
         </inkml:channelProperties>
       </inkml:inkSource>
+      <inkml:timestamp xml:id="ts0" timeString="2023-11-21T05:10:26.301"/>
+    </inkml:context>
+    <inkml:brush xml:id="br0">
+      <inkml:brushProperty name="width" value="0.4" units="cm"/>
+      <inkml:brushProperty name="height" value="0.8" units="cm"/>
+      <inkml:brushProperty name="color" value="#00FDFF"/>
+      <inkml:brushProperty name="tip" value="rectangle"/>
+      <inkml:brushProperty name="rasterOp" value="maskPen"/>
+    </inkml:brush>
+  </inkml:definitions>
+  <inkml:trace contextRef="#ctx0" brushRef="#br0">0 1,'99'0,"0"0,-30 2,1 1,-1 1,29 5,0 3,-3 4,-2 1,-5 2,-5 1,-17-3,-5-1,27 9,-31-7,-24-7,-14-4,-4-3</inkml:trace>
+</inkml:ink>
+</file>
+
+<file path=ppt/ink/ink91.xml><?xml version="1.0" encoding="utf-8"?>
+<inkml:ink xmlns:inkml="http://www.w3.org/2003/InkML">
+  <inkml:definitions>
+    <inkml:context xml:id="ctx0">
+      <inkml:inkSource xml:id="inkSrc0">
+        <inkml:traceFormat>
+          <inkml:channel name="X" type="integer" min="-2.14748E9" max="2.14748E9" units="cm"/>
+          <inkml:channel name="Y" type="integer" min="-2.14748E9" max="2.14748E9" units="cm"/>
+        </inkml:traceFormat>
+        <inkml:channelProperties>
+          <inkml:channelProperty channel="X" name="resolution" value="1000" units="1/cm"/>
+          <inkml:channelProperty channel="Y" name="resolution" value="1000" units="1/cm"/>
+        </inkml:channelProperties>
+      </inkml:inkSource>
+      <inkml:timestamp xml:id="ts0" timeString="2023-11-21T05:10:29.244"/>
+    </inkml:context>
+    <inkml:brush xml:id="br0">
+      <inkml:brushProperty name="width" value="0.4" units="cm"/>
+      <inkml:brushProperty name="height" value="0.8" units="cm"/>
+      <inkml:brushProperty name="color" value="#00FDFF"/>
+      <inkml:brushProperty name="tip" value="rectangle"/>
+      <inkml:brushProperty name="rasterOp" value="maskPen"/>
+    </inkml:brush>
+  </inkml:definitions>
+  <inkml:trace contextRef="#ctx0" brushRef="#br0">0 1,'53'0,"0"0,18 0,4 0,8 0,4 0,-20 0,3 0,0 0,2 0,2 0,-2 1,-2 0,-1 1,0 0,2 1,-1 1,0 1,27 2,-3 1,-7 1,-3 0,-11-2,-3-1,-12-1,-4-1,22 3,-25-3,-20-1,-16-3,-5 0</inkml:trace>
+</inkml:ink>
+</file>
+
+<file path=ppt/ink/ink92.xml><?xml version="1.0" encoding="utf-8"?>
+<inkml:ink xmlns:inkml="http://www.w3.org/2003/InkML">
+  <inkml:definitions>
+    <inkml:context xml:id="ctx0">
+      <inkml:inkSource xml:id="inkSrc0">
+        <inkml:traceFormat>
+          <inkml:channel name="X" type="integer" min="-2.14748E9" max="2.14748E9" units="cm"/>
+          <inkml:channel name="Y" type="integer" min="-2.14748E9" max="2.14748E9" units="cm"/>
+        </inkml:traceFormat>
+        <inkml:channelProperties>
+          <inkml:channelProperty channel="X" name="resolution" value="1000" units="1/cm"/>
+          <inkml:channelProperty channel="Y" name="resolution" value="1000" units="1/cm"/>
+        </inkml:channelProperties>
+      </inkml:inkSource>
       <inkml:timestamp xml:id="ts0" timeString="2023-11-21T05:10:38.830"/>
     </inkml:context>
     <inkml:brush xml:id="br0">
@@ -2731,62 +3263,6 @@
     </inkml:brush>
   </inkml:definitions>
   <inkml:trace contextRef="#ctx0" brushRef="#br0">0 1,'78'2,"-7"3,-16 1,-13 1,-13-1,-9-2,-6 5,-1 1</inkml:trace>
-</inkml:ink>
-</file>
-
-<file path=ppt/ink/ink91.xml><?xml version="1.0" encoding="utf-8"?>
-<inkml:ink xmlns:inkml="http://www.w3.org/2003/InkML">
-  <inkml:definitions>
-    <inkml:context xml:id="ctx0">
-      <inkml:inkSource xml:id="inkSrc0">
-        <inkml:traceFormat>
-          <inkml:channel name="X" type="integer" min="-2.14748E9" max="2.14748E9" units="cm"/>
-          <inkml:channel name="Y" type="integer" min="-2.14748E9" max="2.14748E9" units="cm"/>
-          <inkml:channel name="F" type="integer" max="32767" units="dev"/>
-        </inkml:traceFormat>
-        <inkml:channelProperties>
-          <inkml:channelProperty channel="X" name="resolution" value="1000" units="1/cm"/>
-          <inkml:channelProperty channel="Y" name="resolution" value="1000" units="1/cm"/>
-          <inkml:channelProperty channel="F" name="resolution" value="0" units="1/dev"/>
-        </inkml:channelProperties>
-      </inkml:inkSource>
-      <inkml:timestamp xml:id="ts0" timeString="2023-11-21T05:10:55.966"/>
-    </inkml:context>
-    <inkml:brush xml:id="br0">
-      <inkml:brushProperty name="width" value="0.2" units="cm"/>
-      <inkml:brushProperty name="height" value="0.2" units="cm"/>
-      <inkml:brushProperty name="color" value="#FF0066"/>
-    </inkml:brush>
-  </inkml:definitions>
-  <inkml:trace contextRef="#ctx0" brushRef="#br0">782 1148 24575,'-40'5'0,"-4"0"0,-7-5 0,-3 0 0,-1 0 0,2-2 0,5-6 0,0-11 0,3-8 0,2-6 0,4-1 0,4 4 0,2-3 0,2-1 0,0-3 0,2-4 0,3-1 0,2-2 0,5-1 0,3 1 0,6 2 0,5 0 0,2-7 0,3-3 0,0-4 0,2 1 0,4 2 0,8 5 0,10 4 0,9 5 0,4 7 0,0 6 0,-1 4 0,-4 5 0,0 1 0,1 2 0,0 0 0,3-2 0,1 2 0,1 2 0,-4 2 0,-8 4 0,-5 2 0,-3 2 0,-1 2 0,4 0 0,6 0 0,6 0 0,5 3 0,-1 2 0,-5 1 0,-9 0 0,-11-4 0,-7-1 0</inkml:trace>
-</inkml:ink>
-</file>
-
-<file path=ppt/ink/ink92.xml><?xml version="1.0" encoding="utf-8"?>
-<inkml:ink xmlns:inkml="http://www.w3.org/2003/InkML">
-  <inkml:definitions>
-    <inkml:context xml:id="ctx0">
-      <inkml:inkSource xml:id="inkSrc0">
-        <inkml:traceFormat>
-          <inkml:channel name="X" type="integer" min="-2.14748E9" max="2.14748E9" units="cm"/>
-          <inkml:channel name="Y" type="integer" min="-2.14748E9" max="2.14748E9" units="cm"/>
-          <inkml:channel name="F" type="integer" max="32767" units="dev"/>
-        </inkml:traceFormat>
-        <inkml:channelProperties>
-          <inkml:channelProperty channel="X" name="resolution" value="1000" units="1/cm"/>
-          <inkml:channelProperty channel="Y" name="resolution" value="1000" units="1/cm"/>
-          <inkml:channelProperty channel="F" name="resolution" value="0" units="1/dev"/>
-        </inkml:channelProperties>
-      </inkml:inkSource>
-      <inkml:timestamp xml:id="ts0" timeString="2023-11-21T05:10:57.792"/>
-    </inkml:context>
-    <inkml:brush xml:id="br0">
-      <inkml:brushProperty name="width" value="0.2" units="cm"/>
-      <inkml:brushProperty name="height" value="0.2" units="cm"/>
-      <inkml:brushProperty name="color" value="#FF0066"/>
-    </inkml:brush>
-  </inkml:definitions>
-  <inkml:trace contextRef="#ctx0" brushRef="#br0">1 1 24575,'33'3'0,"-5"6"0,-9 6 0,-6 2 0,-3-2 0,-3-4 0,-1-2 0,0 0 0,-3 1 0,1 0 0,2 1 0,5 8 0,6 10 0,14 15 0,7 9 0,6 2 0,-1-7 0,-11-13 0,-8-9 0,-9-8 0,-7-5 0,-3-3 0,0-1 0,4 2 0,5 3 0,1 2 0,4 1 0,5 4 0,1 0 0,-1 1 0,-2-2 0,-6-5 0,-5-4 0,-5-3 0,-3-3 0,-3 0 0,0 1 0,0-1 0,0 1 0,0-1 0,0 0 0,-1 1 0,-5 1 0,-10 7 0,-15 12 0,-15 9 0,-4 8 0,0-2 0,11-8 0,12-7 0,11-14 0,10-11 0,5-3 0,1-4 0</inkml:trace>
 </inkml:ink>
 </file>
 
@@ -2806,15 +3282,15 @@
           <inkml:channelProperty channel="F" name="resolution" value="0" units="1/dev"/>
         </inkml:channelProperties>
       </inkml:inkSource>
-      <inkml:timestamp xml:id="ts0" timeString="2023-11-21T05:16:10.688"/>
+      <inkml:timestamp xml:id="ts0" timeString="2024-05-28T07:01:16.710"/>
     </inkml:context>
     <inkml:brush xml:id="br0">
-      <inkml:brushProperty name="width" value="0.2" units="cm"/>
-      <inkml:brushProperty name="height" value="0.2" units="cm"/>
-      <inkml:brushProperty name="color" value="#FF0066"/>
+      <inkml:brushProperty name="width" value="0.05" units="cm"/>
+      <inkml:brushProperty name="height" value="0.05" units="cm"/>
+      <inkml:brushProperty name="color" value="#0432FF"/>
     </inkml:brush>
   </inkml:definitions>
-  <inkml:trace contextRef="#ctx0" brushRef="#br0">373 295 24575,'62'0'0,"0"0"0,6 0 0,3 1 0,10 1 0,3 1-849,7 1 0,0 1 849,2 0 0,-1 1 0,-5-2 0,-2 1 244,-6-3 1,-2 0-245,-12-2 0,-4 0 147,-7 0 1,-3 0-148,34 0 0,-18 0 0,-10 0 865,-7 0-865,-12 0 49,-10 0-49,-6 0 0,-7 0 0,-2 0 0,-3 0 0,4 0 0,9 0 0,14 3 0,15 0 0,5 1 0,1 2 0,-4-2 0,-5 2 0,-5 2 0,2 2 0,0 2 0,5 1 0,4-1 0,9 0 0,6-2 0,8-1 0,2 0 0,-1 0 0,2-2 0,-1-1 0,-1-1 0,-2 0 0,-4-1 0,-3 0 0,-5 0 0,-3 3 0,-3 0 0,-6-1 0,-4 1 0,-2 0 0,-2 1 0,-1-2 0,-1 0 0,1-3 0,0-1 0,0-2 0,0 0 0,-7 0 0,-1 0 0,-3 0 0,0 0 0,-2 0 0,-5 0 0,-3 0 0,-6 0 0,-2 0 0,-2 0 0,0 0 0,3 0 0,4 0 0,1 0 0,1 0 0,2 0 0,1 0 0,2 0 0,-1 0 0,-3 0 0,5-3 0,0-1 0,0 1 0,-3-2 0,-6 2 0,-4 0 0,-3 0 0,-5 2 0,-3-2 0,0-1 0,9-4 0,7-1 0,7-1 0,0 0 0,-4 2 0,-6 3 0,-8-1 0,6-5 0,7-5 0,8-7 0,7-3 0,0-1 0,-1-3 0,-2 3 0,-4 3 0,-9 4 0,-2 7 0,-4 4 0,-4 1 0,-4 3 0,-2-3 0,5-2 0,7-1 0,7-2 0,0 0 0,-4 3 0,-4 1 0,-5 2 0,-6 1 0,-4-2 0,-1 1 0,0 0 0,0-1 0,0-2 0,0-3 0,-5-3 0,-7-2 0,-6 0 0,-3 4 0,-3 3 0,-4 4 0,-5 3 0,-11 1 0,-8 3 0,-8 0 0,-6 0 0,-1 0 0,1 0 0,2 0 0,1 0 0,3 0 0,3 0 0,2 0 0,1 3 0,2 1 0,6 0 0,6 0 0,10-2 0,-3 2 0,-7 2 0,-10-1 0,-12 1 0,-8-1 0,-8-1 0,-5 2 0,0-1 0,5-1 0,6-1 0,4-3 0,1 0 0,-1 0 0,-3 0 0,-2 0 0,-5 0 0,0 0 0,4 0 0,2 0 0,8 0 0,1 0 0,1 0 0,-2 0 0,-8 0 0,-1 0 0,-1 0 0,2 0 0,8 0 0,5 0 0,4 0 0,1 0 0,-2 0 0,0 0 0,-2 0 0,3 0 0,-1 0 0,3 0 0,10 0 0,9 0 0,8 0 0,1 0 0,-8 0 0,-13 0 0,-14 0 0,-9 0 0,-8 0 0,3 0 0,10 0 0,13 0 0,17 0 0,5 0 0,-4 0 0,-8 0 0,-12 0 0,-11 0 0,-10 0 0,-9 0 0,-1 0 0,8 0 0,8 0 0,6 0 0,-2 0 0,-2 0 0,1 0 0,3 0 0,7 0 0,11 0 0,12 0 0,9 0 0,1 0 0,-3 0 0,-6 0 0,-3 0 0,4 0 0,4 0 0,9 0 0,8 1 0,4 2 0,3 1 0,1 1 0,1 3 0,0 6 0,-3 8 0,-3 10 0,-1 6 0,-2-1 0,3-5 0,3-6 0,0-7 0,5-8 0,4-4 0,5-4 0,13-3 0,9 0 0,11 0 0,5 0 0,-5 0 0,-7 0 0,-10 0 0,-3 0 0,0 0 0,5 0 0,6 0 0,0 0 0,-3 2 0,-7 1 0,-5 0 0,-6-1 0,-3 0 0,-1 1 0,3-1 0,5 0 0,2 1 0,1-1 0,0 2 0,0 1 0,0-2 0,-2 0 0,-5-2 0,-4-1 0,-3 0 0,0 0 0,3 0 0,3 0 0,2 0 0,-1 0 0,-3 0 0,-6 0 0,-26 4 0,-15-2 0,-37 4 0,-19-1 0,37-2 0,-2 0 0,-3 2 0,-1 0 0,3 0 0,2 0 0,-40 6 0,24-1 0,25-2 0,19-2 0,17-4 0,16-1 0,31-4 0,39 0 0,-19 2 0,6 0 0,11 0 0,5 2-427,9-1 1,4 0 426,8 0 0,1 0 0,-30 0 0,0 0 0,1 0 0,1 0 0,0 0 0,0 0 0,-2 0 0,-1 0 0,-1 0 0,28 0 0,-1 0 0,-5 0 0,-2 0 0,-5-1 0,-2 1 0,-2-2 0,-2-1-47,-2 0 1,-2-1 46,-3-1 0,-2 0 0,-4-1 0,-1 1 0,-3 0 0,-1 1 0,-2 1 0,0 0 0,-3 1 0,-1 1 424,3 1 1,-1 0-425,-1 0 0,-1 0 48,-1 0 1,-1 0-49,43 0 0,-14 0 0,-7 0 0,-5 0 0,-5 0 0,-1 0 0,-4 0 0,-2 0 0,-1 0 0,-3 0 0,0 0 0,2 0 0,1-3 0,-1-1 0,4 1 0,-1-1 0,2 4 0,4 0 0,0 0 0,4 0 0,0 0 0,-6 0 0,-8 3 0,-14 2 0,-12 2 0,-8 1 0,-10-2 0,-4 0 0,-5 2 0,-25 0 0,-47 3 0,8-5 0,-7-2 0,-17 1 0,-6-2-407,24-1 0,-2-1 0,-1 0 407,-1 0 0,-1-2 0,0 1 0,0 0 0,1 0 0,1 0 0,-1 0 0,1 0 0,0 0 0,-26 0 0,2 0-135,10 0 1,4 0 134,10 0 0,3 0 0,6-3 0,2-1 0,7-2 0,2-1 0,-43-13 0,13-2 1205,18 3-1205,15 2 285,16 3-285,12 2 0,8 3 0,7 1 0,3-1 0,2-1 0,2 1 0,0 2 0,0 1 0,0-1 0,0-2 0,0-1 0,0 1 0,0 0 0,0 2 0,3 2 0,10 2 0,21 0 0,30 3 0,26 0 0,-38 0 0,3 0 0,-1 0 0,1 0 0,-1 0 0,-2 0 0,45 0 0,-12 3 0,-12 2 0,-9 3 0,-5 1 0,3-2 0,6 0 0,6 0 0,8-3 0,-1 2 0,-4-2 0,-10-1 0,-9 0 0,-8-3 0,-11 0 0,-9 0 0,-10 0 0,-5 0 0,-4 0 0,-3 0 0,1 0 0,6 0 0,8 0 0,12 0 0,12 0 0,8 0 0,5 0 0,1 0 0,-6 0 0,-4 0 0,-7 0 0,-4 3 0,-3 0 0,-2 2 0,-5 0 0,-7-2 0,-4-1 0,-7 1 0,-4-1 0,-3 1 0,6-1 0,11-1 0,23-1 0,19 0 0,13 0 0,7 0 0,-12 0 0,-14 0 0,-16 0 0,-15 0 0,-9 0 0,-8-2 0,-5-3 0,-1-7 0,3-6 0,6-4 0,3-1 0,2 5 0,-4 6 0,-7 6 0,-12 3 0,-17 3 0,-14 0 0,-14-7 0,-5 0 0,-1-1 0,7 2 0,11 6 0,3 0 0,-2 0 0,-9 0 0,-10 0 0,-10 0 0,-1 0 0,7 0 0,11 0 0,17 0 0,12 0 0,7 0 0,6 0 0,5 0 0,2 0 0</inkml:trace>
+  <inkml:trace contextRef="#ctx0" brushRef="#br0">464 854 24575,'-24'0'0,"-7"0"0,-9 0 0,-5-9 0,0-7 0,0-8 0,2-4 0,6 1 0,3-1 0,6-1 0,2-4 0,4-2 0,6-1 0,3-4 0,5-2 0,3 0 0,3-4 0,2 1 0,0 0 0,2 4 0,3 6 0,3 10 0,0 9 0,2 2 0,3-3 0,13-8 0,13-8 0,13-2 0,5 2 0,-7 10 0,-8 8 0,-13 9 0,-11 5 0,-6 1 0,-6 0 0,0 0 0,1 0 0,9 0 0,8 0 0,7 0 0,0-2 0,-8 0 0,-11-1 0,-7 1 0</inkml:trace>
 </inkml:ink>
 </file>
 
@@ -2834,15 +3310,15 @@
           <inkml:channelProperty channel="F" name="resolution" value="0" units="1/dev"/>
         </inkml:channelProperties>
       </inkml:inkSource>
-      <inkml:timestamp xml:id="ts0" timeString="2023-11-21T05:16:57.267"/>
+      <inkml:timestamp xml:id="ts0" timeString="2024-05-28T07:01:18.582"/>
     </inkml:context>
     <inkml:brush xml:id="br0">
-      <inkml:brushProperty name="width" value="0.2" units="cm"/>
-      <inkml:brushProperty name="height" value="0.2" units="cm"/>
-      <inkml:brushProperty name="color" value="#FF0066"/>
+      <inkml:brushProperty name="width" value="0.05" units="cm"/>
+      <inkml:brushProperty name="height" value="0.05" units="cm"/>
+      <inkml:brushProperty name="color" value="#0432FF"/>
     </inkml:brush>
   </inkml:definitions>
-  <inkml:trace contextRef="#ctx0" brushRef="#br0">0 3607 24575,'38'5'0,"19"-1"0,23-4 0,-30 0 0,3 0 0,4 0 0,0 0 0,9 0 0,2 0 0,1 0 0,2 0 0,6 0 0,1 0 0,2 0 0,-1 0 0,-2 0 0,0 0 0,-3 0 0,-2 0 0,-6 0 0,-3 0 0,-8 0 0,-2 0 0,42 0 0,-13 0 0,-13 0 0,-7 0 0,-11 0 0,-5 0 0,-1 0 0,-1 0 0,-1 0 0,-6 3 0,-5 0 0,-3 0 0,-5 0 0,-6-3 0,-1 0 0,9 0 0,12 0 0,15 0 0,14 0 0,0 0 0,-1 0 0,-5 0 0,-9 0 0,0 0 0,0 0 0,0 0 0,1 0 0,-1 0 0,2 0 0,1 0 0,4 0 0,1 0 0,-1 0 0,4 0 0,0 0 0,5 0 0,-3 0 0,-3 0 0,1 0 0,0 0 0,3 0 0,1 3 0,1 0 0,-1 1 0,-3 2 0,-5-2 0,-5-1 0,-2 1 0,3-4 0,4 0 0,0 0 0,-1 0 0,0 0 0,-3 0 0,4 0 0,-1 0 0,-2 0 0,-2 0 0,-6 0 0,-3 0 0,-3 0 0,-2 0 0,-1 0 0,1 0 0,-3 0 0,-2 0 0,-3 0 0,-2 0 0,2 0 0,-2 0 0,-1 0 0,0 0 0,-3 0 0,3 0 0,1 0 0,3 0 0,3 0 0,-2 2 0,0 2 0,-4-1 0,-6 0 0,-5-3 0,-8 0 0,0 0 0,1 3 0,2-1 0,10 4 0,9 2 0,6-1 0,5 2 0,-6-1 0,-4-1 0,-3-1 0,-5-1 0,1-2 0,-2 0 0,-1-2 0,3-1 0,-2 0 0,-2 0 0,-4 0 0,-5 0 0,-5 0 0,-1 0 0,0 0 0,9 0 0,8 0 0,12 0 0,7 0 0,0 0 0,-2 3 0,-9 0 0,-7 0 0,-8 2 0,-7-3 0,1 1 0,0-1 0,4 1 0,6 0 0,3 0 0,3 3 0,0-3 0,-8 0 0,-5-1 0,-7-4 0,-6 0 0,-8-9 0,0 3 0,-11-10 0,-3 1 0,-6-5 0,-10-7 0,-4-1 0,-6-4 0,-2 0 0,3 1 0,-3 0 0,3 0 0,1 2 0,-3 1 0,2 1 0,1 2 0,3 4 0,5 0 0,0 1 0,1-1 0,-1 0 0,2 2 0,1 0 0,2-1 0,0-2 0,0-2 0,4 2 0,2 0 0,4 2 0,3 3 0,3 2 0,0 2 0,1-3 0,-5-7 0,-6-7 0,-7-5 0,-8-4 0,-3 0 0,2 1 0,0-1 0,7 1 0,0-3 0,-1-2 0,0-3 0,-4-2 0,0 1 0,-3-3 0,1-3 0,-2-2 0,-2-3 0,-1-3 0,-4 2 0,2 3 0,1 7 0,2 6 0,5 5 0,0 0 0,0 0 0,1 0 0,-1 0 0,0 1 0,0-1 0,-1-4 0,0-1 0,-4-4 0,-2-3 0,-4-3 0,-7-6 0,1 0 0,-7-4 0,1 3 0,-1-3 0,0 2 0,4 3 0,0-1 0,2 4 0,0 1 0,1 4 0,-1 5 0,2 6 0,-2 3 0,0 4 0,1 4 0,0 2 0,-1 3 0,1 0 0,-1 3 0,1 1 0,2-1 0,1 1 0,2 0 0,-1 0 0,2 0 0,0-2 0,-1-2 0,2 1 0,-1-2 0,2 2 0,5 0 0,3 1 0,4 3 0,1 2 0,3 3 0,-2 1 0,-1 3 0,2-1 0,-2 1 0,2 0 0,2-1 0,-1 4 0,6 0 0,5 0 0,6 0 0,5-2-820,2 2 1,2 4 0,2 1 0</inkml:trace>
+  <inkml:trace contextRef="#ctx0" brushRef="#br0">1 1 24575,'34'5'0,"21"11"0,27 12 0,-33-10 0,1 1 0,-1 0 0,-2-1 0,41 15 0,-13-5 0,-12-4 0,-13-1 0,-13-3 0,-10-4 0,-11-6 0,-4-5 0,-6-3 0,-3 1 0,-3 3 0,-2 6 0,-4 18 0,-3 19 0,-4 15 0,0 8 0,2-13 0,4-15 0,4-19 0,1-12 0,2-5 0,0-6 0,0-3 0</inkml:trace>
 </inkml:ink>
 </file>
 
@@ -2862,15 +3338,15 @@
           <inkml:channelProperty channel="F" name="resolution" value="0" units="1/dev"/>
         </inkml:channelProperties>
       </inkml:inkSource>
-      <inkml:timestamp xml:id="ts0" timeString="2023-11-21T05:16:59.615"/>
+      <inkml:timestamp xml:id="ts0" timeString="2024-05-28T07:01:31.665"/>
     </inkml:context>
     <inkml:brush xml:id="br0">
-      <inkml:brushProperty name="width" value="0.2" units="cm"/>
-      <inkml:brushProperty name="height" value="0.2" units="cm"/>
-      <inkml:brushProperty name="color" value="#FF0066"/>
+      <inkml:brushProperty name="width" value="0.05" units="cm"/>
+      <inkml:brushProperty name="height" value="0.05" units="cm"/>
+      <inkml:brushProperty name="color" value="#0432FF"/>
     </inkml:brush>
   </inkml:definitions>
-  <inkml:trace contextRef="#ctx0" brushRef="#br0">0 1 24575,'34'20'0,"1"2"0,7 13 0,4 4 0,0 7 0,2 7 0,3 2 0,0 6 0,1 1 0,-2-3 0,-4-3 0,-7-6 0,-4-3 0,-2-4 0,-4-6 0,-1-1 0,-2-3 0,0-1 0,0 4 0,2 5 0,3 7 0,2 4 0,2 2 0,0-2 0,-1-4 0,-1-6 0,-4-9 0,-5-9 0,-5-5 0,-7-5 0,-1 1 0,1-1 0,3 1 0,2 3 0,0-1 0,0-2 0,0-1 0,1-2 0,-1 0 0,4 5 0,5 8 0,7 8 0,5 5 0,2-1 0,-3-4 0,-1-3 0,-3-1 0,-2 0 0,1-1 0,-1 1 0,0-4 0,-1 0 0,-1 2 0,1 1 0,4 6 0,4 2 0,1 1 0,-1-3 0,-5-7 0,-7-5 0,-8-5 0,-5-3 0,-4-2 0,0-3 0,3 3 0,11 8 0,12 8 0,10 12 0,8 5 0,-2 1 0,-4-4 0,-8-10 0,-11-6 0,-5-9 0,-10-6 0,-2-5-820,-4-4 1,-4-2 0,-1 0 0</inkml:trace>
+  <inkml:trace contextRef="#ctx0" brushRef="#br0">182 208 24575,'0'-8'0,"0"1"0,-3 3 0,-4-3 0,-5-2 0,-3-1 0,1-2 0,4 2 0,3 2 0,3 4 0,1 0 0,1 0 0,2-6 0,0-6 0,0-4 0,0 0 0,0 4 0,1 6 0,3 5 0,2 3 0,0 2 0,1 0 0,2 0 0,3 0 0,4 0 0,5-3 0,5-2 0,0-1 0,-4 0 0,-6 4 0,-8 2 0,-4 2 0,0 1 0,-1 3 0,-1 0 0,0 0 0,-2 1 0,0 2 0,0 7 0,0 6 0,0 4 0,0 0 0,0-6 0,0-7 0,0-4 0,-2-5 0,0-3 0,0-2 0,0-3 0,0-3 0,0-2 0,-1-3 0,-1-1 0,-1 1 0,0 2 0,1 1 0,0 3 0,1 3 0,0-1 0,1 2 0,0-2 0,0 0 0,0-1 0,-2 1 0,-1-1 0,-12 1 0,-17 1 0,-12 1 0,-8 2 0,9 0 0,15 0 0,16 0 0,14 0 0,9 0 0,4 0 0,2 0 0,0 0 0,-1 0 0,5 0 0,4 0 0,3 0 0,-1 2 0,-7 2 0,-8 2 0,-6 1 0,-6-3 0,0-2 0,-2-1 0,0-1 0,2 0 0,0 0 0</inkml:trace>
 </inkml:ink>
 </file>
 
@@ -2890,15 +3366,15 @@
           <inkml:channelProperty channel="F" name="resolution" value="0" units="1/dev"/>
         </inkml:channelProperties>
       </inkml:inkSource>
-      <inkml:timestamp xml:id="ts0" timeString="2023-11-21T05:17:02.469"/>
+      <inkml:timestamp xml:id="ts0" timeString="2024-05-28T07:01:59.276"/>
     </inkml:context>
     <inkml:brush xml:id="br0">
-      <inkml:brushProperty name="width" value="0.2" units="cm"/>
-      <inkml:brushProperty name="height" value="0.2" units="cm"/>
-      <inkml:brushProperty name="color" value="#FF0066"/>
+      <inkml:brushProperty name="width" value="0.05" units="cm"/>
+      <inkml:brushProperty name="height" value="0.05" units="cm"/>
+      <inkml:brushProperty name="color" value="#0432FF"/>
     </inkml:brush>
   </inkml:definitions>
-  <inkml:trace contextRef="#ctx0" brushRef="#br0">125 1 24575,'0'42'0,"0"5"0,0 19 0,0 16 0,0-33 0,0 2 0,0 7 0,0 1 0,0 4 0,0 1 0,0 2 0,0 1 0,0 0 0,0-1 0,0-2 0,-1-2 0,-1-5 0,0-2 0,0-4 0,0-1 0,-2 47 0,-2-7 0,0 0 0,-1-5 0,-2-3 0,1 0 0,2-2 0,-1 2 0,2-4 0,1-2 0,0-8 0,4-9 0,0-3 0,0-2 0,0 1 0,0 7 0,0 5 0,0 7 0,0 4 0,0 1 0,0 2 0,0-2 0,0 3 0,0-1 0,0 0 0,0 6 0,0 4 0,0 5 0,0-46 0,0 0 0,0 0 0,0 1 0,0-1 0,0 0 0,0 1 0,0-1 0,0 0 0,0 0 0,0 50 0,0-4 0,0-8 0,0-8 0,0-8 0,0-5 0,0-4 0,0 0 0,0 0 0,0 1 0,0 9 0,0 0 0,0 5 0,0 0 0,0-5 0,0-2 0,0-5 0,0-3 0,0 0 0,-1-5 0,-2-1 0,0-5 0,-1-9 0,-1-4 0,-1-2 0,-1-1 0,-1 4 0,2-5 0,2-6 0,2-8 0,2-9 0,0-6 0,0-4 0</inkml:trace>
+  <inkml:trace contextRef="#ctx0" brushRef="#br0">83 48 24575,'-10'-11'0,"-2"1"0,-2-2 0,3 3 0,4 4 0,5 5 0,2 5 0,0 6 0,0 1 0,0 2 0,0 1 0,0-2 0,0-2 0,0-2 0,0-4 0,-2-2 0,0-3 0,0-4 0,0-3 0,2-3 0,0-1 0,0 1 0,0 1 0,0 0 0,0 0 0,0 0 0,0 2 0,2 1 0,2 4 0,2 3 0,1 4 0,-1 3 0,-1 1 0,-2-1 0,-1-3 0,-2 0 0,0-1 0,-2-1 0,-2-1 0,-5-2 0,-1 0 0,-1 0 0,2-1 0,4-2 0,2-2 0,2-1 0,1 1 0,0 2 0,0 1 0</inkml:trace>
 </inkml:ink>
 </file>
 
@@ -2918,15 +3394,15 @@
           <inkml:channelProperty channel="F" name="resolution" value="0" units="1/dev"/>
         </inkml:channelProperties>
       </inkml:inkSource>
-      <inkml:timestamp xml:id="ts0" timeString="2023-11-21T05:17:36.053"/>
+      <inkml:timestamp xml:id="ts0" timeString="2024-05-28T07:02:01.730"/>
     </inkml:context>
     <inkml:brush xml:id="br0">
-      <inkml:brushProperty name="width" value="0.2" units="cm"/>
-      <inkml:brushProperty name="height" value="0.2" units="cm"/>
-      <inkml:brushProperty name="color" value="#66CC00"/>
+      <inkml:brushProperty name="width" value="0.05" units="cm"/>
+      <inkml:brushProperty name="height" value="0.05" units="cm"/>
+      <inkml:brushProperty name="color" value="#0432FF"/>
     </inkml:brush>
   </inkml:definitions>
-  <inkml:trace contextRef="#ctx0" brushRef="#br0">1745 2010 24575,'-46'0'0,"-21"0"0,16 0 0,-4 0 0,-7 0 0,-2 0 0,-5 0 0,-2 0 0,-3 1 0,-1-2 0,3 1 0,1-1 0,-4-4 0,1-3 0,5-4 0,3-5 0,4-4 0,2-5 0,4-6 0,3-4 0,4-1 0,3-2 0,3-1 0,3-3 0,6 0 0,3-1 0,-19-40 0,9-6 0,23 43 0,1-2 0,1-3 0,1-1 0,2-4 0,1 0 0,4-1 0,1 0 0,2-1 0,2 0 0,0 0 0,2 2 0,1 3 0,0 2 0,0-43 0,0 18 0,5 12 0,9 5 0,15 4 0,22 0 0,24 2 0,-27 26 0,4 2 0,8 0 0,4 3 0,7 1 0,4 2-471,7 3 1,4 4 470,-19 6 0,3 2 0,0 2-445,6-1 1,1 2-1,2 1 445,3 0 0,1 2 0,0-1 0,-4 0 0,1 0 0,-2 0 0,-5 0 0,0 0 0,-1 0-233,-2 0 1,-1 1 0,-1 0 232,26 3 0,-2 1 0,-3 2 0,-2 3 0,-13 1 0,-3 1 0,-8 1 0,-2 1 0,-9 0 0,-2 0 843,34 18-843,-10 4 1345,-11 3-1345,-3 4 784,-4 0-784,-4 4 0,0 6 0,-2 2 0,-5 0 0,-7-2 0,-6-6 0,-5-1 0,-3 0 0,-1 1 0,-6 1 0,-2 2 0,-6-1 0,-4 0 0,-3 0 0,-2-3 0,-1 2 0,-7-1 0,-10 3 0,-12 0 0,-12-1 0,-4 1 0,-8-1 0,-6-1 0,-3 0 0,-8-2 0,-5 0 0,-7 2 0,38-25 0,-1 0 0,-4 0 0,-2 0 0,-3-1 0,-2-1 0,-1 0 0,-1 0 0,-3-1 0,-1-2 0,1-1 0,0-1 0,0 0 0,0-2 0,-1 0 0,0-2 0,6-1 0,1-2 0,-42 3-820,29-7 1,34-5 0,19 0 0</inkml:trace>
+  <inkml:trace contextRef="#ctx0" brushRef="#br0">128 0 24575,'-8'0'0,"2"0"0,0 4 0,1 2 0,1 4 0,1 2 0,1-3 0,2-2 0,-4-3 0,0-2 0,-2-2 0,-2 0 0,4 0 0,0-1 0,-1-1 0,0-1 0,0 1 0,-2 2 0,1 0 0,0 0 0,1 0 0,-2 0 0,2 0 0,0 0 0,0 1 0,3 2 0,1 0 0,1 1 0,0-2 0,0 0 0</inkml:trace>
 </inkml:ink>
 </file>
 
@@ -2944,17 +3420,17 @@
           <inkml:channelProperty channel="Y" name="resolution" value="1000" units="1/cm"/>
         </inkml:channelProperties>
       </inkml:inkSource>
-      <inkml:timestamp xml:id="ts0" timeString="2023-11-21T05:18:09.475"/>
+      <inkml:timestamp xml:id="ts0" timeString="2024-05-28T07:02:54.161"/>
     </inkml:context>
     <inkml:brush xml:id="br0">
-      <inkml:brushProperty name="width" value="0.4" units="cm"/>
-      <inkml:brushProperty name="height" value="0.8" units="cm"/>
-      <inkml:brushProperty name="color" value="#FF8517"/>
+      <inkml:brushProperty name="width" value="0.2" units="cm"/>
+      <inkml:brushProperty name="height" value="0.4" units="cm"/>
+      <inkml:brushProperty name="color" value="#FFFC00"/>
       <inkml:brushProperty name="tip" value="rectangle"/>
       <inkml:brushProperty name="rasterOp" value="maskPen"/>
     </inkml:brush>
   </inkml:definitions>
-  <inkml:trace contextRef="#ctx0" brushRef="#br0">0 47,'81'0,"0"0,1 0,2 0,3 0,1 0,4 0,3 0,4 0,0 0,-2 0,-3 0,-7 0,-1 0,-4 0,-1 0,-1 0,-1 0,-3 0,0 0,-2 0,-2 0,-6 0,-2 0,-8 0,-2 0,44 0,-20 0,-15 0,-11 0,-7 0,-4 0,-10 0,-7 0,-4 0,0 0,13 0,10 0,22 0,10 0,8 0,-4 0,-14 0,-17 0,-17 0,-10 0,-10-21,-2-5</inkml:trace>
+  <inkml:trace contextRef="#ctx0" brushRef="#br0">0 1,'0'0</inkml:trace>
 </inkml:ink>
 </file>
 
@@ -2972,17 +3448,17 @@
           <inkml:channelProperty channel="Y" name="resolution" value="1000" units="1/cm"/>
         </inkml:channelProperties>
       </inkml:inkSource>
-      <inkml:timestamp xml:id="ts0" timeString="2023-11-21T05:18:11.927"/>
+      <inkml:timestamp xml:id="ts0" timeString="2024-05-28T07:03:12.943"/>
     </inkml:context>
     <inkml:brush xml:id="br0">
-      <inkml:brushProperty name="width" value="0.4" units="cm"/>
-      <inkml:brushProperty name="height" value="0.8" units="cm"/>
-      <inkml:brushProperty name="color" value="#FF8517"/>
+      <inkml:brushProperty name="width" value="0.2" units="cm"/>
+      <inkml:brushProperty name="height" value="0.4" units="cm"/>
+      <inkml:brushProperty name="color" value="#FFFC00"/>
       <inkml:brushProperty name="tip" value="rectangle"/>
       <inkml:brushProperty name="rasterOp" value="maskPen"/>
     </inkml:brush>
   </inkml:definitions>
-  <inkml:trace contextRef="#ctx0" brushRef="#br0">1 32,'80'0,"0"0,10 0,3 0,4 0,4 0,-26 0,1 0,1 0,-4 0,0 0,0 0,4 0,0 0,1 0,-1 0,0 0,0 0,-2 0,-1 0,0 0,4 0,0 0,-1 0,-9 0,-2 0,1 0,32 0,1 0,-2 0,0 0,-5 0,1 0,0 0,-2 0,-8 0,-2 0,-5 0,-1 0,-5 0,-1 0,0 0,1 0,-1 0,0 0,-2 0,-1 0,-1 0,-1 0,-6 0,0 0,-2 0,1 0,-2 0,0 0,-3-3,0-1,-1 0,-1-1,46-3,-6 1,-8 7,-6 0,-7 0,-2 0,-1 0,0 0,-1 0,-6 0,-14 0,-13 0,-11 0,-9 0,0 0</inkml:trace>
+  <inkml:trace contextRef="#ctx0" brushRef="#br0">119 1,'0'50,"0"1,-1 1,-1 1,-1 2,-1 0,-1-1,-1 0,0 1,-1-1,0-1,0-1,1 1,-1 0,1-1,0-1,-3 42,2-16,4-24,1-17,2-7,0 10,-2 15,-2 18,1 6,0-2,3-3,0-7,0 1,-2-1,-1 0,-1 0,1 0,3-1,0 4,0 3,0-1,0 2,0-4,0-3,0-2,1-1,2 2,0 0,2 0,-1-1,-1-3,2 0,-2-3,0-2,0-1,-3-7,0-6,0-8,0 0,0 12,0 13,0 6,0-9,0-15,0-13,0-2,0 5,0 4,0 0,0-7,0-14,0-7</inkml:trace>
 </inkml:ink>
 </file>
 
@@ -3068,7 +3544,7 @@
           <a:p>
             <a:fld id="{15D8E939-9ECB-9C46-A248-99A4B8126363}" type="datetimeFigureOut">
               <a:rPr lang="en-JP" smtClean="0"/>
-              <a:t>2023/11/21</a:t>
+              <a:t>2024/05/28</a:t>
             </a:fld>
             <a:endParaRPr lang="en-JP"/>
           </a:p>
@@ -3569,7 +4045,7 @@
           <a:p>
             <a:fld id="{B305A450-B214-F843-90D3-43D45AB970BF}" type="datetime1">
               <a:rPr lang="en-US" smtClean="0"/>
-              <a:t>11/21/23</a:t>
+              <a:t>5/28/24</a:t>
             </a:fld>
             <a:endParaRPr lang="en-JP"/>
           </a:p>
@@ -3769,7 +4245,7 @@
           <a:p>
             <a:fld id="{3FE6076C-7478-7547-8EE6-BBCC8E0F5965}" type="datetime1">
               <a:rPr lang="en-US" smtClean="0"/>
-              <a:t>11/21/23</a:t>
+              <a:t>5/28/24</a:t>
             </a:fld>
             <a:endParaRPr lang="en-JP"/>
           </a:p>
@@ -3979,7 +4455,7 @@
           <a:p>
             <a:fld id="{9ACD9DBC-B76F-1F49-9ACB-B3C63B260788}" type="datetime1">
               <a:rPr lang="en-US" smtClean="0"/>
-              <a:t>11/21/23</a:t>
+              <a:t>5/28/24</a:t>
             </a:fld>
             <a:endParaRPr lang="en-JP"/>
           </a:p>
@@ -4179,7 +4655,7 @@
           <a:p>
             <a:fld id="{97256E53-50F3-8B41-827D-E71E7A78D7C8}" type="datetime1">
               <a:rPr lang="en-US" smtClean="0"/>
-              <a:t>11/21/23</a:t>
+              <a:t>5/28/24</a:t>
             </a:fld>
             <a:endParaRPr lang="en-JP"/>
           </a:p>
@@ -4455,7 +4931,7 @@
           <a:p>
             <a:fld id="{60AD3F61-4B41-B048-9345-533AA47C1AFA}" type="datetime1">
               <a:rPr lang="en-US" smtClean="0"/>
-              <a:t>11/21/23</a:t>
+              <a:t>5/28/24</a:t>
             </a:fld>
             <a:endParaRPr lang="en-JP"/>
           </a:p>
@@ -4723,7 +5199,7 @@
           <a:p>
             <a:fld id="{9E0C3DDA-75D5-FE45-B27F-09B23348A3CF}" type="datetime1">
               <a:rPr lang="en-US" smtClean="0"/>
-              <a:t>11/21/23</a:t>
+              <a:t>5/28/24</a:t>
             </a:fld>
             <a:endParaRPr lang="en-JP"/>
           </a:p>
@@ -5138,7 +5614,7 @@
           <a:p>
             <a:fld id="{91B16E66-205B-D348-AF09-8C13DA8BDFF9}" type="datetime1">
               <a:rPr lang="en-US" smtClean="0"/>
-              <a:t>11/21/23</a:t>
+              <a:t>5/28/24</a:t>
             </a:fld>
             <a:endParaRPr lang="en-JP"/>
           </a:p>
@@ -5280,7 +5756,7 @@
           <a:p>
             <a:fld id="{222CE9F2-560E-4648-82A4-0C4186C23AAC}" type="datetime1">
               <a:rPr lang="en-US" smtClean="0"/>
-              <a:t>11/21/23</a:t>
+              <a:t>5/28/24</a:t>
             </a:fld>
             <a:endParaRPr lang="en-JP"/>
           </a:p>
@@ -5393,7 +5869,7 @@
           <a:p>
             <a:fld id="{2914F908-ED62-3949-B616-21C7C363772F}" type="datetime1">
               <a:rPr lang="en-US" smtClean="0"/>
-              <a:t>11/21/23</a:t>
+              <a:t>5/28/24</a:t>
             </a:fld>
             <a:endParaRPr lang="en-JP"/>
           </a:p>
@@ -5706,7 +6182,7 @@
           <a:p>
             <a:fld id="{8280A505-8893-D540-9413-F8B9ED1E178A}" type="datetime1">
               <a:rPr lang="en-US" smtClean="0"/>
-              <a:t>11/21/23</a:t>
+              <a:t>5/28/24</a:t>
             </a:fld>
             <a:endParaRPr lang="en-JP"/>
           </a:p>
@@ -5995,7 +6471,7 @@
           <a:p>
             <a:fld id="{40CD7CE6-B77F-5744-9AB9-6E4139649818}" type="datetime1">
               <a:rPr lang="en-US" smtClean="0"/>
-              <a:t>11/21/23</a:t>
+              <a:t>5/28/24</a:t>
             </a:fld>
             <a:endParaRPr lang="en-JP"/>
           </a:p>
@@ -6238,7 +6714,7 @@
           <a:p>
             <a:fld id="{DC28B759-A9A1-7B41-B30F-900953345635}" type="datetime1">
               <a:rPr lang="en-US" smtClean="0"/>
-              <a:t>11/21/23</a:t>
+              <a:t>5/28/24</a:t>
             </a:fld>
             <a:endParaRPr lang="en-JP"/>
           </a:p>
@@ -7095,8 +7571,8 @@
           </p:sp>
         </mc:Fallback>
       </mc:AlternateContent>
-      <mc:AlternateContent xmlns:mc="http://schemas.openxmlformats.org/markup-compatibility/2006">
-        <mc:Choice xmlns:p14="http://schemas.microsoft.com/office/powerpoint/2010/main" Requires="p14">
+      <mc:AlternateContent xmlns:mc="http://schemas.openxmlformats.org/markup-compatibility/2006" xmlns:p14="http://schemas.microsoft.com/office/powerpoint/2010/main">
+        <mc:Choice Requires="p14">
           <p:contentPart p14:bwMode="auto" r:id="rId4">
             <p14:nvContentPartPr>
               <p14:cNvPr id="3" name="Ink 2">
@@ -7115,7 +7591,7 @@
             </p14:xfrm>
           </p:contentPart>
         </mc:Choice>
-        <mc:Fallback>
+        <mc:Fallback xmlns="">
           <p:pic>
             <p:nvPicPr>
               <p:cNvPr id="3" name="Ink 2">
@@ -7146,8 +7622,8 @@
           </p:pic>
         </mc:Fallback>
       </mc:AlternateContent>
-      <mc:AlternateContent xmlns:mc="http://schemas.openxmlformats.org/markup-compatibility/2006">
-        <mc:Choice xmlns:p14="http://schemas.microsoft.com/office/powerpoint/2010/main" Requires="p14">
+      <mc:AlternateContent xmlns:mc="http://schemas.openxmlformats.org/markup-compatibility/2006" xmlns:p14="http://schemas.microsoft.com/office/powerpoint/2010/main">
+        <mc:Choice Requires="p14">
           <p:contentPart p14:bwMode="auto" r:id="rId6">
             <p14:nvContentPartPr>
               <p14:cNvPr id="6" name="Ink 5">
@@ -7166,7 +7642,7 @@
             </p14:xfrm>
           </p:contentPart>
         </mc:Choice>
-        <mc:Fallback>
+        <mc:Fallback xmlns="">
           <p:pic>
             <p:nvPicPr>
               <p:cNvPr id="6" name="Ink 5">
@@ -7197,8 +7673,8 @@
           </p:pic>
         </mc:Fallback>
       </mc:AlternateContent>
-      <mc:AlternateContent xmlns:mc="http://schemas.openxmlformats.org/markup-compatibility/2006">
-        <mc:Choice xmlns:p14="http://schemas.microsoft.com/office/powerpoint/2010/main" Requires="p14">
+      <mc:AlternateContent xmlns:mc="http://schemas.openxmlformats.org/markup-compatibility/2006" xmlns:p14="http://schemas.microsoft.com/office/powerpoint/2010/main">
+        <mc:Choice Requires="p14">
           <p:contentPart p14:bwMode="auto" r:id="rId8">
             <p14:nvContentPartPr>
               <p14:cNvPr id="7" name="Ink 6">
@@ -7217,7 +7693,7 @@
             </p14:xfrm>
           </p:contentPart>
         </mc:Choice>
-        <mc:Fallback>
+        <mc:Fallback xmlns="">
           <p:pic>
             <p:nvPicPr>
               <p:cNvPr id="7" name="Ink 6">
@@ -7248,8 +7724,8 @@
           </p:pic>
         </mc:Fallback>
       </mc:AlternateContent>
-      <mc:AlternateContent xmlns:mc="http://schemas.openxmlformats.org/markup-compatibility/2006">
-        <mc:Choice xmlns:p14="http://schemas.microsoft.com/office/powerpoint/2010/main" Requires="p14">
+      <mc:AlternateContent xmlns:mc="http://schemas.openxmlformats.org/markup-compatibility/2006" xmlns:p14="http://schemas.microsoft.com/office/powerpoint/2010/main">
+        <mc:Choice Requires="p14">
           <p:contentPart p14:bwMode="auto" r:id="rId10">
             <p14:nvContentPartPr>
               <p14:cNvPr id="8" name="Ink 7">
@@ -7268,7 +7744,7 @@
             </p14:xfrm>
           </p:contentPart>
         </mc:Choice>
-        <mc:Fallback>
+        <mc:Fallback xmlns="">
           <p:pic>
             <p:nvPicPr>
               <p:cNvPr id="8" name="Ink 7">
@@ -7299,8 +7775,8 @@
           </p:pic>
         </mc:Fallback>
       </mc:AlternateContent>
-      <mc:AlternateContent xmlns:mc="http://schemas.openxmlformats.org/markup-compatibility/2006">
-        <mc:Choice xmlns:p14="http://schemas.microsoft.com/office/powerpoint/2010/main" Requires="p14">
+      <mc:AlternateContent xmlns:mc="http://schemas.openxmlformats.org/markup-compatibility/2006" xmlns:p14="http://schemas.microsoft.com/office/powerpoint/2010/main">
+        <mc:Choice Requires="p14">
           <p:contentPart p14:bwMode="auto" r:id="rId12">
             <p14:nvContentPartPr>
               <p14:cNvPr id="9" name="Ink 8">
@@ -7319,7 +7795,7 @@
             </p14:xfrm>
           </p:contentPart>
         </mc:Choice>
-        <mc:Fallback>
+        <mc:Fallback xmlns="">
           <p:pic>
             <p:nvPicPr>
               <p:cNvPr id="9" name="Ink 8">
@@ -7350,6 +7826,41 @@
           </p:pic>
         </mc:Fallback>
       </mc:AlternateContent>
+      <p:sp>
+        <p:nvSpPr>
+          <p:cNvPr id="10" name="TextBox 9">
+            <a:extLst>
+              <a:ext uri="{FF2B5EF4-FFF2-40B4-BE49-F238E27FC236}">
+                <a16:creationId xmlns:a16="http://schemas.microsoft.com/office/drawing/2014/main" id="{D97F398B-6A6D-DB2F-6782-7A3E2B13DE17}"/>
+              </a:ext>
+            </a:extLst>
+          </p:cNvPr>
+          <p:cNvSpPr txBox="1"/>
+          <p:nvPr/>
+        </p:nvSpPr>
+        <p:spPr>
+          <a:xfrm>
+            <a:off x="2130567" y="2683229"/>
+            <a:ext cx="1338828" cy="369332"/>
+          </a:xfrm>
+          <a:prstGeom prst="rect">
+            <a:avLst/>
+          </a:prstGeom>
+          <a:noFill/>
+        </p:spPr>
+        <p:txBody>
+          <a:bodyPr wrap="none" rtlCol="0">
+            <a:spAutoFit/>
+          </a:bodyPr>
+          <a:lstStyle/>
+          <a:p>
+            <a:r>
+              <a:rPr lang="en-JP" dirty="0"/>
+              <a:t>お得な部分</a:t>
+            </a:r>
+          </a:p>
+        </p:txBody>
+      </p:sp>
     </p:spTree>
     <p:extLst>
       <p:ext uri="{BB962C8B-B14F-4D97-AF65-F5344CB8AC3E}">
@@ -7417,8 +7928,8 @@
           </a:p>
         </p:txBody>
       </p:sp>
-      <mc:AlternateContent xmlns:mc="http://schemas.openxmlformats.org/markup-compatibility/2006" xmlns:a14="http://schemas.microsoft.com/office/drawing/2010/main">
-        <mc:Choice Requires="a14">
+      <mc:AlternateContent xmlns:mc="http://schemas.openxmlformats.org/markup-compatibility/2006">
+        <mc:Choice xmlns:a14="http://schemas.microsoft.com/office/drawing/2010/main" Requires="a14">
           <p:sp>
             <p:nvSpPr>
               <p:cNvPr id="3" name="Content Placeholder 2">
@@ -7554,7 +8065,24 @@
                     <a:effectLst/>
                     <a:cs typeface="Arial" panose="020B0604020202020204" pitchFamily="34" charset="0"/>
                   </a:rPr>
-                  <a:t>生産者余剰の計算では固定費用は考えない。</a:t>
+                  <a:t>生産者余剰の計算では</a:t>
+                </a:r>
+                <a:r>
+                  <a:rPr lang="ja-JP" kern="100">
+                    <a:solidFill>
+                      <a:srgbClr val="FF0000"/>
+                    </a:solidFill>
+                    <a:effectLst/>
+                    <a:cs typeface="Arial" panose="020B0604020202020204" pitchFamily="34" charset="0"/>
+                  </a:rPr>
+                  <a:t>固定費用</a:t>
+                </a:r>
+                <a:r>
+                  <a:rPr lang="ja-JP" kern="100">
+                    <a:effectLst/>
+                    <a:cs typeface="Arial" panose="020B0604020202020204" pitchFamily="34" charset="0"/>
+                  </a:rPr>
+                  <a:t>は考えない。</a:t>
                 </a:r>
                 <a:endParaRPr lang="en-US" altLang="ja-JP" kern="100" dirty="0">
                   <a:effectLst/>
@@ -7779,7 +8307,7 @@
             </p:txBody>
           </p:sp>
         </mc:Choice>
-        <mc:Fallback xmlns="">
+        <mc:Fallback>
           <p:sp>
             <p:nvSpPr>
               <p:cNvPr id="3" name="Content Placeholder 2">
@@ -7848,8 +8376,8 @@
           </a:p>
         </p:txBody>
       </p:sp>
-      <mc:AlternateContent xmlns:mc="http://schemas.openxmlformats.org/markup-compatibility/2006">
-        <mc:Choice xmlns:p14="http://schemas.microsoft.com/office/powerpoint/2010/main" Requires="p14">
+      <mc:AlternateContent xmlns:mc="http://schemas.openxmlformats.org/markup-compatibility/2006" xmlns:p14="http://schemas.microsoft.com/office/powerpoint/2010/main">
+        <mc:Choice Requires="p14">
           <p:contentPart p14:bwMode="auto" r:id="rId3">
             <p14:nvContentPartPr>
               <p14:cNvPr id="5" name="Ink 4">
@@ -7868,7 +8396,7 @@
             </p14:xfrm>
           </p:contentPart>
         </mc:Choice>
-        <mc:Fallback>
+        <mc:Fallback xmlns="">
           <p:pic>
             <p:nvPicPr>
               <p:cNvPr id="5" name="Ink 4">
@@ -7899,8 +8427,8 @@
           </p:pic>
         </mc:Fallback>
       </mc:AlternateContent>
-      <mc:AlternateContent xmlns:mc="http://schemas.openxmlformats.org/markup-compatibility/2006">
-        <mc:Choice xmlns:p14="http://schemas.microsoft.com/office/powerpoint/2010/main" Requires="p14">
+      <mc:AlternateContent xmlns:mc="http://schemas.openxmlformats.org/markup-compatibility/2006" xmlns:p14="http://schemas.microsoft.com/office/powerpoint/2010/main">
+        <mc:Choice Requires="p14">
           <p:contentPart p14:bwMode="auto" r:id="rId5">
             <p14:nvContentPartPr>
               <p14:cNvPr id="6" name="Ink 5">
@@ -7919,7 +8447,7 @@
             </p14:xfrm>
           </p:contentPart>
         </mc:Choice>
-        <mc:Fallback>
+        <mc:Fallback xmlns="">
           <p:pic>
             <p:nvPicPr>
               <p:cNvPr id="6" name="Ink 5">
@@ -7950,8 +8478,8 @@
           </p:pic>
         </mc:Fallback>
       </mc:AlternateContent>
-      <mc:AlternateContent xmlns:mc="http://schemas.openxmlformats.org/markup-compatibility/2006">
-        <mc:Choice xmlns:p14="http://schemas.microsoft.com/office/powerpoint/2010/main" Requires="p14">
+      <mc:AlternateContent xmlns:mc="http://schemas.openxmlformats.org/markup-compatibility/2006" xmlns:p14="http://schemas.microsoft.com/office/powerpoint/2010/main">
+        <mc:Choice Requires="p14">
           <p:contentPart p14:bwMode="auto" r:id="rId7">
             <p14:nvContentPartPr>
               <p14:cNvPr id="7" name="Ink 6">
@@ -7970,7 +8498,7 @@
             </p14:xfrm>
           </p:contentPart>
         </mc:Choice>
-        <mc:Fallback>
+        <mc:Fallback xmlns="">
           <p:pic>
             <p:nvPicPr>
               <p:cNvPr id="7" name="Ink 6">
@@ -8001,8 +8529,8 @@
           </p:pic>
         </mc:Fallback>
       </mc:AlternateContent>
-      <mc:AlternateContent xmlns:mc="http://schemas.openxmlformats.org/markup-compatibility/2006">
-        <mc:Choice xmlns:p14="http://schemas.microsoft.com/office/powerpoint/2010/main" Requires="p14">
+      <mc:AlternateContent xmlns:mc="http://schemas.openxmlformats.org/markup-compatibility/2006" xmlns:p14="http://schemas.microsoft.com/office/powerpoint/2010/main">
+        <mc:Choice Requires="p14">
           <p:contentPart p14:bwMode="auto" r:id="rId9">
             <p14:nvContentPartPr>
               <p14:cNvPr id="8" name="Ink 7">
@@ -8021,7 +8549,7 @@
             </p14:xfrm>
           </p:contentPart>
         </mc:Choice>
-        <mc:Fallback>
+        <mc:Fallback xmlns="">
           <p:pic>
             <p:nvPicPr>
               <p:cNvPr id="8" name="Ink 7">
@@ -8052,8 +8580,8 @@
           </p:pic>
         </mc:Fallback>
       </mc:AlternateContent>
-      <mc:AlternateContent xmlns:mc="http://schemas.openxmlformats.org/markup-compatibility/2006">
-        <mc:Choice xmlns:p14="http://schemas.microsoft.com/office/powerpoint/2010/main" Requires="p14">
+      <mc:AlternateContent xmlns:mc="http://schemas.openxmlformats.org/markup-compatibility/2006" xmlns:p14="http://schemas.microsoft.com/office/powerpoint/2010/main">
+        <mc:Choice Requires="p14">
           <p:contentPart p14:bwMode="auto" r:id="rId11">
             <p14:nvContentPartPr>
               <p14:cNvPr id="9" name="Ink 8">
@@ -8072,7 +8600,7 @@
             </p14:xfrm>
           </p:contentPart>
         </mc:Choice>
-        <mc:Fallback>
+        <mc:Fallback xmlns="">
           <p:pic>
             <p:nvPicPr>
               <p:cNvPr id="9" name="Ink 8">
@@ -8170,8 +8698,8 @@
           </a:p>
         </p:txBody>
       </p:sp>
-      <mc:AlternateContent xmlns:mc="http://schemas.openxmlformats.org/markup-compatibility/2006" xmlns:a14="http://schemas.microsoft.com/office/drawing/2010/main">
-        <mc:Choice Requires="a14">
+      <mc:AlternateContent xmlns:mc="http://schemas.openxmlformats.org/markup-compatibility/2006">
+        <mc:Choice xmlns:a14="http://schemas.microsoft.com/office/drawing/2010/main" Requires="a14">
           <p:sp>
             <p:nvSpPr>
               <p:cNvPr id="3" name="Content Placeholder 2">
@@ -8229,9 +8757,36 @@
                 <a:r>
                   <a:rPr lang="ja-JP" kern="100">
                     <a:effectLst/>
+                    <a:highlight>
+                      <a:srgbClr val="FFFF00"/>
+                    </a:highlight>
                     <a:cs typeface="Arial" panose="020B0604020202020204" pitchFamily="34" charset="0"/>
                   </a:rPr>
-                  <a:t>供給曲線は限界費用曲線でもあるため</a:t>
+                  <a:t>供給曲線</a:t>
+                </a:r>
+                <a:r>
+                  <a:rPr lang="ja-JP" kern="100">
+                    <a:effectLst/>
+                    <a:cs typeface="Arial" panose="020B0604020202020204" pitchFamily="34" charset="0"/>
+                  </a:rPr>
+                  <a:t>は</a:t>
+                </a:r>
+                <a:r>
+                  <a:rPr lang="ja-JP" kern="100">
+                    <a:effectLst/>
+                    <a:highlight>
+                      <a:srgbClr val="FFFF00"/>
+                    </a:highlight>
+                    <a:cs typeface="Arial" panose="020B0604020202020204" pitchFamily="34" charset="0"/>
+                  </a:rPr>
+                  <a:t>限界費用曲線</a:t>
+                </a:r>
+                <a:r>
+                  <a:rPr lang="ja-JP" kern="100">
+                    <a:effectLst/>
+                    <a:cs typeface="Arial" panose="020B0604020202020204" pitchFamily="34" charset="0"/>
+                  </a:rPr>
+                  <a:t>でもあるため</a:t>
                 </a:r>
                 <a:r>
                   <a:rPr lang="ja-JP" altLang="en-US" kern="100">
@@ -8243,9 +8798,19 @@
                 <a:r>
                   <a:rPr lang="ja-JP" kern="100">
                     <a:effectLst/>
+                    <a:highlight>
+                      <a:srgbClr val="00FFFF"/>
+                    </a:highlight>
                     <a:cs typeface="Arial" panose="020B0604020202020204" pitchFamily="34" charset="0"/>
                   </a:rPr>
-                  <a:t>可変費用は供給曲線の下側の面積</a:t>
+                  <a:t>可変費用</a:t>
+                </a:r>
+                <a:r>
+                  <a:rPr lang="ja-JP" kern="100">
+                    <a:effectLst/>
+                    <a:cs typeface="Arial" panose="020B0604020202020204" pitchFamily="34" charset="0"/>
+                  </a:rPr>
+                  <a:t>は供給曲線の下側の面積</a:t>
                 </a:r>
                 <a:r>
                   <a:rPr lang="en-US" kern="100" dirty="0">
@@ -8518,7 +9083,7 @@
             </p:txBody>
           </p:sp>
         </mc:Choice>
-        <mc:Fallback xmlns="">
+        <mc:Fallback>
           <p:sp>
             <p:nvSpPr>
               <p:cNvPr id="3" name="Content Placeholder 2">
@@ -9004,8 +9569,8 @@
           </a:prstGeom>
         </p:spPr>
       </p:pic>
-      <mc:AlternateContent xmlns:mc="http://schemas.openxmlformats.org/markup-compatibility/2006">
-        <mc:Choice xmlns:p14="http://schemas.microsoft.com/office/powerpoint/2010/main" Requires="p14">
+      <mc:AlternateContent xmlns:mc="http://schemas.openxmlformats.org/markup-compatibility/2006" xmlns:p14="http://schemas.microsoft.com/office/powerpoint/2010/main">
+        <mc:Choice Requires="p14">
           <p:contentPart p14:bwMode="auto" r:id="rId3">
             <p14:nvContentPartPr>
               <p14:cNvPr id="3" name="Ink 2">
@@ -9024,7 +9589,7 @@
             </p14:xfrm>
           </p:contentPart>
         </mc:Choice>
-        <mc:Fallback>
+        <mc:Fallback xmlns="">
           <p:pic>
             <p:nvPicPr>
               <p:cNvPr id="3" name="Ink 2">
@@ -9055,8 +9620,8 @@
           </p:pic>
         </mc:Fallback>
       </mc:AlternateContent>
-      <mc:AlternateContent xmlns:mc="http://schemas.openxmlformats.org/markup-compatibility/2006">
-        <mc:Choice xmlns:p14="http://schemas.microsoft.com/office/powerpoint/2010/main" Requires="p14">
+      <mc:AlternateContent xmlns:mc="http://schemas.openxmlformats.org/markup-compatibility/2006" xmlns:p14="http://schemas.microsoft.com/office/powerpoint/2010/main">
+        <mc:Choice Requires="p14">
           <p:contentPart p14:bwMode="auto" r:id="rId5">
             <p14:nvContentPartPr>
               <p14:cNvPr id="5" name="Ink 4">
@@ -9075,7 +9640,7 @@
             </p14:xfrm>
           </p:contentPart>
         </mc:Choice>
-        <mc:Fallback>
+        <mc:Fallback xmlns="">
           <p:pic>
             <p:nvPicPr>
               <p:cNvPr id="5" name="Ink 4">
@@ -9106,8 +9671,8 @@
           </p:pic>
         </mc:Fallback>
       </mc:AlternateContent>
-      <mc:AlternateContent xmlns:mc="http://schemas.openxmlformats.org/markup-compatibility/2006">
-        <mc:Choice xmlns:p14="http://schemas.microsoft.com/office/powerpoint/2010/main" Requires="p14">
+      <mc:AlternateContent xmlns:mc="http://schemas.openxmlformats.org/markup-compatibility/2006" xmlns:p14="http://schemas.microsoft.com/office/powerpoint/2010/main">
+        <mc:Choice Requires="p14">
           <p:contentPart p14:bwMode="auto" r:id="rId7">
             <p14:nvContentPartPr>
               <p14:cNvPr id="6" name="Ink 5">
@@ -9126,7 +9691,7 @@
             </p14:xfrm>
           </p:contentPart>
         </mc:Choice>
-        <mc:Fallback>
+        <mc:Fallback xmlns="">
           <p:pic>
             <p:nvPicPr>
               <p:cNvPr id="6" name="Ink 5">
@@ -9157,8 +9722,8 @@
           </p:pic>
         </mc:Fallback>
       </mc:AlternateContent>
-      <mc:AlternateContent xmlns:mc="http://schemas.openxmlformats.org/markup-compatibility/2006">
-        <mc:Choice xmlns:p14="http://schemas.microsoft.com/office/powerpoint/2010/main" Requires="p14">
+      <mc:AlternateContent xmlns:mc="http://schemas.openxmlformats.org/markup-compatibility/2006" xmlns:p14="http://schemas.microsoft.com/office/powerpoint/2010/main">
+        <mc:Choice Requires="p14">
           <p:contentPart p14:bwMode="auto" r:id="rId9">
             <p14:nvContentPartPr>
               <p14:cNvPr id="7" name="Ink 6">
@@ -9177,7 +9742,7 @@
             </p14:xfrm>
           </p:contentPart>
         </mc:Choice>
-        <mc:Fallback>
+        <mc:Fallback xmlns="">
           <p:pic>
             <p:nvPicPr>
               <p:cNvPr id="7" name="Ink 6">
@@ -9208,8 +9773,8 @@
           </p:pic>
         </mc:Fallback>
       </mc:AlternateContent>
-      <mc:AlternateContent xmlns:mc="http://schemas.openxmlformats.org/markup-compatibility/2006">
-        <mc:Choice xmlns:p14="http://schemas.microsoft.com/office/powerpoint/2010/main" Requires="p14">
+      <mc:AlternateContent xmlns:mc="http://schemas.openxmlformats.org/markup-compatibility/2006" xmlns:p14="http://schemas.microsoft.com/office/powerpoint/2010/main">
+        <mc:Choice Requires="p14">
           <p:contentPart p14:bwMode="auto" r:id="rId11">
             <p14:nvContentPartPr>
               <p14:cNvPr id="8" name="Ink 7">
@@ -9228,7 +9793,7 @@
             </p14:xfrm>
           </p:contentPart>
         </mc:Choice>
-        <mc:Fallback>
+        <mc:Fallback xmlns="">
           <p:pic>
             <p:nvPicPr>
               <p:cNvPr id="8" name="Ink 7">
@@ -9259,8 +9824,8 @@
           </p:pic>
         </mc:Fallback>
       </mc:AlternateContent>
-      <mc:AlternateContent xmlns:mc="http://schemas.openxmlformats.org/markup-compatibility/2006">
-        <mc:Choice xmlns:p14="http://schemas.microsoft.com/office/powerpoint/2010/main" Requires="p14">
+      <mc:AlternateContent xmlns:mc="http://schemas.openxmlformats.org/markup-compatibility/2006" xmlns:p14="http://schemas.microsoft.com/office/powerpoint/2010/main">
+        <mc:Choice Requires="p14">
           <p:contentPart p14:bwMode="auto" r:id="rId13">
             <p14:nvContentPartPr>
               <p14:cNvPr id="9" name="Ink 8">
@@ -9279,7 +9844,7 @@
             </p14:xfrm>
           </p:contentPart>
         </mc:Choice>
-        <mc:Fallback>
+        <mc:Fallback xmlns="">
           <p:pic>
             <p:nvPicPr>
               <p:cNvPr id="9" name="Ink 8">
@@ -9310,8 +9875,8 @@
           </p:pic>
         </mc:Fallback>
       </mc:AlternateContent>
-      <mc:AlternateContent xmlns:mc="http://schemas.openxmlformats.org/markup-compatibility/2006">
-        <mc:Choice xmlns:p14="http://schemas.microsoft.com/office/powerpoint/2010/main" Requires="p14">
+      <mc:AlternateContent xmlns:mc="http://schemas.openxmlformats.org/markup-compatibility/2006" xmlns:p14="http://schemas.microsoft.com/office/powerpoint/2010/main">
+        <mc:Choice Requires="p14">
           <p:contentPart p14:bwMode="auto" r:id="rId15">
             <p14:nvContentPartPr>
               <p14:cNvPr id="10" name="Ink 9">
@@ -9330,7 +9895,7 @@
             </p14:xfrm>
           </p:contentPart>
         </mc:Choice>
-        <mc:Fallback>
+        <mc:Fallback xmlns="">
           <p:pic>
             <p:nvPicPr>
               <p:cNvPr id="10" name="Ink 9">
@@ -9361,8 +9926,8 @@
           </p:pic>
         </mc:Fallback>
       </mc:AlternateContent>
-      <mc:AlternateContent xmlns:mc="http://schemas.openxmlformats.org/markup-compatibility/2006">
-        <mc:Choice xmlns:p14="http://schemas.microsoft.com/office/powerpoint/2010/main" Requires="p14">
+      <mc:AlternateContent xmlns:mc="http://schemas.openxmlformats.org/markup-compatibility/2006" xmlns:p14="http://schemas.microsoft.com/office/powerpoint/2010/main">
+        <mc:Choice Requires="p14">
           <p:contentPart p14:bwMode="auto" r:id="rId17">
             <p14:nvContentPartPr>
               <p14:cNvPr id="11" name="Ink 10">
@@ -9381,7 +9946,7 @@
             </p14:xfrm>
           </p:contentPart>
         </mc:Choice>
-        <mc:Fallback>
+        <mc:Fallback xmlns="">
           <p:pic>
             <p:nvPicPr>
               <p:cNvPr id="11" name="Ink 10">
@@ -9412,6 +9977,41 @@
           </p:pic>
         </mc:Fallback>
       </mc:AlternateContent>
+      <p:sp>
+        <p:nvSpPr>
+          <p:cNvPr id="12" name="TextBox 11">
+            <a:extLst>
+              <a:ext uri="{FF2B5EF4-FFF2-40B4-BE49-F238E27FC236}">
+                <a16:creationId xmlns:a16="http://schemas.microsoft.com/office/drawing/2014/main" id="{95659A1F-6059-F462-D49C-192C7B6BFD6A}"/>
+              </a:ext>
+            </a:extLst>
+          </p:cNvPr>
+          <p:cNvSpPr txBox="1"/>
+          <p:nvPr/>
+        </p:nvSpPr>
+        <p:spPr>
+          <a:xfrm>
+            <a:off x="8351125" y="1562100"/>
+            <a:ext cx="1710725" cy="369332"/>
+          </a:xfrm>
+          <a:prstGeom prst="rect">
+            <a:avLst/>
+          </a:prstGeom>
+          <a:noFill/>
+        </p:spPr>
+        <p:txBody>
+          <a:bodyPr wrap="none" rtlCol="0">
+            <a:spAutoFit/>
+          </a:bodyPr>
+          <a:lstStyle/>
+          <a:p>
+            <a:r>
+              <a:rPr lang="en-JP" dirty="0"/>
+              <a:t>(限界費用曲線)</a:t>
+            </a:r>
+          </a:p>
+        </p:txBody>
+      </p:sp>
     </p:spTree>
     <p:extLst>
       <p:ext uri="{BB962C8B-B14F-4D97-AF65-F5344CB8AC3E}">
@@ -9749,8 +10349,8 @@
           </a:p>
         </p:txBody>
       </p:sp>
-      <mc:AlternateContent xmlns:mc="http://schemas.openxmlformats.org/markup-compatibility/2006">
-        <mc:Choice xmlns:p14="http://schemas.microsoft.com/office/powerpoint/2010/main" Requires="p14">
+      <mc:AlternateContent xmlns:mc="http://schemas.openxmlformats.org/markup-compatibility/2006" xmlns:p14="http://schemas.microsoft.com/office/powerpoint/2010/main">
+        <mc:Choice Requires="p14">
           <p:contentPart p14:bwMode="auto" r:id="rId2">
             <p14:nvContentPartPr>
               <p14:cNvPr id="5" name="Ink 4">
@@ -9769,7 +10369,7 @@
             </p14:xfrm>
           </p:contentPart>
         </mc:Choice>
-        <mc:Fallback>
+        <mc:Fallback xmlns="">
           <p:pic>
             <p:nvPicPr>
               <p:cNvPr id="5" name="Ink 4">
@@ -9800,8 +10400,8 @@
           </p:pic>
         </mc:Fallback>
       </mc:AlternateContent>
-      <mc:AlternateContent xmlns:mc="http://schemas.openxmlformats.org/markup-compatibility/2006">
-        <mc:Choice xmlns:p14="http://schemas.microsoft.com/office/powerpoint/2010/main" Requires="p14">
+      <mc:AlternateContent xmlns:mc="http://schemas.openxmlformats.org/markup-compatibility/2006" xmlns:p14="http://schemas.microsoft.com/office/powerpoint/2010/main">
+        <mc:Choice Requires="p14">
           <p:contentPart p14:bwMode="auto" r:id="rId4">
             <p14:nvContentPartPr>
               <p14:cNvPr id="6" name="Ink 5">
@@ -9820,7 +10420,7 @@
             </p14:xfrm>
           </p:contentPart>
         </mc:Choice>
-        <mc:Fallback>
+        <mc:Fallback xmlns="">
           <p:pic>
             <p:nvPicPr>
               <p:cNvPr id="6" name="Ink 5">
@@ -9851,8 +10451,8 @@
           </p:pic>
         </mc:Fallback>
       </mc:AlternateContent>
-      <mc:AlternateContent xmlns:mc="http://schemas.openxmlformats.org/markup-compatibility/2006">
-        <mc:Choice xmlns:p14="http://schemas.microsoft.com/office/powerpoint/2010/main" Requires="p14">
+      <mc:AlternateContent xmlns:mc="http://schemas.openxmlformats.org/markup-compatibility/2006" xmlns:p14="http://schemas.microsoft.com/office/powerpoint/2010/main">
+        <mc:Choice Requires="p14">
           <p:contentPart p14:bwMode="auto" r:id="rId6">
             <p14:nvContentPartPr>
               <p14:cNvPr id="7" name="Ink 6">
@@ -9871,7 +10471,7 @@
             </p14:xfrm>
           </p:contentPart>
         </mc:Choice>
-        <mc:Fallback>
+        <mc:Fallback xmlns="">
           <p:pic>
             <p:nvPicPr>
               <p:cNvPr id="7" name="Ink 6">
@@ -9902,8 +10502,8 @@
           </p:pic>
         </mc:Fallback>
       </mc:AlternateContent>
-      <mc:AlternateContent xmlns:mc="http://schemas.openxmlformats.org/markup-compatibility/2006">
-        <mc:Choice xmlns:p14="http://schemas.microsoft.com/office/powerpoint/2010/main" Requires="p14">
+      <mc:AlternateContent xmlns:mc="http://schemas.openxmlformats.org/markup-compatibility/2006" xmlns:p14="http://schemas.microsoft.com/office/powerpoint/2010/main">
+        <mc:Choice Requires="p14">
           <p:contentPart p14:bwMode="auto" r:id="rId8">
             <p14:nvContentPartPr>
               <p14:cNvPr id="8" name="Ink 7">
@@ -9922,7 +10522,7 @@
             </p14:xfrm>
           </p:contentPart>
         </mc:Choice>
-        <mc:Fallback>
+        <mc:Fallback xmlns="">
           <p:pic>
             <p:nvPicPr>
               <p:cNvPr id="8" name="Ink 7">
@@ -10042,8 +10642,8 @@
           </a:prstGeom>
         </p:spPr>
       </p:pic>
-      <mc:AlternateContent xmlns:mc="http://schemas.openxmlformats.org/markup-compatibility/2006">
-        <mc:Choice xmlns:p14="http://schemas.microsoft.com/office/powerpoint/2010/main" Requires="p14">
+      <mc:AlternateContent xmlns:mc="http://schemas.openxmlformats.org/markup-compatibility/2006" xmlns:p14="http://schemas.microsoft.com/office/powerpoint/2010/main">
+        <mc:Choice Requires="p14">
           <p:contentPart p14:bwMode="auto" r:id="rId3">
             <p14:nvContentPartPr>
               <p14:cNvPr id="3" name="Ink 2">
@@ -10062,7 +10662,7 @@
             </p14:xfrm>
           </p:contentPart>
         </mc:Choice>
-        <mc:Fallback>
+        <mc:Fallback xmlns="">
           <p:pic>
             <p:nvPicPr>
               <p:cNvPr id="3" name="Ink 2">
@@ -10093,8 +10693,8 @@
           </p:pic>
         </mc:Fallback>
       </mc:AlternateContent>
-      <mc:AlternateContent xmlns:mc="http://schemas.openxmlformats.org/markup-compatibility/2006">
-        <mc:Choice xmlns:p14="http://schemas.microsoft.com/office/powerpoint/2010/main" Requires="p14">
+      <mc:AlternateContent xmlns:mc="http://schemas.openxmlformats.org/markup-compatibility/2006" xmlns:p14="http://schemas.microsoft.com/office/powerpoint/2010/main">
+        <mc:Choice Requires="p14">
           <p:contentPart p14:bwMode="auto" r:id="rId5">
             <p14:nvContentPartPr>
               <p14:cNvPr id="5" name="Ink 4">
@@ -10113,7 +10713,7 @@
             </p14:xfrm>
           </p:contentPart>
         </mc:Choice>
-        <mc:Fallback>
+        <mc:Fallback xmlns="">
           <p:pic>
             <p:nvPicPr>
               <p:cNvPr id="5" name="Ink 4">
@@ -10144,8 +10744,8 @@
           </p:pic>
         </mc:Fallback>
       </mc:AlternateContent>
-      <mc:AlternateContent xmlns:mc="http://schemas.openxmlformats.org/markup-compatibility/2006">
-        <mc:Choice xmlns:p14="http://schemas.microsoft.com/office/powerpoint/2010/main" Requires="p14">
+      <mc:AlternateContent xmlns:mc="http://schemas.openxmlformats.org/markup-compatibility/2006" xmlns:p14="http://schemas.microsoft.com/office/powerpoint/2010/main">
+        <mc:Choice Requires="p14">
           <p:contentPart p14:bwMode="auto" r:id="rId7">
             <p14:nvContentPartPr>
               <p14:cNvPr id="6" name="Ink 5">
@@ -10164,7 +10764,7 @@
             </p14:xfrm>
           </p:contentPart>
         </mc:Choice>
-        <mc:Fallback>
+        <mc:Fallback xmlns="">
           <p:pic>
             <p:nvPicPr>
               <p:cNvPr id="6" name="Ink 5">
@@ -10195,8 +10795,8 @@
           </p:pic>
         </mc:Fallback>
       </mc:AlternateContent>
-      <mc:AlternateContent xmlns:mc="http://schemas.openxmlformats.org/markup-compatibility/2006">
-        <mc:Choice xmlns:p14="http://schemas.microsoft.com/office/powerpoint/2010/main" Requires="p14">
+      <mc:AlternateContent xmlns:mc="http://schemas.openxmlformats.org/markup-compatibility/2006" xmlns:p14="http://schemas.microsoft.com/office/powerpoint/2010/main">
+        <mc:Choice Requires="p14">
           <p:contentPart p14:bwMode="auto" r:id="rId9">
             <p14:nvContentPartPr>
               <p14:cNvPr id="7" name="Ink 6">
@@ -10215,7 +10815,7 @@
             </p14:xfrm>
           </p:contentPart>
         </mc:Choice>
-        <mc:Fallback>
+        <mc:Fallback xmlns="">
           <p:pic>
             <p:nvPicPr>
               <p:cNvPr id="7" name="Ink 6">
@@ -10246,8 +10846,8 @@
           </p:pic>
         </mc:Fallback>
       </mc:AlternateContent>
-      <mc:AlternateContent xmlns:mc="http://schemas.openxmlformats.org/markup-compatibility/2006">
-        <mc:Choice xmlns:p14="http://schemas.microsoft.com/office/powerpoint/2010/main" Requires="p14">
+      <mc:AlternateContent xmlns:mc="http://schemas.openxmlformats.org/markup-compatibility/2006" xmlns:p14="http://schemas.microsoft.com/office/powerpoint/2010/main">
+        <mc:Choice Requires="p14">
           <p:contentPart p14:bwMode="auto" r:id="rId11">
             <p14:nvContentPartPr>
               <p14:cNvPr id="8" name="Ink 7">
@@ -10266,7 +10866,7 @@
             </p14:xfrm>
           </p:contentPart>
         </mc:Choice>
-        <mc:Fallback>
+        <mc:Fallback xmlns="">
           <p:pic>
             <p:nvPicPr>
               <p:cNvPr id="8" name="Ink 7">
@@ -10641,8 +11241,8 @@
           </a:p>
         </p:txBody>
       </p:sp>
-      <mc:AlternateContent xmlns:mc="http://schemas.openxmlformats.org/markup-compatibility/2006">
-        <mc:Choice xmlns:p14="http://schemas.microsoft.com/office/powerpoint/2010/main" Requires="p14">
+      <mc:AlternateContent xmlns:mc="http://schemas.openxmlformats.org/markup-compatibility/2006" xmlns:p14="http://schemas.microsoft.com/office/powerpoint/2010/main">
+        <mc:Choice Requires="p14">
           <p:contentPart p14:bwMode="auto" r:id="rId2">
             <p14:nvContentPartPr>
               <p14:cNvPr id="5" name="Ink 4">
@@ -10661,7 +11261,7 @@
             </p14:xfrm>
           </p:contentPart>
         </mc:Choice>
-        <mc:Fallback>
+        <mc:Fallback xmlns="">
           <p:pic>
             <p:nvPicPr>
               <p:cNvPr id="5" name="Ink 4">
@@ -10692,8 +11292,8 @@
           </p:pic>
         </mc:Fallback>
       </mc:AlternateContent>
-      <mc:AlternateContent xmlns:mc="http://schemas.openxmlformats.org/markup-compatibility/2006">
-        <mc:Choice xmlns:p14="http://schemas.microsoft.com/office/powerpoint/2010/main" Requires="p14">
+      <mc:AlternateContent xmlns:mc="http://schemas.openxmlformats.org/markup-compatibility/2006" xmlns:p14="http://schemas.microsoft.com/office/powerpoint/2010/main">
+        <mc:Choice Requires="p14">
           <p:contentPart p14:bwMode="auto" r:id="rId4">
             <p14:nvContentPartPr>
               <p14:cNvPr id="6" name="Ink 5">
@@ -10712,7 +11312,7 @@
             </p14:xfrm>
           </p:contentPart>
         </mc:Choice>
-        <mc:Fallback>
+        <mc:Fallback xmlns="">
           <p:pic>
             <p:nvPicPr>
               <p:cNvPr id="6" name="Ink 5">
@@ -10743,8 +11343,8 @@
           </p:pic>
         </mc:Fallback>
       </mc:AlternateContent>
-      <mc:AlternateContent xmlns:mc="http://schemas.openxmlformats.org/markup-compatibility/2006">
-        <mc:Choice xmlns:p14="http://schemas.microsoft.com/office/powerpoint/2010/main" Requires="p14">
+      <mc:AlternateContent xmlns:mc="http://schemas.openxmlformats.org/markup-compatibility/2006" xmlns:p14="http://schemas.microsoft.com/office/powerpoint/2010/main">
+        <mc:Choice Requires="p14">
           <p:contentPart p14:bwMode="auto" r:id="rId6">
             <p14:nvContentPartPr>
               <p14:cNvPr id="7" name="Ink 6">
@@ -10763,7 +11363,7 @@
             </p14:xfrm>
           </p:contentPart>
         </mc:Choice>
-        <mc:Fallback>
+        <mc:Fallback xmlns="">
           <p:pic>
             <p:nvPicPr>
               <p:cNvPr id="7" name="Ink 6">
@@ -10794,8 +11394,8 @@
           </p:pic>
         </mc:Fallback>
       </mc:AlternateContent>
-      <mc:AlternateContent xmlns:mc="http://schemas.openxmlformats.org/markup-compatibility/2006">
-        <mc:Choice xmlns:p14="http://schemas.microsoft.com/office/powerpoint/2010/main" Requires="p14">
+      <mc:AlternateContent xmlns:mc="http://schemas.openxmlformats.org/markup-compatibility/2006" xmlns:p14="http://schemas.microsoft.com/office/powerpoint/2010/main">
+        <mc:Choice Requires="p14">
           <p:contentPart p14:bwMode="auto" r:id="rId8">
             <p14:nvContentPartPr>
               <p14:cNvPr id="8" name="Ink 7">
@@ -10814,7 +11414,7 @@
             </p14:xfrm>
           </p:contentPart>
         </mc:Choice>
-        <mc:Fallback>
+        <mc:Fallback xmlns="">
           <p:pic>
             <p:nvPicPr>
               <p:cNvPr id="8" name="Ink 7">
@@ -11241,8 +11841,8 @@
           </a:p>
         </p:txBody>
       </p:sp>
-      <mc:AlternateContent xmlns:mc="http://schemas.openxmlformats.org/markup-compatibility/2006">
-        <mc:Choice xmlns:p14="http://schemas.microsoft.com/office/powerpoint/2010/main" Requires="p14">
+      <mc:AlternateContent xmlns:mc="http://schemas.openxmlformats.org/markup-compatibility/2006" xmlns:p14="http://schemas.microsoft.com/office/powerpoint/2010/main">
+        <mc:Choice Requires="p14">
           <p:contentPart p14:bwMode="auto" r:id="rId2">
             <p14:nvContentPartPr>
               <p14:cNvPr id="5" name="Ink 4">
@@ -11261,7 +11861,7 @@
             </p14:xfrm>
           </p:contentPart>
         </mc:Choice>
-        <mc:Fallback>
+        <mc:Fallback xmlns="">
           <p:pic>
             <p:nvPicPr>
               <p:cNvPr id="5" name="Ink 4">
@@ -11292,8 +11892,8 @@
           </p:pic>
         </mc:Fallback>
       </mc:AlternateContent>
-      <mc:AlternateContent xmlns:mc="http://schemas.openxmlformats.org/markup-compatibility/2006">
-        <mc:Choice xmlns:p14="http://schemas.microsoft.com/office/powerpoint/2010/main" Requires="p14">
+      <mc:AlternateContent xmlns:mc="http://schemas.openxmlformats.org/markup-compatibility/2006" xmlns:p14="http://schemas.microsoft.com/office/powerpoint/2010/main">
+        <mc:Choice Requires="p14">
           <p:contentPart p14:bwMode="auto" r:id="rId4">
             <p14:nvContentPartPr>
               <p14:cNvPr id="6" name="Ink 5">
@@ -11312,7 +11912,7 @@
             </p14:xfrm>
           </p:contentPart>
         </mc:Choice>
-        <mc:Fallback>
+        <mc:Fallback xmlns="">
           <p:pic>
             <p:nvPicPr>
               <p:cNvPr id="6" name="Ink 5">
@@ -11343,8 +11943,8 @@
           </p:pic>
         </mc:Fallback>
       </mc:AlternateContent>
-      <mc:AlternateContent xmlns:mc="http://schemas.openxmlformats.org/markup-compatibility/2006">
-        <mc:Choice xmlns:p14="http://schemas.microsoft.com/office/powerpoint/2010/main" Requires="p14">
+      <mc:AlternateContent xmlns:mc="http://schemas.openxmlformats.org/markup-compatibility/2006" xmlns:p14="http://schemas.microsoft.com/office/powerpoint/2010/main">
+        <mc:Choice Requires="p14">
           <p:contentPart p14:bwMode="auto" r:id="rId6">
             <p14:nvContentPartPr>
               <p14:cNvPr id="7" name="Ink 6">
@@ -11363,7 +11963,7 @@
             </p14:xfrm>
           </p:contentPart>
         </mc:Choice>
-        <mc:Fallback>
+        <mc:Fallback xmlns="">
           <p:pic>
             <p:nvPicPr>
               <p:cNvPr id="7" name="Ink 6">
@@ -11749,8 +12349,8 @@
           </a:prstGeom>
         </p:spPr>
       </p:pic>
-      <mc:AlternateContent xmlns:mc="http://schemas.openxmlformats.org/markup-compatibility/2006">
-        <mc:Choice xmlns:p14="http://schemas.microsoft.com/office/powerpoint/2010/main" Requires="p14">
+      <mc:AlternateContent xmlns:mc="http://schemas.openxmlformats.org/markup-compatibility/2006" xmlns:p14="http://schemas.microsoft.com/office/powerpoint/2010/main">
+        <mc:Choice Requires="p14">
           <p:contentPart p14:bwMode="auto" r:id="rId3">
             <p14:nvContentPartPr>
               <p14:cNvPr id="2" name="Ink 1">
@@ -11769,7 +12369,7 @@
             </p14:xfrm>
           </p:contentPart>
         </mc:Choice>
-        <mc:Fallback>
+        <mc:Fallback xmlns="">
           <p:pic>
             <p:nvPicPr>
               <p:cNvPr id="2" name="Ink 1">
@@ -11800,8 +12400,8 @@
           </p:pic>
         </mc:Fallback>
       </mc:AlternateContent>
-      <mc:AlternateContent xmlns:mc="http://schemas.openxmlformats.org/markup-compatibility/2006">
-        <mc:Choice xmlns:p14="http://schemas.microsoft.com/office/powerpoint/2010/main" Requires="p14">
+      <mc:AlternateContent xmlns:mc="http://schemas.openxmlformats.org/markup-compatibility/2006" xmlns:p14="http://schemas.microsoft.com/office/powerpoint/2010/main">
+        <mc:Choice Requires="p14">
           <p:contentPart p14:bwMode="auto" r:id="rId5">
             <p14:nvContentPartPr>
               <p14:cNvPr id="3" name="Ink 2">
@@ -11820,7 +12420,7 @@
             </p14:xfrm>
           </p:contentPart>
         </mc:Choice>
-        <mc:Fallback>
+        <mc:Fallback xmlns="">
           <p:pic>
             <p:nvPicPr>
               <p:cNvPr id="3" name="Ink 2">
@@ -11851,8 +12451,8 @@
           </p:pic>
         </mc:Fallback>
       </mc:AlternateContent>
-      <mc:AlternateContent xmlns:mc="http://schemas.openxmlformats.org/markup-compatibility/2006">
-        <mc:Choice xmlns:p14="http://schemas.microsoft.com/office/powerpoint/2010/main" Requires="p14">
+      <mc:AlternateContent xmlns:mc="http://schemas.openxmlformats.org/markup-compatibility/2006" xmlns:p14="http://schemas.microsoft.com/office/powerpoint/2010/main">
+        <mc:Choice Requires="p14">
           <p:contentPart p14:bwMode="auto" r:id="rId7">
             <p14:nvContentPartPr>
               <p14:cNvPr id="5" name="Ink 4">
@@ -11871,7 +12471,7 @@
             </p14:xfrm>
           </p:contentPart>
         </mc:Choice>
-        <mc:Fallback>
+        <mc:Fallback xmlns="">
           <p:pic>
             <p:nvPicPr>
               <p:cNvPr id="5" name="Ink 4">
@@ -11902,8 +12502,8 @@
           </p:pic>
         </mc:Fallback>
       </mc:AlternateContent>
-      <mc:AlternateContent xmlns:mc="http://schemas.openxmlformats.org/markup-compatibility/2006">
-        <mc:Choice xmlns:p14="http://schemas.microsoft.com/office/powerpoint/2010/main" Requires="p14">
+      <mc:AlternateContent xmlns:mc="http://schemas.openxmlformats.org/markup-compatibility/2006" xmlns:p14="http://schemas.microsoft.com/office/powerpoint/2010/main">
+        <mc:Choice Requires="p14">
           <p:contentPart p14:bwMode="auto" r:id="rId9">
             <p14:nvContentPartPr>
               <p14:cNvPr id="7" name="Ink 6">
@@ -11922,7 +12522,7 @@
             </p14:xfrm>
           </p:contentPart>
         </mc:Choice>
-        <mc:Fallback>
+        <mc:Fallback xmlns="">
           <p:pic>
             <p:nvPicPr>
               <p:cNvPr id="7" name="Ink 6">
@@ -11953,8 +12553,8 @@
           </p:pic>
         </mc:Fallback>
       </mc:AlternateContent>
-      <mc:AlternateContent xmlns:mc="http://schemas.openxmlformats.org/markup-compatibility/2006">
-        <mc:Choice xmlns:p14="http://schemas.microsoft.com/office/powerpoint/2010/main" Requires="p14">
+      <mc:AlternateContent xmlns:mc="http://schemas.openxmlformats.org/markup-compatibility/2006" xmlns:p14="http://schemas.microsoft.com/office/powerpoint/2010/main">
+        <mc:Choice Requires="p14">
           <p:contentPart p14:bwMode="auto" r:id="rId11">
             <p14:nvContentPartPr>
               <p14:cNvPr id="8" name="Ink 7">
@@ -11973,7 +12573,7 @@
             </p14:xfrm>
           </p:contentPart>
         </mc:Choice>
-        <mc:Fallback>
+        <mc:Fallback xmlns="">
           <p:pic>
             <p:nvPicPr>
               <p:cNvPr id="8" name="Ink 7">
@@ -12004,8 +12604,8 @@
           </p:pic>
         </mc:Fallback>
       </mc:AlternateContent>
-      <mc:AlternateContent xmlns:mc="http://schemas.openxmlformats.org/markup-compatibility/2006">
-        <mc:Choice xmlns:p14="http://schemas.microsoft.com/office/powerpoint/2010/main" Requires="p14">
+      <mc:AlternateContent xmlns:mc="http://schemas.openxmlformats.org/markup-compatibility/2006" xmlns:p14="http://schemas.microsoft.com/office/powerpoint/2010/main">
+        <mc:Choice Requires="p14">
           <p:contentPart p14:bwMode="auto" r:id="rId13">
             <p14:nvContentPartPr>
               <p14:cNvPr id="9" name="Ink 8">
@@ -12024,7 +12624,7 @@
             </p14:xfrm>
           </p:contentPart>
         </mc:Choice>
-        <mc:Fallback>
+        <mc:Fallback xmlns="">
           <p:pic>
             <p:nvPicPr>
               <p:cNvPr id="9" name="Ink 8">
@@ -12281,8 +12881,8 @@
           </a:p>
         </p:txBody>
       </p:sp>
-      <mc:AlternateContent xmlns:mc="http://schemas.openxmlformats.org/markup-compatibility/2006">
-        <mc:Choice xmlns:p14="http://schemas.microsoft.com/office/powerpoint/2010/main" Requires="p14">
+      <mc:AlternateContent xmlns:mc="http://schemas.openxmlformats.org/markup-compatibility/2006" xmlns:p14="http://schemas.microsoft.com/office/powerpoint/2010/main">
+        <mc:Choice Requires="p14">
           <p:contentPart p14:bwMode="auto" r:id="rId2">
             <p14:nvContentPartPr>
               <p14:cNvPr id="5" name="Ink 4">
@@ -12301,7 +12901,7 @@
             </p14:xfrm>
           </p:contentPart>
         </mc:Choice>
-        <mc:Fallback>
+        <mc:Fallback xmlns="">
           <p:pic>
             <p:nvPicPr>
               <p:cNvPr id="5" name="Ink 4">
@@ -12332,8 +12932,8 @@
           </p:pic>
         </mc:Fallback>
       </mc:AlternateContent>
-      <mc:AlternateContent xmlns:mc="http://schemas.openxmlformats.org/markup-compatibility/2006">
-        <mc:Choice xmlns:p14="http://schemas.microsoft.com/office/powerpoint/2010/main" Requires="p14">
+      <mc:AlternateContent xmlns:mc="http://schemas.openxmlformats.org/markup-compatibility/2006" xmlns:p14="http://schemas.microsoft.com/office/powerpoint/2010/main">
+        <mc:Choice Requires="p14">
           <p:contentPart p14:bwMode="auto" r:id="rId4">
             <p14:nvContentPartPr>
               <p14:cNvPr id="6" name="Ink 5">
@@ -12352,7 +12952,7 @@
             </p14:xfrm>
           </p:contentPart>
         </mc:Choice>
-        <mc:Fallback>
+        <mc:Fallback xmlns="">
           <p:pic>
             <p:nvPicPr>
               <p:cNvPr id="6" name="Ink 5">
@@ -12584,8 +13184,8 @@
           </a:p>
         </p:txBody>
       </p:sp>
-      <mc:AlternateContent xmlns:mc="http://schemas.openxmlformats.org/markup-compatibility/2006">
-        <mc:Choice xmlns:p14="http://schemas.microsoft.com/office/powerpoint/2010/main" Requires="p14">
+      <mc:AlternateContent xmlns:mc="http://schemas.openxmlformats.org/markup-compatibility/2006" xmlns:p14="http://schemas.microsoft.com/office/powerpoint/2010/main">
+        <mc:Choice Requires="p14">
           <p:contentPart p14:bwMode="auto" r:id="rId3">
             <p14:nvContentPartPr>
               <p14:cNvPr id="3" name="Ink 2">
@@ -12604,7 +13204,7 @@
             </p14:xfrm>
           </p:contentPart>
         </mc:Choice>
-        <mc:Fallback>
+        <mc:Fallback xmlns="">
           <p:pic>
             <p:nvPicPr>
               <p:cNvPr id="3" name="Ink 2">
@@ -12635,8 +13235,8 @@
           </p:pic>
         </mc:Fallback>
       </mc:AlternateContent>
-      <mc:AlternateContent xmlns:mc="http://schemas.openxmlformats.org/markup-compatibility/2006">
-        <mc:Choice xmlns:p14="http://schemas.microsoft.com/office/powerpoint/2010/main" Requires="p14">
+      <mc:AlternateContent xmlns:mc="http://schemas.openxmlformats.org/markup-compatibility/2006" xmlns:p14="http://schemas.microsoft.com/office/powerpoint/2010/main">
+        <mc:Choice Requires="p14">
           <p:contentPart p14:bwMode="auto" r:id="rId5">
             <p14:nvContentPartPr>
               <p14:cNvPr id="5" name="Ink 4">
@@ -12655,7 +13255,7 @@
             </p14:xfrm>
           </p:contentPart>
         </mc:Choice>
-        <mc:Fallback>
+        <mc:Fallback xmlns="">
           <p:pic>
             <p:nvPicPr>
               <p:cNvPr id="5" name="Ink 4">
@@ -12686,8 +13286,8 @@
           </p:pic>
         </mc:Fallback>
       </mc:AlternateContent>
-      <mc:AlternateContent xmlns:mc="http://schemas.openxmlformats.org/markup-compatibility/2006">
-        <mc:Choice xmlns:p14="http://schemas.microsoft.com/office/powerpoint/2010/main" Requires="p14">
+      <mc:AlternateContent xmlns:mc="http://schemas.openxmlformats.org/markup-compatibility/2006" xmlns:p14="http://schemas.microsoft.com/office/powerpoint/2010/main">
+        <mc:Choice Requires="p14">
           <p:contentPart p14:bwMode="auto" r:id="rId7">
             <p14:nvContentPartPr>
               <p14:cNvPr id="6" name="Ink 5">
@@ -12706,7 +13306,7 @@
             </p14:xfrm>
           </p:contentPart>
         </mc:Choice>
-        <mc:Fallback>
+        <mc:Fallback xmlns="">
           <p:pic>
             <p:nvPicPr>
               <p:cNvPr id="6" name="Ink 5">
@@ -12737,8 +13337,8 @@
           </p:pic>
         </mc:Fallback>
       </mc:AlternateContent>
-      <mc:AlternateContent xmlns:mc="http://schemas.openxmlformats.org/markup-compatibility/2006">
-        <mc:Choice xmlns:p14="http://schemas.microsoft.com/office/powerpoint/2010/main" Requires="p14">
+      <mc:AlternateContent xmlns:mc="http://schemas.openxmlformats.org/markup-compatibility/2006" xmlns:p14="http://schemas.microsoft.com/office/powerpoint/2010/main">
+        <mc:Choice Requires="p14">
           <p:contentPart p14:bwMode="auto" r:id="rId9">
             <p14:nvContentPartPr>
               <p14:cNvPr id="8" name="Ink 7">
@@ -12757,7 +13357,7 @@
             </p14:xfrm>
           </p:contentPart>
         </mc:Choice>
-        <mc:Fallback>
+        <mc:Fallback xmlns="">
           <p:pic>
             <p:nvPicPr>
               <p:cNvPr id="8" name="Ink 7">
@@ -12788,8 +13388,8 @@
           </p:pic>
         </mc:Fallback>
       </mc:AlternateContent>
-      <mc:AlternateContent xmlns:mc="http://schemas.openxmlformats.org/markup-compatibility/2006">
-        <mc:Choice xmlns:p14="http://schemas.microsoft.com/office/powerpoint/2010/main" Requires="p14">
+      <mc:AlternateContent xmlns:mc="http://schemas.openxmlformats.org/markup-compatibility/2006" xmlns:p14="http://schemas.microsoft.com/office/powerpoint/2010/main">
+        <mc:Choice Requires="p14">
           <p:contentPart p14:bwMode="auto" r:id="rId11">
             <p14:nvContentPartPr>
               <p14:cNvPr id="9" name="Ink 8">
@@ -12808,7 +13408,7 @@
             </p14:xfrm>
           </p:contentPart>
         </mc:Choice>
-        <mc:Fallback>
+        <mc:Fallback xmlns="">
           <p:pic>
             <p:nvPicPr>
               <p:cNvPr id="9" name="Ink 8">
@@ -12839,8 +13439,8 @@
           </p:pic>
         </mc:Fallback>
       </mc:AlternateContent>
-      <mc:AlternateContent xmlns:mc="http://schemas.openxmlformats.org/markup-compatibility/2006">
-        <mc:Choice xmlns:p14="http://schemas.microsoft.com/office/powerpoint/2010/main" Requires="p14">
+      <mc:AlternateContent xmlns:mc="http://schemas.openxmlformats.org/markup-compatibility/2006" xmlns:p14="http://schemas.microsoft.com/office/powerpoint/2010/main">
+        <mc:Choice Requires="p14">
           <p:contentPart p14:bwMode="auto" r:id="rId13">
             <p14:nvContentPartPr>
               <p14:cNvPr id="10" name="Ink 9">
@@ -12859,7 +13459,7 @@
             </p14:xfrm>
           </p:contentPart>
         </mc:Choice>
-        <mc:Fallback>
+        <mc:Fallback xmlns="">
           <p:pic>
             <p:nvPicPr>
               <p:cNvPr id="10" name="Ink 9">
@@ -12890,8 +13490,8 @@
           </p:pic>
         </mc:Fallback>
       </mc:AlternateContent>
-      <mc:AlternateContent xmlns:mc="http://schemas.openxmlformats.org/markup-compatibility/2006">
-        <mc:Choice xmlns:p14="http://schemas.microsoft.com/office/powerpoint/2010/main" Requires="p14">
+      <mc:AlternateContent xmlns:mc="http://schemas.openxmlformats.org/markup-compatibility/2006" xmlns:p14="http://schemas.microsoft.com/office/powerpoint/2010/main">
+        <mc:Choice Requires="p14">
           <p:contentPart p14:bwMode="auto" r:id="rId15">
             <p14:nvContentPartPr>
               <p14:cNvPr id="11" name="Ink 10">
@@ -12910,7 +13510,7 @@
             </p14:xfrm>
           </p:contentPart>
         </mc:Choice>
-        <mc:Fallback>
+        <mc:Fallback xmlns="">
           <p:pic>
             <p:nvPicPr>
               <p:cNvPr id="11" name="Ink 10">
@@ -12941,8 +13541,8 @@
           </p:pic>
         </mc:Fallback>
       </mc:AlternateContent>
-      <mc:AlternateContent xmlns:mc="http://schemas.openxmlformats.org/markup-compatibility/2006">
-        <mc:Choice xmlns:p14="http://schemas.microsoft.com/office/powerpoint/2010/main" Requires="p14">
+      <mc:AlternateContent xmlns:mc="http://schemas.openxmlformats.org/markup-compatibility/2006" xmlns:p14="http://schemas.microsoft.com/office/powerpoint/2010/main">
+        <mc:Choice Requires="p14">
           <p:contentPart p14:bwMode="auto" r:id="rId17">
             <p14:nvContentPartPr>
               <p14:cNvPr id="12" name="Ink 11">
@@ -12961,7 +13561,7 @@
             </p14:xfrm>
           </p:contentPart>
         </mc:Choice>
-        <mc:Fallback>
+        <mc:Fallback xmlns="">
           <p:pic>
             <p:nvPicPr>
               <p:cNvPr id="12" name="Ink 11">
@@ -12992,8 +13592,8 @@
           </p:pic>
         </mc:Fallback>
       </mc:AlternateContent>
-      <mc:AlternateContent xmlns:mc="http://schemas.openxmlformats.org/markup-compatibility/2006">
-        <mc:Choice xmlns:p14="http://schemas.microsoft.com/office/powerpoint/2010/main" Requires="p14">
+      <mc:AlternateContent xmlns:mc="http://schemas.openxmlformats.org/markup-compatibility/2006" xmlns:p14="http://schemas.microsoft.com/office/powerpoint/2010/main">
+        <mc:Choice Requires="p14">
           <p:contentPart p14:bwMode="auto" r:id="rId19">
             <p14:nvContentPartPr>
               <p14:cNvPr id="13" name="Ink 12">
@@ -13012,7 +13612,7 @@
             </p14:xfrm>
           </p:contentPart>
         </mc:Choice>
-        <mc:Fallback>
+        <mc:Fallback xmlns="">
           <p:pic>
             <p:nvPicPr>
               <p:cNvPr id="13" name="Ink 12">
@@ -13043,8 +13643,8 @@
           </p:pic>
         </mc:Fallback>
       </mc:AlternateContent>
-      <mc:AlternateContent xmlns:mc="http://schemas.openxmlformats.org/markup-compatibility/2006">
-        <mc:Choice xmlns:p14="http://schemas.microsoft.com/office/powerpoint/2010/main" Requires="p14">
+      <mc:AlternateContent xmlns:mc="http://schemas.openxmlformats.org/markup-compatibility/2006" xmlns:p14="http://schemas.microsoft.com/office/powerpoint/2010/main">
+        <mc:Choice Requires="p14">
           <p:contentPart p14:bwMode="auto" r:id="rId21">
             <p14:nvContentPartPr>
               <p14:cNvPr id="14" name="Ink 13">
@@ -13063,7 +13663,7 @@
             </p14:xfrm>
           </p:contentPart>
         </mc:Choice>
-        <mc:Fallback>
+        <mc:Fallback xmlns="">
           <p:pic>
             <p:nvPicPr>
               <p:cNvPr id="14" name="Ink 13">
@@ -13094,8 +13694,8 @@
           </p:pic>
         </mc:Fallback>
       </mc:AlternateContent>
-      <mc:AlternateContent xmlns:mc="http://schemas.openxmlformats.org/markup-compatibility/2006">
-        <mc:Choice xmlns:p14="http://schemas.microsoft.com/office/powerpoint/2010/main" Requires="p14">
+      <mc:AlternateContent xmlns:mc="http://schemas.openxmlformats.org/markup-compatibility/2006" xmlns:p14="http://schemas.microsoft.com/office/powerpoint/2010/main">
+        <mc:Choice Requires="p14">
           <p:contentPart p14:bwMode="auto" r:id="rId23">
             <p14:nvContentPartPr>
               <p14:cNvPr id="15" name="Ink 14">
@@ -13114,7 +13714,7 @@
             </p14:xfrm>
           </p:contentPart>
         </mc:Choice>
-        <mc:Fallback>
+        <mc:Fallback xmlns="">
           <p:pic>
             <p:nvPicPr>
               <p:cNvPr id="15" name="Ink 14">
@@ -13145,8 +13745,8 @@
           </p:pic>
         </mc:Fallback>
       </mc:AlternateContent>
-      <mc:AlternateContent xmlns:mc="http://schemas.openxmlformats.org/markup-compatibility/2006">
-        <mc:Choice xmlns:p14="http://schemas.microsoft.com/office/powerpoint/2010/main" Requires="p14">
+      <mc:AlternateContent xmlns:mc="http://schemas.openxmlformats.org/markup-compatibility/2006" xmlns:p14="http://schemas.microsoft.com/office/powerpoint/2010/main">
+        <mc:Choice Requires="p14">
           <p:contentPart p14:bwMode="auto" r:id="rId25">
             <p14:nvContentPartPr>
               <p14:cNvPr id="16" name="Ink 15">
@@ -13165,7 +13765,7 @@
             </p14:xfrm>
           </p:contentPart>
         </mc:Choice>
-        <mc:Fallback>
+        <mc:Fallback xmlns="">
           <p:pic>
             <p:nvPicPr>
               <p:cNvPr id="16" name="Ink 15">
@@ -13266,6 +13866,226 @@
           </a:p>
         </p:txBody>
       </p:sp>
+      <mc:AlternateContent xmlns:mc="http://schemas.openxmlformats.org/markup-compatibility/2006">
+        <mc:Choice xmlns:p14="http://schemas.microsoft.com/office/powerpoint/2010/main" Requires="p14">
+          <p:contentPart p14:bwMode="auto" r:id="rId27">
+            <p14:nvContentPartPr>
+              <p14:cNvPr id="19" name="Ink 18">
+                <a:extLst>
+                  <a:ext uri="{FF2B5EF4-FFF2-40B4-BE49-F238E27FC236}">
+                    <a16:creationId xmlns:a16="http://schemas.microsoft.com/office/drawing/2014/main" id="{E00C44FD-797B-7722-0E5E-A43A1CC96AA5}"/>
+                  </a:ext>
+                </a:extLst>
+              </p14:cNvPr>
+              <p14:cNvContentPartPr/>
+              <p14:nvPr/>
+            </p14:nvContentPartPr>
+            <p14:xfrm>
+              <a:off x="8304400" y="3550960"/>
+              <a:ext cx="560880" cy="418680"/>
+            </p14:xfrm>
+          </p:contentPart>
+        </mc:Choice>
+        <mc:Fallback>
+          <p:pic>
+            <p:nvPicPr>
+              <p:cNvPr id="19" name="Ink 18">
+                <a:extLst>
+                  <a:ext uri="{FF2B5EF4-FFF2-40B4-BE49-F238E27FC236}">
+                    <a16:creationId xmlns:a16="http://schemas.microsoft.com/office/drawing/2014/main" id="{E00C44FD-797B-7722-0E5E-A43A1CC96AA5}"/>
+                  </a:ext>
+                </a:extLst>
+              </p:cNvPr>
+              <p:cNvPicPr/>
+              <p:nvPr/>
+            </p:nvPicPr>
+            <p:blipFill>
+              <a:blip r:embed="rId28"/>
+              <a:stretch>
+                <a:fillRect/>
+              </a:stretch>
+            </p:blipFill>
+            <p:spPr>
+              <a:xfrm>
+                <a:off x="8295400" y="3541960"/>
+                <a:ext cx="578520" cy="436320"/>
+              </a:xfrm>
+              <a:prstGeom prst="rect">
+                <a:avLst/>
+              </a:prstGeom>
+            </p:spPr>
+          </p:pic>
+        </mc:Fallback>
+      </mc:AlternateContent>
+      <p:sp>
+        <p:nvSpPr>
+          <p:cNvPr id="20" name="TextBox 19">
+            <a:extLst>
+              <a:ext uri="{FF2B5EF4-FFF2-40B4-BE49-F238E27FC236}">
+                <a16:creationId xmlns:a16="http://schemas.microsoft.com/office/drawing/2014/main" id="{FBA2E86A-750F-01DC-F2D4-5E8B7BFA643D}"/>
+              </a:ext>
+            </a:extLst>
+          </p:cNvPr>
+          <p:cNvSpPr txBox="1"/>
+          <p:nvPr/>
+        </p:nvSpPr>
+        <p:spPr>
+          <a:xfrm>
+            <a:off x="8147227" y="5235575"/>
+            <a:ext cx="646331" cy="369332"/>
+          </a:xfrm>
+          <a:prstGeom prst="rect">
+            <a:avLst/>
+          </a:prstGeom>
+          <a:noFill/>
+        </p:spPr>
+        <p:txBody>
+          <a:bodyPr wrap="none" rtlCol="0">
+            <a:spAutoFit/>
+          </a:bodyPr>
+          <a:lstStyle/>
+          <a:p>
+            <a:r>
+              <a:rPr lang="en-JP" dirty="0">
+                <a:solidFill>
+                  <a:srgbClr val="FF0000"/>
+                </a:solidFill>
+              </a:rPr>
+              <a:t>需要</a:t>
+            </a:r>
+          </a:p>
+        </p:txBody>
+      </p:sp>
+      <p:sp>
+        <p:nvSpPr>
+          <p:cNvPr id="21" name="TextBox 20">
+            <a:extLst>
+              <a:ext uri="{FF2B5EF4-FFF2-40B4-BE49-F238E27FC236}">
+                <a16:creationId xmlns:a16="http://schemas.microsoft.com/office/drawing/2014/main" id="{85E9E011-AC3E-2A37-B047-B45D70AC9476}"/>
+              </a:ext>
+            </a:extLst>
+          </p:cNvPr>
+          <p:cNvSpPr txBox="1"/>
+          <p:nvPr/>
+        </p:nvSpPr>
+        <p:spPr>
+          <a:xfrm>
+            <a:off x="6989414" y="5207886"/>
+            <a:ext cx="646331" cy="369332"/>
+          </a:xfrm>
+          <a:prstGeom prst="rect">
+            <a:avLst/>
+          </a:prstGeom>
+          <a:noFill/>
+        </p:spPr>
+        <p:txBody>
+          <a:bodyPr wrap="none" rtlCol="0">
+            <a:spAutoFit/>
+          </a:bodyPr>
+          <a:lstStyle/>
+          <a:p>
+            <a:r>
+              <a:rPr lang="en-JP" dirty="0">
+                <a:solidFill>
+                  <a:srgbClr val="FF0000"/>
+                </a:solidFill>
+              </a:rPr>
+              <a:t>供給</a:t>
+            </a:r>
+          </a:p>
+        </p:txBody>
+      </p:sp>
+      <mc:AlternateContent xmlns:mc="http://schemas.openxmlformats.org/markup-compatibility/2006">
+        <mc:Choice xmlns:p14="http://schemas.microsoft.com/office/powerpoint/2010/main" Requires="p14">
+          <p:contentPart p14:bwMode="auto" r:id="rId29">
+            <p14:nvContentPartPr>
+              <p14:cNvPr id="22" name="Ink 21">
+                <a:extLst>
+                  <a:ext uri="{FF2B5EF4-FFF2-40B4-BE49-F238E27FC236}">
+                    <a16:creationId xmlns:a16="http://schemas.microsoft.com/office/drawing/2014/main" id="{59C4B4AD-D2A3-D73F-7A28-8146D134CD1E}"/>
+                  </a:ext>
+                </a:extLst>
+              </p14:cNvPr>
+              <p14:cNvContentPartPr/>
+              <p14:nvPr/>
+            </p14:nvContentPartPr>
+            <p14:xfrm>
+              <a:off x="7069240" y="3537280"/>
+              <a:ext cx="459720" cy="507240"/>
+            </p14:xfrm>
+          </p:contentPart>
+        </mc:Choice>
+        <mc:Fallback>
+          <p:pic>
+            <p:nvPicPr>
+              <p:cNvPr id="22" name="Ink 21">
+                <a:extLst>
+                  <a:ext uri="{FF2B5EF4-FFF2-40B4-BE49-F238E27FC236}">
+                    <a16:creationId xmlns:a16="http://schemas.microsoft.com/office/drawing/2014/main" id="{59C4B4AD-D2A3-D73F-7A28-8146D134CD1E}"/>
+                  </a:ext>
+                </a:extLst>
+              </p:cNvPr>
+              <p:cNvPicPr/>
+              <p:nvPr/>
+            </p:nvPicPr>
+            <p:blipFill>
+              <a:blip r:embed="rId30"/>
+              <a:stretch>
+                <a:fillRect/>
+              </a:stretch>
+            </p:blipFill>
+            <p:spPr>
+              <a:xfrm>
+                <a:off x="7060240" y="3528640"/>
+                <a:ext cx="477360" cy="524880"/>
+              </a:xfrm>
+              <a:prstGeom prst="rect">
+                <a:avLst/>
+              </a:prstGeom>
+            </p:spPr>
+          </p:pic>
+        </mc:Fallback>
+      </mc:AlternateContent>
+      <p:sp>
+        <p:nvSpPr>
+          <p:cNvPr id="23" name="TextBox 22">
+            <a:extLst>
+              <a:ext uri="{FF2B5EF4-FFF2-40B4-BE49-F238E27FC236}">
+                <a16:creationId xmlns:a16="http://schemas.microsoft.com/office/drawing/2014/main" id="{FF146EDB-DC50-56FC-B7EC-AD2FC7C514EB}"/>
+              </a:ext>
+            </a:extLst>
+          </p:cNvPr>
+          <p:cNvSpPr txBox="1"/>
+          <p:nvPr/>
+        </p:nvSpPr>
+        <p:spPr>
+          <a:xfrm>
+            <a:off x="9147404" y="3317334"/>
+            <a:ext cx="2714205" cy="369332"/>
+          </a:xfrm>
+          <a:prstGeom prst="rect">
+            <a:avLst/>
+          </a:prstGeom>
+          <a:noFill/>
+          <a:ln w="38100">
+            <a:solidFill>
+              <a:schemeClr val="tx1"/>
+            </a:solidFill>
+          </a:ln>
+        </p:spPr>
+        <p:txBody>
+          <a:bodyPr wrap="none" rtlCol="0">
+            <a:spAutoFit/>
+          </a:bodyPr>
+          <a:lstStyle/>
+          <a:p>
+            <a:r>
+              <a:rPr lang="en-JP" dirty="0"/>
+              <a:t>輸入20 = 需要60 – 供給40</a:t>
+            </a:r>
+          </a:p>
+        </p:txBody>
+      </p:sp>
     </p:spTree>
     <p:extLst>
       <p:ext uri="{BB962C8B-B14F-4D97-AF65-F5344CB8AC3E}">
@@ -13672,8 +14492,8 @@
           </a:p>
         </p:txBody>
       </p:sp>
-      <mc:AlternateContent xmlns:mc="http://schemas.openxmlformats.org/markup-compatibility/2006">
-        <mc:Choice xmlns:p14="http://schemas.microsoft.com/office/powerpoint/2010/main" Requires="p14">
+      <mc:AlternateContent xmlns:mc="http://schemas.openxmlformats.org/markup-compatibility/2006" xmlns:p14="http://schemas.microsoft.com/office/powerpoint/2010/main">
+        <mc:Choice Requires="p14">
           <p:contentPart p14:bwMode="auto" r:id="rId2">
             <p14:nvContentPartPr>
               <p14:cNvPr id="5" name="Ink 4">
@@ -13692,7 +14512,7 @@
             </p14:xfrm>
           </p:contentPart>
         </mc:Choice>
-        <mc:Fallback>
+        <mc:Fallback xmlns="">
           <p:pic>
             <p:nvPicPr>
               <p:cNvPr id="5" name="Ink 4">
@@ -13723,8 +14543,8 @@
           </p:pic>
         </mc:Fallback>
       </mc:AlternateContent>
-      <mc:AlternateContent xmlns:mc="http://schemas.openxmlformats.org/markup-compatibility/2006">
-        <mc:Choice xmlns:p14="http://schemas.microsoft.com/office/powerpoint/2010/main" Requires="p14">
+      <mc:AlternateContent xmlns:mc="http://schemas.openxmlformats.org/markup-compatibility/2006" xmlns:p14="http://schemas.microsoft.com/office/powerpoint/2010/main">
+        <mc:Choice Requires="p14">
           <p:contentPart p14:bwMode="auto" r:id="rId4">
             <p14:nvContentPartPr>
               <p14:cNvPr id="6" name="Ink 5">
@@ -13743,7 +14563,7 @@
             </p14:xfrm>
           </p:contentPart>
         </mc:Choice>
-        <mc:Fallback>
+        <mc:Fallback xmlns="">
           <p:pic>
             <p:nvPicPr>
               <p:cNvPr id="6" name="Ink 5">
@@ -13774,8 +14594,8 @@
           </p:pic>
         </mc:Fallback>
       </mc:AlternateContent>
-      <mc:AlternateContent xmlns:mc="http://schemas.openxmlformats.org/markup-compatibility/2006">
-        <mc:Choice xmlns:p14="http://schemas.microsoft.com/office/powerpoint/2010/main" Requires="p14">
+      <mc:AlternateContent xmlns:mc="http://schemas.openxmlformats.org/markup-compatibility/2006" xmlns:p14="http://schemas.microsoft.com/office/powerpoint/2010/main">
+        <mc:Choice Requires="p14">
           <p:contentPart p14:bwMode="auto" r:id="rId6">
             <p14:nvContentPartPr>
               <p14:cNvPr id="7" name="Ink 6">
@@ -13794,7 +14614,7 @@
             </p14:xfrm>
           </p:contentPart>
         </mc:Choice>
-        <mc:Fallback>
+        <mc:Fallback xmlns="">
           <p:pic>
             <p:nvPicPr>
               <p:cNvPr id="7" name="Ink 6">
@@ -14227,8 +15047,8 @@
           </a:p>
         </p:txBody>
       </p:sp>
-      <mc:AlternateContent xmlns:mc="http://schemas.openxmlformats.org/markup-compatibility/2006">
-        <mc:Choice xmlns:p14="http://schemas.microsoft.com/office/powerpoint/2010/main" Requires="p14">
+      <mc:AlternateContent xmlns:mc="http://schemas.openxmlformats.org/markup-compatibility/2006" xmlns:p14="http://schemas.microsoft.com/office/powerpoint/2010/main">
+        <mc:Choice Requires="p14">
           <p:contentPart p14:bwMode="auto" r:id="rId2">
             <p14:nvContentPartPr>
               <p14:cNvPr id="5" name="Ink 4">
@@ -14247,7 +15067,7 @@
             </p14:xfrm>
           </p:contentPart>
         </mc:Choice>
-        <mc:Fallback>
+        <mc:Fallback xmlns="">
           <p:pic>
             <p:nvPicPr>
               <p:cNvPr id="5" name="Ink 4">
@@ -14278,8 +15098,8 @@
           </p:pic>
         </mc:Fallback>
       </mc:AlternateContent>
-      <mc:AlternateContent xmlns:mc="http://schemas.openxmlformats.org/markup-compatibility/2006">
-        <mc:Choice xmlns:p14="http://schemas.microsoft.com/office/powerpoint/2010/main" Requires="p14">
+      <mc:AlternateContent xmlns:mc="http://schemas.openxmlformats.org/markup-compatibility/2006" xmlns:p14="http://schemas.microsoft.com/office/powerpoint/2010/main">
+        <mc:Choice Requires="p14">
           <p:contentPart p14:bwMode="auto" r:id="rId4">
             <p14:nvContentPartPr>
               <p14:cNvPr id="6" name="Ink 5">
@@ -14298,7 +15118,7 @@
             </p14:xfrm>
           </p:contentPart>
         </mc:Choice>
-        <mc:Fallback>
+        <mc:Fallback xmlns="">
           <p:pic>
             <p:nvPicPr>
               <p:cNvPr id="6" name="Ink 5">
@@ -14329,8 +15149,8 @@
           </p:pic>
         </mc:Fallback>
       </mc:AlternateContent>
-      <mc:AlternateContent xmlns:mc="http://schemas.openxmlformats.org/markup-compatibility/2006">
-        <mc:Choice xmlns:p14="http://schemas.microsoft.com/office/powerpoint/2010/main" Requires="p14">
+      <mc:AlternateContent xmlns:mc="http://schemas.openxmlformats.org/markup-compatibility/2006" xmlns:p14="http://schemas.microsoft.com/office/powerpoint/2010/main">
+        <mc:Choice Requires="p14">
           <p:contentPart p14:bwMode="auto" r:id="rId6">
             <p14:nvContentPartPr>
               <p14:cNvPr id="7" name="Ink 6">
@@ -14349,7 +15169,7 @@
             </p14:xfrm>
           </p:contentPart>
         </mc:Choice>
-        <mc:Fallback>
+        <mc:Fallback xmlns="">
           <p:pic>
             <p:nvPicPr>
               <p:cNvPr id="7" name="Ink 6">
@@ -14380,8 +15200,8 @@
           </p:pic>
         </mc:Fallback>
       </mc:AlternateContent>
-      <mc:AlternateContent xmlns:mc="http://schemas.openxmlformats.org/markup-compatibility/2006">
-        <mc:Choice xmlns:p14="http://schemas.microsoft.com/office/powerpoint/2010/main" Requires="p14">
+      <mc:AlternateContent xmlns:mc="http://schemas.openxmlformats.org/markup-compatibility/2006" xmlns:p14="http://schemas.microsoft.com/office/powerpoint/2010/main">
+        <mc:Choice Requires="p14">
           <p:contentPart p14:bwMode="auto" r:id="rId8">
             <p14:nvContentPartPr>
               <p14:cNvPr id="8" name="Ink 7">
@@ -14400,7 +15220,7 @@
             </p14:xfrm>
           </p:contentPart>
         </mc:Choice>
-        <mc:Fallback>
+        <mc:Fallback xmlns="">
           <p:pic>
             <p:nvPicPr>
               <p:cNvPr id="8" name="Ink 7">
@@ -14431,8 +15251,8 @@
           </p:pic>
         </mc:Fallback>
       </mc:AlternateContent>
-      <mc:AlternateContent xmlns:mc="http://schemas.openxmlformats.org/markup-compatibility/2006">
-        <mc:Choice xmlns:p14="http://schemas.microsoft.com/office/powerpoint/2010/main" Requires="p14">
+      <mc:AlternateContent xmlns:mc="http://schemas.openxmlformats.org/markup-compatibility/2006" xmlns:p14="http://schemas.microsoft.com/office/powerpoint/2010/main">
+        <mc:Choice Requires="p14">
           <p:contentPart p14:bwMode="auto" r:id="rId10">
             <p14:nvContentPartPr>
               <p14:cNvPr id="9" name="Ink 8">
@@ -14451,7 +15271,7 @@
             </p14:xfrm>
           </p:contentPart>
         </mc:Choice>
-        <mc:Fallback>
+        <mc:Fallback xmlns="">
           <p:pic>
             <p:nvPicPr>
               <p:cNvPr id="9" name="Ink 8">
@@ -15002,7 +15822,7 @@
             </a:r>
             <a:r>
               <a:rPr lang="zh-CN" altLang="en-US" dirty="0"/>
-              <a:t>輸入関税</a:t>
+              <a:t>輸入関税（従量関税）</a:t>
             </a:r>
             <a:r>
               <a:rPr lang="ja-JP" altLang="en-US"/>
@@ -15111,8 +15931,8 @@
           </a:p>
         </p:txBody>
       </p:sp>
-      <mc:AlternateContent xmlns:mc="http://schemas.openxmlformats.org/markup-compatibility/2006">
-        <mc:Choice xmlns:p14="http://schemas.microsoft.com/office/powerpoint/2010/main" Requires="p14">
+      <mc:AlternateContent xmlns:mc="http://schemas.openxmlformats.org/markup-compatibility/2006" xmlns:p14="http://schemas.microsoft.com/office/powerpoint/2010/main">
+        <mc:Choice Requires="p14">
           <p:contentPart p14:bwMode="auto" r:id="rId2">
             <p14:nvContentPartPr>
               <p14:cNvPr id="5" name="Ink 4">
@@ -15131,7 +15951,7 @@
             </p14:xfrm>
           </p:contentPart>
         </mc:Choice>
-        <mc:Fallback>
+        <mc:Fallback xmlns="">
           <p:pic>
             <p:nvPicPr>
               <p:cNvPr id="5" name="Ink 4">
@@ -15162,8 +15982,8 @@
           </p:pic>
         </mc:Fallback>
       </mc:AlternateContent>
-      <mc:AlternateContent xmlns:mc="http://schemas.openxmlformats.org/markup-compatibility/2006">
-        <mc:Choice xmlns:p14="http://schemas.microsoft.com/office/powerpoint/2010/main" Requires="p14">
+      <mc:AlternateContent xmlns:mc="http://schemas.openxmlformats.org/markup-compatibility/2006" xmlns:p14="http://schemas.microsoft.com/office/powerpoint/2010/main">
+        <mc:Choice Requires="p14">
           <p:contentPart p14:bwMode="auto" r:id="rId4">
             <p14:nvContentPartPr>
               <p14:cNvPr id="6" name="Ink 5">
@@ -15182,7 +16002,7 @@
             </p14:xfrm>
           </p:contentPart>
         </mc:Choice>
-        <mc:Fallback>
+        <mc:Fallback xmlns="">
           <p:pic>
             <p:nvPicPr>
               <p:cNvPr id="6" name="Ink 5">
@@ -15213,8 +16033,8 @@
           </p:pic>
         </mc:Fallback>
       </mc:AlternateContent>
-      <mc:AlternateContent xmlns:mc="http://schemas.openxmlformats.org/markup-compatibility/2006">
-        <mc:Choice xmlns:p14="http://schemas.microsoft.com/office/powerpoint/2010/main" Requires="p14">
+      <mc:AlternateContent xmlns:mc="http://schemas.openxmlformats.org/markup-compatibility/2006" xmlns:p14="http://schemas.microsoft.com/office/powerpoint/2010/main">
+        <mc:Choice Requires="p14">
           <p:contentPart p14:bwMode="auto" r:id="rId6">
             <p14:nvContentPartPr>
               <p14:cNvPr id="7" name="Ink 6">
@@ -15233,7 +16053,7 @@
             </p14:xfrm>
           </p:contentPart>
         </mc:Choice>
-        <mc:Fallback>
+        <mc:Fallback xmlns="">
           <p:pic>
             <p:nvPicPr>
               <p:cNvPr id="7" name="Ink 6">
@@ -15707,8 +16527,8 @@
           </a:p>
         </p:txBody>
       </p:sp>
-      <mc:AlternateContent xmlns:mc="http://schemas.openxmlformats.org/markup-compatibility/2006">
-        <mc:Choice xmlns:p14="http://schemas.microsoft.com/office/powerpoint/2010/main" Requires="p14">
+      <mc:AlternateContent xmlns:mc="http://schemas.openxmlformats.org/markup-compatibility/2006" xmlns:p14="http://schemas.microsoft.com/office/powerpoint/2010/main">
+        <mc:Choice Requires="p14">
           <p:contentPart p14:bwMode="auto" r:id="rId3">
             <p14:nvContentPartPr>
               <p14:cNvPr id="3" name="Ink 2">
@@ -15727,7 +16547,7 @@
             </p14:xfrm>
           </p:contentPart>
         </mc:Choice>
-        <mc:Fallback>
+        <mc:Fallback xmlns="">
           <p:pic>
             <p:nvPicPr>
               <p:cNvPr id="3" name="Ink 2">
@@ -15801,10 +16621,10 @@
       </p:sp>
       <p:grpSp>
         <p:nvGrpSpPr>
-          <p:cNvPr id="11" name="Group 10">
+          <p:cNvPr id="13" name="Group 12">
             <a:extLst>
               <a:ext uri="{FF2B5EF4-FFF2-40B4-BE49-F238E27FC236}">
-                <a16:creationId xmlns:a16="http://schemas.microsoft.com/office/drawing/2014/main" id="{4F8A7562-93C3-97AB-6421-6AF85571F936}"/>
+                <a16:creationId xmlns:a16="http://schemas.microsoft.com/office/drawing/2014/main" id="{2C2E4DF4-49EA-BE43-249C-FCE948D178DB}"/>
               </a:ext>
             </a:extLst>
           </p:cNvPr>
@@ -15813,20 +16633,20 @@
         </p:nvGrpSpPr>
         <p:grpSpPr>
           <a:xfrm>
-            <a:off x="1414035" y="3461355"/>
-            <a:ext cx="2680582" cy="598680"/>
-            <a:chOff x="1414035" y="3461355"/>
-            <a:chExt cx="2680582" cy="598680"/>
+            <a:off x="1525600" y="3615400"/>
+            <a:ext cx="298080" cy="399600"/>
+            <a:chOff x="1525600" y="3615400"/>
+            <a:chExt cx="298080" cy="399600"/>
           </a:xfrm>
         </p:grpSpPr>
         <mc:AlternateContent xmlns:mc="http://schemas.openxmlformats.org/markup-compatibility/2006">
           <mc:Choice xmlns:p14="http://schemas.microsoft.com/office/powerpoint/2010/main" Requires="p14">
             <p:contentPart p14:bwMode="auto" r:id="rId5">
               <p14:nvContentPartPr>
-                <p14:cNvPr id="6" name="Ink 5">
+                <p14:cNvPr id="8" name="Ink 7">
                   <a:extLst>
                     <a:ext uri="{FF2B5EF4-FFF2-40B4-BE49-F238E27FC236}">
-                      <a16:creationId xmlns:a16="http://schemas.microsoft.com/office/drawing/2014/main" id="{E0F48A89-D7F1-CD17-0C88-21071A16B02A}"/>
+                      <a16:creationId xmlns:a16="http://schemas.microsoft.com/office/drawing/2014/main" id="{25AA1E44-DC05-0BD2-169C-6ECB38FF7732}"/>
                     </a:ext>
                   </a:extLst>
                 </p14:cNvPr>
@@ -15834,18 +16654,18 @@
                 <p14:nvPr/>
               </p14:nvContentPartPr>
               <p14:xfrm>
-                <a:off x="1414035" y="3642795"/>
-                <a:ext cx="281880" cy="417240"/>
+                <a:off x="1631800" y="3707560"/>
+                <a:ext cx="191880" cy="307440"/>
               </p14:xfrm>
             </p:contentPart>
           </mc:Choice>
           <mc:Fallback>
             <p:pic>
               <p:nvPicPr>
-                <p:cNvPr id="6" name="Ink 5">
+                <p:cNvPr id="8" name="Ink 7">
                   <a:extLst>
                     <a:ext uri="{FF2B5EF4-FFF2-40B4-BE49-F238E27FC236}">
-                      <a16:creationId xmlns:a16="http://schemas.microsoft.com/office/drawing/2014/main" id="{E0F48A89-D7F1-CD17-0C88-21071A16B02A}"/>
+                      <a16:creationId xmlns:a16="http://schemas.microsoft.com/office/drawing/2014/main" id="{25AA1E44-DC05-0BD2-169C-6ECB38FF7732}"/>
                     </a:ext>
                   </a:extLst>
                 </p:cNvPr>
@@ -15860,8 +16680,8 @@
               </p:blipFill>
               <p:spPr>
                 <a:xfrm>
-                  <a:off x="1378035" y="3606795"/>
-                  <a:ext cx="353520" cy="488880"/>
+                  <a:off x="1622800" y="3698920"/>
+                  <a:ext cx="209520" cy="325080"/>
                 </a:xfrm>
                 <a:prstGeom prst="rect">
                   <a:avLst/>
@@ -15874,10 +16694,10 @@
           <mc:Choice xmlns:p14="http://schemas.microsoft.com/office/powerpoint/2010/main" Requires="p14">
             <p:contentPart p14:bwMode="auto" r:id="rId7">
               <p14:nvContentPartPr>
-                <p14:cNvPr id="7" name="Ink 6">
+                <p14:cNvPr id="12" name="Ink 11">
                   <a:extLst>
                     <a:ext uri="{FF2B5EF4-FFF2-40B4-BE49-F238E27FC236}">
-                      <a16:creationId xmlns:a16="http://schemas.microsoft.com/office/drawing/2014/main" id="{109805AF-CD3D-B551-4A53-E0C61F6874EA}"/>
+                      <a16:creationId xmlns:a16="http://schemas.microsoft.com/office/drawing/2014/main" id="{2074ACCC-3254-764C-8350-34F6A783ED45}"/>
                     </a:ext>
                   </a:extLst>
                 </p14:cNvPr>
@@ -15885,18 +16705,18 @@
                 <p14:nvPr/>
               </p14:nvContentPartPr>
               <p14:xfrm>
-                <a:off x="1517355" y="3461355"/>
-                <a:ext cx="214920" cy="336960"/>
+                <a:off x="1525600" y="3615400"/>
+                <a:ext cx="267840" cy="241920"/>
               </p14:xfrm>
             </p:contentPart>
           </mc:Choice>
           <mc:Fallback>
             <p:pic>
               <p:nvPicPr>
-                <p:cNvPr id="7" name="Ink 6">
+                <p:cNvPr id="12" name="Ink 11">
                   <a:extLst>
                     <a:ext uri="{FF2B5EF4-FFF2-40B4-BE49-F238E27FC236}">
-                      <a16:creationId xmlns:a16="http://schemas.microsoft.com/office/drawing/2014/main" id="{109805AF-CD3D-B551-4A53-E0C61F6874EA}"/>
+                      <a16:creationId xmlns:a16="http://schemas.microsoft.com/office/drawing/2014/main" id="{2074ACCC-3254-764C-8350-34F6A783ED45}"/>
                     </a:ext>
                   </a:extLst>
                 </p:cNvPr>
@@ -15911,8 +16731,166 @@
               </p:blipFill>
               <p:spPr>
                 <a:xfrm>
-                  <a:off x="1481715" y="3425715"/>
-                  <a:ext cx="286560" cy="408600"/>
+                  <a:off x="1516960" y="3606760"/>
+                  <a:ext cx="285480" cy="259560"/>
+                </a:xfrm>
+                <a:prstGeom prst="rect">
+                  <a:avLst/>
+                </a:prstGeom>
+              </p:spPr>
+            </p:pic>
+          </mc:Fallback>
+        </mc:AlternateContent>
+      </p:grpSp>
+      <mc:AlternateContent xmlns:mc="http://schemas.openxmlformats.org/markup-compatibility/2006">
+        <mc:Choice xmlns:p14="http://schemas.microsoft.com/office/powerpoint/2010/main" Requires="p14">
+          <p:contentPart p14:bwMode="auto" r:id="rId9">
+            <p14:nvContentPartPr>
+              <p14:cNvPr id="14" name="Ink 13">
+                <a:extLst>
+                  <a:ext uri="{FF2B5EF4-FFF2-40B4-BE49-F238E27FC236}">
+                    <a16:creationId xmlns:a16="http://schemas.microsoft.com/office/drawing/2014/main" id="{5825CFEE-086B-01BF-0BD1-1278C2CF84FC}"/>
+                  </a:ext>
+                </a:extLst>
+              </p14:cNvPr>
+              <p14:cNvContentPartPr/>
+              <p14:nvPr/>
+            </p14:nvContentPartPr>
+            <p14:xfrm>
+              <a:off x="4547800" y="3706840"/>
+              <a:ext cx="108360" cy="75240"/>
+            </p14:xfrm>
+          </p:contentPart>
+        </mc:Choice>
+        <mc:Fallback>
+          <p:pic>
+            <p:nvPicPr>
+              <p:cNvPr id="14" name="Ink 13">
+                <a:extLst>
+                  <a:ext uri="{FF2B5EF4-FFF2-40B4-BE49-F238E27FC236}">
+                    <a16:creationId xmlns:a16="http://schemas.microsoft.com/office/drawing/2014/main" id="{5825CFEE-086B-01BF-0BD1-1278C2CF84FC}"/>
+                  </a:ext>
+                </a:extLst>
+              </p:cNvPr>
+              <p:cNvPicPr/>
+              <p:nvPr/>
+            </p:nvPicPr>
+            <p:blipFill>
+              <a:blip r:embed="rId10"/>
+              <a:stretch>
+                <a:fillRect/>
+              </a:stretch>
+            </p:blipFill>
+            <p:spPr>
+              <a:xfrm>
+                <a:off x="4538800" y="3697840"/>
+                <a:ext cx="126000" cy="92880"/>
+              </a:xfrm>
+              <a:prstGeom prst="rect">
+                <a:avLst/>
+              </a:prstGeom>
+            </p:spPr>
+          </p:pic>
+        </mc:Fallback>
+      </mc:AlternateContent>
+      <p:sp>
+        <p:nvSpPr>
+          <p:cNvPr id="15" name="TextBox 14">
+            <a:extLst>
+              <a:ext uri="{FF2B5EF4-FFF2-40B4-BE49-F238E27FC236}">
+                <a16:creationId xmlns:a16="http://schemas.microsoft.com/office/drawing/2014/main" id="{BACA5081-BA8B-327B-1BBD-81D5A85C7240}"/>
+              </a:ext>
+            </a:extLst>
+          </p:cNvPr>
+          <p:cNvSpPr txBox="1"/>
+          <p:nvPr/>
+        </p:nvSpPr>
+        <p:spPr>
+          <a:xfrm>
+            <a:off x="4669670" y="3375128"/>
+            <a:ext cx="880369" cy="369332"/>
+          </a:xfrm>
+          <a:prstGeom prst="rect">
+            <a:avLst/>
+          </a:prstGeom>
+          <a:noFill/>
+        </p:spPr>
+        <p:txBody>
+          <a:bodyPr wrap="none" rtlCol="0">
+            <a:spAutoFit/>
+          </a:bodyPr>
+          <a:lstStyle/>
+          <a:p>
+            <a:r>
+              <a:rPr lang="en-JP" dirty="0"/>
+              <a:t>需要55</a:t>
+            </a:r>
+          </a:p>
+        </p:txBody>
+      </p:sp>
+      <p:grpSp>
+        <p:nvGrpSpPr>
+          <p:cNvPr id="18" name="Group 17">
+            <a:extLst>
+              <a:ext uri="{FF2B5EF4-FFF2-40B4-BE49-F238E27FC236}">
+                <a16:creationId xmlns:a16="http://schemas.microsoft.com/office/drawing/2014/main" id="{BF68608D-B755-7792-018F-9291F5CE7271}"/>
+              </a:ext>
+            </a:extLst>
+          </p:cNvPr>
+          <p:cNvGrpSpPr/>
+          <p:nvPr/>
+        </p:nvGrpSpPr>
+        <p:grpSpPr>
+          <a:xfrm>
+            <a:off x="4153600" y="3701080"/>
+            <a:ext cx="48600" cy="40680"/>
+            <a:chOff x="4153600" y="3701080"/>
+            <a:chExt cx="48600" cy="40680"/>
+          </a:xfrm>
+        </p:grpSpPr>
+        <mc:AlternateContent xmlns:mc="http://schemas.openxmlformats.org/markup-compatibility/2006">
+          <mc:Choice xmlns:p14="http://schemas.microsoft.com/office/powerpoint/2010/main" Requires="p14">
+            <p:contentPart p14:bwMode="auto" r:id="rId11">
+              <p14:nvContentPartPr>
+                <p14:cNvPr id="16" name="Ink 15">
+                  <a:extLst>
+                    <a:ext uri="{FF2B5EF4-FFF2-40B4-BE49-F238E27FC236}">
+                      <a16:creationId xmlns:a16="http://schemas.microsoft.com/office/drawing/2014/main" id="{B7D1A695-CE61-C213-4DA7-0A93FC99699B}"/>
+                    </a:ext>
+                  </a:extLst>
+                </p14:cNvPr>
+                <p14:cNvContentPartPr/>
+                <p14:nvPr/>
+              </p14:nvContentPartPr>
+              <p14:xfrm>
+                <a:off x="4153600" y="3706120"/>
+                <a:ext cx="29880" cy="35640"/>
+              </p14:xfrm>
+            </p:contentPart>
+          </mc:Choice>
+          <mc:Fallback>
+            <p:pic>
+              <p:nvPicPr>
+                <p:cNvPr id="16" name="Ink 15">
+                  <a:extLst>
+                    <a:ext uri="{FF2B5EF4-FFF2-40B4-BE49-F238E27FC236}">
+                      <a16:creationId xmlns:a16="http://schemas.microsoft.com/office/drawing/2014/main" id="{B7D1A695-CE61-C213-4DA7-0A93FC99699B}"/>
+                    </a:ext>
+                  </a:extLst>
+                </p:cNvPr>
+                <p:cNvPicPr/>
+                <p:nvPr/>
+              </p:nvPicPr>
+              <p:blipFill>
+                <a:blip r:embed="rId12"/>
+                <a:stretch>
+                  <a:fillRect/>
+                </a:stretch>
+              </p:blipFill>
+              <p:spPr>
+                <a:xfrm>
+                  <a:off x="4144600" y="3697480"/>
+                  <a:ext cx="47520" cy="53280"/>
                 </a:xfrm>
                 <a:prstGeom prst="rect">
                   <a:avLst/>
@@ -15923,12 +16901,12 @@
         </mc:AlternateContent>
         <mc:AlternateContent xmlns:mc="http://schemas.openxmlformats.org/markup-compatibility/2006">
           <mc:Choice xmlns:p14="http://schemas.microsoft.com/office/powerpoint/2010/main" Requires="p14">
-            <p:contentPart p14:bwMode="auto" r:id="rId9">
+            <p:contentPart p14:bwMode="auto" r:id="rId13">
               <p14:nvContentPartPr>
-                <p14:cNvPr id="10" name="Ink 9">
+                <p14:cNvPr id="17" name="Ink 16">
                   <a:extLst>
                     <a:ext uri="{FF2B5EF4-FFF2-40B4-BE49-F238E27FC236}">
-                      <a16:creationId xmlns:a16="http://schemas.microsoft.com/office/drawing/2014/main" id="{46AA28CC-7F88-6627-5F62-5EC0BFD82316}"/>
+                      <a16:creationId xmlns:a16="http://schemas.microsoft.com/office/drawing/2014/main" id="{2A6F9F56-FBBA-EB2F-1309-D4837AD555AE}"/>
                     </a:ext>
                   </a:extLst>
                 </p14:cNvPr>
@@ -15936,18 +16914,18 @@
                 <p14:nvPr/>
               </p14:nvContentPartPr>
               <p14:xfrm>
-                <a:off x="2148457" y="3723795"/>
-                <a:ext cx="1946160" cy="200880"/>
+                <a:off x="4155760" y="3701080"/>
+                <a:ext cx="46440" cy="21960"/>
               </p14:xfrm>
             </p:contentPart>
           </mc:Choice>
           <mc:Fallback>
             <p:pic>
               <p:nvPicPr>
-                <p:cNvPr id="10" name="Ink 9">
+                <p:cNvPr id="17" name="Ink 16">
                   <a:extLst>
                     <a:ext uri="{FF2B5EF4-FFF2-40B4-BE49-F238E27FC236}">
-                      <a16:creationId xmlns:a16="http://schemas.microsoft.com/office/drawing/2014/main" id="{46AA28CC-7F88-6627-5F62-5EC0BFD82316}"/>
+                      <a16:creationId xmlns:a16="http://schemas.microsoft.com/office/drawing/2014/main" id="{2A6F9F56-FBBA-EB2F-1309-D4837AD555AE}"/>
                     </a:ext>
                   </a:extLst>
                 </p:cNvPr>
@@ -15955,15 +16933,15 @@
                 <p:nvPr/>
               </p:nvPicPr>
               <p:blipFill>
-                <a:blip r:embed="rId10"/>
+                <a:blip r:embed="rId14"/>
                 <a:stretch>
                   <a:fillRect/>
                 </a:stretch>
               </p:blipFill>
               <p:spPr>
                 <a:xfrm>
-                  <a:off x="2112817" y="3687795"/>
-                  <a:ext cx="2017800" cy="272520"/>
+                  <a:off x="4146760" y="3692080"/>
+                  <a:ext cx="64080" cy="39600"/>
                 </a:xfrm>
                 <a:prstGeom prst="rect">
                   <a:avLst/>
@@ -15973,6 +16951,500 @@
           </mc:Fallback>
         </mc:AlternateContent>
       </p:grpSp>
+      <p:sp>
+        <p:nvSpPr>
+          <p:cNvPr id="19" name="TextBox 18">
+            <a:extLst>
+              <a:ext uri="{FF2B5EF4-FFF2-40B4-BE49-F238E27FC236}">
+                <a16:creationId xmlns:a16="http://schemas.microsoft.com/office/drawing/2014/main" id="{B96EA99B-C621-8E28-AEDC-1EE76E14CF2B}"/>
+              </a:ext>
+            </a:extLst>
+          </p:cNvPr>
+          <p:cNvSpPr txBox="1"/>
+          <p:nvPr/>
+        </p:nvSpPr>
+        <p:spPr>
+          <a:xfrm>
+            <a:off x="2933166" y="3351256"/>
+            <a:ext cx="1342034" cy="369332"/>
+          </a:xfrm>
+          <a:prstGeom prst="rect">
+            <a:avLst/>
+          </a:prstGeom>
+          <a:noFill/>
+        </p:spPr>
+        <p:txBody>
+          <a:bodyPr wrap="none" rtlCol="0">
+            <a:spAutoFit/>
+          </a:bodyPr>
+          <a:lstStyle/>
+          <a:p>
+            <a:r>
+              <a:rPr lang="en-JP" dirty="0"/>
+              <a:t>国内供給45</a:t>
+            </a:r>
+          </a:p>
+        </p:txBody>
+      </p:sp>
+      <mc:AlternateContent xmlns:mc="http://schemas.openxmlformats.org/markup-compatibility/2006">
+        <mc:Choice xmlns:p14="http://schemas.microsoft.com/office/powerpoint/2010/main" Requires="p14">
+          <p:contentPart p14:bwMode="auto" r:id="rId15">
+            <p14:nvContentPartPr>
+              <p14:cNvPr id="20" name="Ink 19">
+                <a:extLst>
+                  <a:ext uri="{FF2B5EF4-FFF2-40B4-BE49-F238E27FC236}">
+                    <a16:creationId xmlns:a16="http://schemas.microsoft.com/office/drawing/2014/main" id="{9FC6C8A2-F3BE-FB1F-BC3E-9B84C6338DBD}"/>
+                  </a:ext>
+                </a:extLst>
+              </p14:cNvPr>
+              <p14:cNvContentPartPr/>
+              <p14:nvPr/>
+            </p14:nvContentPartPr>
+            <p14:xfrm>
+              <a:off x="2216440" y="5390200"/>
+              <a:ext cx="360" cy="360"/>
+            </p14:xfrm>
+          </p:contentPart>
+        </mc:Choice>
+        <mc:Fallback>
+          <p:pic>
+            <p:nvPicPr>
+              <p:cNvPr id="20" name="Ink 19">
+                <a:extLst>
+                  <a:ext uri="{FF2B5EF4-FFF2-40B4-BE49-F238E27FC236}">
+                    <a16:creationId xmlns:a16="http://schemas.microsoft.com/office/drawing/2014/main" id="{9FC6C8A2-F3BE-FB1F-BC3E-9B84C6338DBD}"/>
+                  </a:ext>
+                </a:extLst>
+              </p:cNvPr>
+              <p:cNvPicPr/>
+              <p:nvPr/>
+            </p:nvPicPr>
+            <p:blipFill>
+              <a:blip r:embed="rId16"/>
+              <a:stretch>
+                <a:fillRect/>
+              </a:stretch>
+            </p:blipFill>
+            <p:spPr>
+              <a:xfrm>
+                <a:off x="2180440" y="5318560"/>
+                <a:ext cx="72000" cy="144000"/>
+              </a:xfrm>
+              <a:prstGeom prst="rect">
+                <a:avLst/>
+              </a:prstGeom>
+            </p:spPr>
+          </p:pic>
+        </mc:Fallback>
+      </mc:AlternateContent>
+      <mc:AlternateContent xmlns:mc="http://schemas.openxmlformats.org/markup-compatibility/2006">
+        <mc:Choice xmlns:p14="http://schemas.microsoft.com/office/powerpoint/2010/main" Requires="p14">
+          <p:contentPart p14:bwMode="auto" r:id="rId17">
+            <p14:nvContentPartPr>
+              <p14:cNvPr id="22" name="Ink 21">
+                <a:extLst>
+                  <a:ext uri="{FF2B5EF4-FFF2-40B4-BE49-F238E27FC236}">
+                    <a16:creationId xmlns:a16="http://schemas.microsoft.com/office/drawing/2014/main" id="{24F123BC-DFE5-0BB4-0154-43A75622CCA5}"/>
+                  </a:ext>
+                </a:extLst>
+              </p14:cNvPr>
+              <p14:cNvContentPartPr/>
+              <p14:nvPr/>
+            </p14:nvContentPartPr>
+            <p14:xfrm>
+              <a:off x="2188360" y="4013200"/>
+              <a:ext cx="42840" cy="1338120"/>
+            </p14:xfrm>
+          </p:contentPart>
+        </mc:Choice>
+        <mc:Fallback>
+          <p:pic>
+            <p:nvPicPr>
+              <p:cNvPr id="22" name="Ink 21">
+                <a:extLst>
+                  <a:ext uri="{FF2B5EF4-FFF2-40B4-BE49-F238E27FC236}">
+                    <a16:creationId xmlns:a16="http://schemas.microsoft.com/office/drawing/2014/main" id="{24F123BC-DFE5-0BB4-0154-43A75622CCA5}"/>
+                  </a:ext>
+                </a:extLst>
+              </p:cNvPr>
+              <p:cNvPicPr/>
+              <p:nvPr/>
+            </p:nvPicPr>
+            <p:blipFill>
+              <a:blip r:embed="rId18"/>
+              <a:stretch>
+                <a:fillRect/>
+              </a:stretch>
+            </p:blipFill>
+            <p:spPr>
+              <a:xfrm>
+                <a:off x="2152720" y="3941560"/>
+                <a:ext cx="114480" cy="1481760"/>
+              </a:xfrm>
+              <a:prstGeom prst="rect">
+                <a:avLst/>
+              </a:prstGeom>
+            </p:spPr>
+          </p:pic>
+        </mc:Fallback>
+      </mc:AlternateContent>
+      <mc:AlternateContent xmlns:mc="http://schemas.openxmlformats.org/markup-compatibility/2006">
+        <mc:Choice xmlns:p14="http://schemas.microsoft.com/office/powerpoint/2010/main" Requires="p14">
+          <p:contentPart p14:bwMode="auto" r:id="rId19">
+            <p14:nvContentPartPr>
+              <p14:cNvPr id="23" name="Ink 22">
+                <a:extLst>
+                  <a:ext uri="{FF2B5EF4-FFF2-40B4-BE49-F238E27FC236}">
+                    <a16:creationId xmlns:a16="http://schemas.microsoft.com/office/drawing/2014/main" id="{6A2B641B-B086-0F30-3437-A04A0CCCA901}"/>
+                  </a:ext>
+                </a:extLst>
+              </p14:cNvPr>
+              <p14:cNvContentPartPr/>
+              <p14:nvPr/>
+            </p14:nvContentPartPr>
+            <p14:xfrm>
+              <a:off x="2275120" y="3920320"/>
+              <a:ext cx="1571040" cy="1383840"/>
+            </p14:xfrm>
+          </p:contentPart>
+        </mc:Choice>
+        <mc:Fallback>
+          <p:pic>
+            <p:nvPicPr>
+              <p:cNvPr id="23" name="Ink 22">
+                <a:extLst>
+                  <a:ext uri="{FF2B5EF4-FFF2-40B4-BE49-F238E27FC236}">
+                    <a16:creationId xmlns:a16="http://schemas.microsoft.com/office/drawing/2014/main" id="{6A2B641B-B086-0F30-3437-A04A0CCCA901}"/>
+                  </a:ext>
+                </a:extLst>
+              </p:cNvPr>
+              <p:cNvPicPr/>
+              <p:nvPr/>
+            </p:nvPicPr>
+            <p:blipFill>
+              <a:blip r:embed="rId20"/>
+              <a:stretch>
+                <a:fillRect/>
+              </a:stretch>
+            </p:blipFill>
+            <p:spPr>
+              <a:xfrm>
+                <a:off x="2239480" y="3848320"/>
+                <a:ext cx="1642680" cy="1527480"/>
+              </a:xfrm>
+              <a:prstGeom prst="rect">
+                <a:avLst/>
+              </a:prstGeom>
+            </p:spPr>
+          </p:pic>
+        </mc:Fallback>
+      </mc:AlternateContent>
+      <mc:AlternateContent xmlns:mc="http://schemas.openxmlformats.org/markup-compatibility/2006">
+        <mc:Choice xmlns:p14="http://schemas.microsoft.com/office/powerpoint/2010/main" Requires="p14">
+          <p:contentPart p14:bwMode="auto" r:id="rId21">
+            <p14:nvContentPartPr>
+              <p14:cNvPr id="25" name="Ink 24">
+                <a:extLst>
+                  <a:ext uri="{FF2B5EF4-FFF2-40B4-BE49-F238E27FC236}">
+                    <a16:creationId xmlns:a16="http://schemas.microsoft.com/office/drawing/2014/main" id="{C1C23BB9-D553-45D8-B83F-41B43356491C}"/>
+                  </a:ext>
+                </a:extLst>
+              </p14:cNvPr>
+              <p14:cNvContentPartPr/>
+              <p14:nvPr/>
+            </p14:nvContentPartPr>
+            <p14:xfrm>
+              <a:off x="2189800" y="1710280"/>
+              <a:ext cx="88560" cy="1932840"/>
+            </p14:xfrm>
+          </p:contentPart>
+        </mc:Choice>
+        <mc:Fallback>
+          <p:pic>
+            <p:nvPicPr>
+              <p:cNvPr id="25" name="Ink 24">
+                <a:extLst>
+                  <a:ext uri="{FF2B5EF4-FFF2-40B4-BE49-F238E27FC236}">
+                    <a16:creationId xmlns:a16="http://schemas.microsoft.com/office/drawing/2014/main" id="{C1C23BB9-D553-45D8-B83F-41B43356491C}"/>
+                  </a:ext>
+                </a:extLst>
+              </p:cNvPr>
+              <p:cNvPicPr/>
+              <p:nvPr/>
+            </p:nvPicPr>
+            <p:blipFill>
+              <a:blip r:embed="rId22"/>
+              <a:stretch>
+                <a:fillRect/>
+              </a:stretch>
+            </p:blipFill>
+            <p:spPr>
+              <a:xfrm>
+                <a:off x="2154160" y="1638640"/>
+                <a:ext cx="160200" cy="2076480"/>
+              </a:xfrm>
+              <a:prstGeom prst="rect">
+                <a:avLst/>
+              </a:prstGeom>
+            </p:spPr>
+          </p:pic>
+        </mc:Fallback>
+      </mc:AlternateContent>
+      <mc:AlternateContent xmlns:mc="http://schemas.openxmlformats.org/markup-compatibility/2006">
+        <mc:Choice xmlns:p14="http://schemas.microsoft.com/office/powerpoint/2010/main" Requires="p14">
+          <p:contentPart p14:bwMode="auto" r:id="rId23">
+            <p14:nvContentPartPr>
+              <p14:cNvPr id="26" name="Ink 25">
+                <a:extLst>
+                  <a:ext uri="{FF2B5EF4-FFF2-40B4-BE49-F238E27FC236}">
+                    <a16:creationId xmlns:a16="http://schemas.microsoft.com/office/drawing/2014/main" id="{771BAF09-B44A-A49E-6A14-D5273D1AEB53}"/>
+                  </a:ext>
+                </a:extLst>
+              </p14:cNvPr>
+              <p14:cNvContentPartPr/>
+              <p14:nvPr/>
+            </p14:nvContentPartPr>
+            <p14:xfrm>
+              <a:off x="2220400" y="3618280"/>
+              <a:ext cx="2279520" cy="13680"/>
+            </p14:xfrm>
+          </p:contentPart>
+        </mc:Choice>
+        <mc:Fallback>
+          <p:pic>
+            <p:nvPicPr>
+              <p:cNvPr id="26" name="Ink 25">
+                <a:extLst>
+                  <a:ext uri="{FF2B5EF4-FFF2-40B4-BE49-F238E27FC236}">
+                    <a16:creationId xmlns:a16="http://schemas.microsoft.com/office/drawing/2014/main" id="{771BAF09-B44A-A49E-6A14-D5273D1AEB53}"/>
+                  </a:ext>
+                </a:extLst>
+              </p:cNvPr>
+              <p:cNvPicPr/>
+              <p:nvPr/>
+            </p:nvPicPr>
+            <p:blipFill>
+              <a:blip r:embed="rId24"/>
+              <a:stretch>
+                <a:fillRect/>
+              </a:stretch>
+            </p:blipFill>
+            <p:spPr>
+              <a:xfrm>
+                <a:off x="2184400" y="3546640"/>
+                <a:ext cx="2351160" cy="157320"/>
+              </a:xfrm>
+              <a:prstGeom prst="rect">
+                <a:avLst/>
+              </a:prstGeom>
+            </p:spPr>
+          </p:pic>
+        </mc:Fallback>
+      </mc:AlternateContent>
+      <mc:AlternateContent xmlns:mc="http://schemas.openxmlformats.org/markup-compatibility/2006">
+        <mc:Choice xmlns:p14="http://schemas.microsoft.com/office/powerpoint/2010/main" Requires="p14">
+          <p:contentPart p14:bwMode="auto" r:id="rId25">
+            <p14:nvContentPartPr>
+              <p14:cNvPr id="27" name="Ink 26">
+                <a:extLst>
+                  <a:ext uri="{FF2B5EF4-FFF2-40B4-BE49-F238E27FC236}">
+                    <a16:creationId xmlns:a16="http://schemas.microsoft.com/office/drawing/2014/main" id="{33FF5EAE-7B9A-1ABE-C8F6-1653FD3195E9}"/>
+                  </a:ext>
+                </a:extLst>
+              </p14:cNvPr>
+              <p14:cNvContentPartPr/>
+              <p14:nvPr/>
+            </p14:nvContentPartPr>
+            <p14:xfrm>
+              <a:off x="2301400" y="1729720"/>
+              <a:ext cx="2096280" cy="1851480"/>
+            </p14:xfrm>
+          </p:contentPart>
+        </mc:Choice>
+        <mc:Fallback>
+          <p:pic>
+            <p:nvPicPr>
+              <p:cNvPr id="27" name="Ink 26">
+                <a:extLst>
+                  <a:ext uri="{FF2B5EF4-FFF2-40B4-BE49-F238E27FC236}">
+                    <a16:creationId xmlns:a16="http://schemas.microsoft.com/office/drawing/2014/main" id="{33FF5EAE-7B9A-1ABE-C8F6-1653FD3195E9}"/>
+                  </a:ext>
+                </a:extLst>
+              </p:cNvPr>
+              <p:cNvPicPr/>
+              <p:nvPr/>
+            </p:nvPicPr>
+            <p:blipFill>
+              <a:blip r:embed="rId26"/>
+              <a:stretch>
+                <a:fillRect/>
+              </a:stretch>
+            </p:blipFill>
+            <p:spPr>
+              <a:xfrm>
+                <a:off x="2265760" y="1657720"/>
+                <a:ext cx="2167920" cy="1995120"/>
+              </a:xfrm>
+              <a:prstGeom prst="rect">
+                <a:avLst/>
+              </a:prstGeom>
+            </p:spPr>
+          </p:pic>
+        </mc:Fallback>
+      </mc:AlternateContent>
+      <mc:AlternateContent xmlns:mc="http://schemas.openxmlformats.org/markup-compatibility/2006">
+        <mc:Choice xmlns:p14="http://schemas.microsoft.com/office/powerpoint/2010/main" Requires="p14">
+          <p:contentPart p14:bwMode="auto" r:id="rId27">
+            <p14:nvContentPartPr>
+              <p14:cNvPr id="37" name="Ink 36">
+                <a:extLst>
+                  <a:ext uri="{FF2B5EF4-FFF2-40B4-BE49-F238E27FC236}">
+                    <a16:creationId xmlns:a16="http://schemas.microsoft.com/office/drawing/2014/main" id="{BCD9650E-CFED-986E-4277-327959A2AC54}"/>
+                  </a:ext>
+                </a:extLst>
+              </p14:cNvPr>
+              <p14:cNvContentPartPr/>
+              <p14:nvPr/>
+            </p14:nvContentPartPr>
+            <p14:xfrm>
+              <a:off x="2269720" y="3802600"/>
+              <a:ext cx="1630080" cy="53280"/>
+            </p14:xfrm>
+          </p:contentPart>
+        </mc:Choice>
+        <mc:Fallback>
+          <p:pic>
+            <p:nvPicPr>
+              <p:cNvPr id="37" name="Ink 36">
+                <a:extLst>
+                  <a:ext uri="{FF2B5EF4-FFF2-40B4-BE49-F238E27FC236}">
+                    <a16:creationId xmlns:a16="http://schemas.microsoft.com/office/drawing/2014/main" id="{BCD9650E-CFED-986E-4277-327959A2AC54}"/>
+                  </a:ext>
+                </a:extLst>
+              </p:cNvPr>
+              <p:cNvPicPr/>
+              <p:nvPr/>
+            </p:nvPicPr>
+            <p:blipFill>
+              <a:blip r:embed="rId28"/>
+              <a:stretch>
+                <a:fillRect/>
+              </a:stretch>
+            </p:blipFill>
+            <p:spPr>
+              <a:xfrm>
+                <a:off x="2233720" y="3730960"/>
+                <a:ext cx="1701720" cy="196920"/>
+              </a:xfrm>
+              <a:prstGeom prst="rect">
+                <a:avLst/>
+              </a:prstGeom>
+            </p:spPr>
+          </p:pic>
+        </mc:Fallback>
+      </mc:AlternateContent>
+      <mc:AlternateContent xmlns:mc="http://schemas.openxmlformats.org/markup-compatibility/2006">
+        <mc:Choice xmlns:p14="http://schemas.microsoft.com/office/powerpoint/2010/main" Requires="p14">
+          <p:contentPart p14:bwMode="auto" r:id="rId29">
+            <p14:nvContentPartPr>
+              <p14:cNvPr id="38" name="Ink 37">
+                <a:extLst>
+                  <a:ext uri="{FF2B5EF4-FFF2-40B4-BE49-F238E27FC236}">
+                    <a16:creationId xmlns:a16="http://schemas.microsoft.com/office/drawing/2014/main" id="{35DF19E7-FD8A-F1F1-E465-3C532F7BA2DD}"/>
+                  </a:ext>
+                </a:extLst>
+              </p14:cNvPr>
+              <p14:cNvContentPartPr/>
+              <p14:nvPr/>
+            </p14:nvContentPartPr>
+            <p14:xfrm>
+              <a:off x="3977920" y="3736360"/>
+              <a:ext cx="108720" cy="86760"/>
+            </p14:xfrm>
+          </p:contentPart>
+        </mc:Choice>
+        <mc:Fallback>
+          <p:pic>
+            <p:nvPicPr>
+              <p:cNvPr id="38" name="Ink 37">
+                <a:extLst>
+                  <a:ext uri="{FF2B5EF4-FFF2-40B4-BE49-F238E27FC236}">
+                    <a16:creationId xmlns:a16="http://schemas.microsoft.com/office/drawing/2014/main" id="{35DF19E7-FD8A-F1F1-E465-3C532F7BA2DD}"/>
+                  </a:ext>
+                </a:extLst>
+              </p:cNvPr>
+              <p:cNvPicPr/>
+              <p:nvPr/>
+            </p:nvPicPr>
+            <p:blipFill>
+              <a:blip r:embed="rId30"/>
+              <a:stretch>
+                <a:fillRect/>
+              </a:stretch>
+            </p:blipFill>
+            <p:spPr>
+              <a:xfrm>
+                <a:off x="3941920" y="3664720"/>
+                <a:ext cx="180360" cy="230400"/>
+              </a:xfrm>
+              <a:prstGeom prst="rect">
+                <a:avLst/>
+              </a:prstGeom>
+            </p:spPr>
+          </p:pic>
+        </mc:Fallback>
+      </mc:AlternateContent>
+      <mc:AlternateContent xmlns:mc="http://schemas.openxmlformats.org/markup-compatibility/2006">
+        <mc:Choice xmlns:p14="http://schemas.microsoft.com/office/powerpoint/2010/main" Requires="p14">
+          <p:contentPart p14:bwMode="auto" r:id="rId31">
+            <p14:nvContentPartPr>
+              <p14:cNvPr id="39" name="Ink 38">
+                <a:extLst>
+                  <a:ext uri="{FF2B5EF4-FFF2-40B4-BE49-F238E27FC236}">
+                    <a16:creationId xmlns:a16="http://schemas.microsoft.com/office/drawing/2014/main" id="{2774F3EF-982A-3651-B615-8F810500BA70}"/>
+                  </a:ext>
+                </a:extLst>
+              </p14:cNvPr>
+              <p14:cNvContentPartPr/>
+              <p14:nvPr/>
+            </p14:nvContentPartPr>
+            <p14:xfrm>
+              <a:off x="4203640" y="3800080"/>
+              <a:ext cx="360720" cy="47520"/>
+            </p14:xfrm>
+          </p:contentPart>
+        </mc:Choice>
+        <mc:Fallback>
+          <p:pic>
+            <p:nvPicPr>
+              <p:cNvPr id="39" name="Ink 38">
+                <a:extLst>
+                  <a:ext uri="{FF2B5EF4-FFF2-40B4-BE49-F238E27FC236}">
+                    <a16:creationId xmlns:a16="http://schemas.microsoft.com/office/drawing/2014/main" id="{2774F3EF-982A-3651-B615-8F810500BA70}"/>
+                  </a:ext>
+                </a:extLst>
+              </p:cNvPr>
+              <p:cNvPicPr/>
+              <p:nvPr/>
+            </p:nvPicPr>
+            <p:blipFill>
+              <a:blip r:embed="rId32"/>
+              <a:stretch>
+                <a:fillRect/>
+              </a:stretch>
+            </p:blipFill>
+            <p:spPr>
+              <a:xfrm>
+                <a:off x="4168000" y="3728080"/>
+                <a:ext cx="432360" cy="191160"/>
+              </a:xfrm>
+              <a:prstGeom prst="rect">
+                <a:avLst/>
+              </a:prstGeom>
+            </p:spPr>
+          </p:pic>
+        </mc:Fallback>
+      </mc:AlternateContent>
     </p:spTree>
     <p:extLst>
       <p:ext uri="{BB962C8B-B14F-4D97-AF65-F5344CB8AC3E}">
@@ -16397,8 +17869,8 @@
             <a:chExt cx="2346840" cy="2082240"/>
           </a:xfrm>
         </p:grpSpPr>
-        <mc:AlternateContent xmlns:mc="http://schemas.openxmlformats.org/markup-compatibility/2006">
-          <mc:Choice xmlns:p14="http://schemas.microsoft.com/office/powerpoint/2010/main" Requires="p14">
+        <mc:AlternateContent xmlns:mc="http://schemas.openxmlformats.org/markup-compatibility/2006" xmlns:p14="http://schemas.microsoft.com/office/powerpoint/2010/main">
+          <mc:Choice Requires="p14">
             <p:contentPart p14:bwMode="auto" r:id="rId3">
               <p14:nvContentPartPr>
                 <p14:cNvPr id="3" name="Ink 2">
@@ -16417,7 +17889,7 @@
               </p14:xfrm>
             </p:contentPart>
           </mc:Choice>
-          <mc:Fallback>
+          <mc:Fallback xmlns="">
             <p:pic>
               <p:nvPicPr>
                 <p:cNvPr id="3" name="Ink 2">
@@ -16448,8 +17920,8 @@
             </p:pic>
           </mc:Fallback>
         </mc:AlternateContent>
-        <mc:AlternateContent xmlns:mc="http://schemas.openxmlformats.org/markup-compatibility/2006">
-          <mc:Choice xmlns:p14="http://schemas.microsoft.com/office/powerpoint/2010/main" Requires="p14">
+        <mc:AlternateContent xmlns:mc="http://schemas.openxmlformats.org/markup-compatibility/2006" xmlns:p14="http://schemas.microsoft.com/office/powerpoint/2010/main">
+          <mc:Choice Requires="p14">
             <p:contentPart p14:bwMode="auto" r:id="rId5">
               <p14:nvContentPartPr>
                 <p14:cNvPr id="5" name="Ink 4">
@@ -16468,7 +17940,7 @@
               </p14:xfrm>
             </p:contentPart>
           </mc:Choice>
-          <mc:Fallback>
+          <mc:Fallback xmlns="">
             <p:pic>
               <p:nvPicPr>
                 <p:cNvPr id="5" name="Ink 4">
@@ -16499,8 +17971,8 @@
             </p:pic>
           </mc:Fallback>
         </mc:AlternateContent>
-        <mc:AlternateContent xmlns:mc="http://schemas.openxmlformats.org/markup-compatibility/2006">
-          <mc:Choice xmlns:p14="http://schemas.microsoft.com/office/powerpoint/2010/main" Requires="p14">
+        <mc:AlternateContent xmlns:mc="http://schemas.openxmlformats.org/markup-compatibility/2006" xmlns:p14="http://schemas.microsoft.com/office/powerpoint/2010/main">
+          <mc:Choice Requires="p14">
             <p:contentPart p14:bwMode="auto" r:id="rId7">
               <p14:nvContentPartPr>
                 <p14:cNvPr id="8" name="Ink 7">
@@ -16519,7 +17991,7 @@
               </p14:xfrm>
             </p:contentPart>
           </mc:Choice>
-          <mc:Fallback>
+          <mc:Fallback xmlns="">
             <p:pic>
               <p:nvPicPr>
                 <p:cNvPr id="8" name="Ink 7">
@@ -16551,8 +18023,8 @@
           </mc:Fallback>
         </mc:AlternateContent>
       </p:grpSp>
-      <mc:AlternateContent xmlns:mc="http://schemas.openxmlformats.org/markup-compatibility/2006">
-        <mc:Choice xmlns:p14="http://schemas.microsoft.com/office/powerpoint/2010/main" Requires="p14">
+      <mc:AlternateContent xmlns:mc="http://schemas.openxmlformats.org/markup-compatibility/2006" xmlns:p14="http://schemas.microsoft.com/office/powerpoint/2010/main">
+        <mc:Choice Requires="p14">
           <p:contentPart p14:bwMode="auto" r:id="rId9">
             <p14:nvContentPartPr>
               <p14:cNvPr id="16" name="Ink 15">
@@ -16571,7 +18043,7 @@
             </p14:xfrm>
           </p:contentPart>
         </mc:Choice>
-        <mc:Fallback>
+        <mc:Fallback xmlns="">
           <p:pic>
             <p:nvPicPr>
               <p:cNvPr id="16" name="Ink 15">
@@ -17024,8 +18496,8 @@
           </a:p>
         </p:txBody>
       </p:sp>
-      <mc:AlternateContent xmlns:mc="http://schemas.openxmlformats.org/markup-compatibility/2006">
-        <mc:Choice xmlns:p14="http://schemas.microsoft.com/office/powerpoint/2010/main" Requires="p14">
+      <mc:AlternateContent xmlns:mc="http://schemas.openxmlformats.org/markup-compatibility/2006" xmlns:p14="http://schemas.microsoft.com/office/powerpoint/2010/main">
+        <mc:Choice Requires="p14">
           <p:contentPart p14:bwMode="auto" r:id="rId3">
             <p14:nvContentPartPr>
               <p14:cNvPr id="3" name="Ink 2">
@@ -17044,7 +18516,7 @@
             </p14:xfrm>
           </p:contentPart>
         </mc:Choice>
-        <mc:Fallback>
+        <mc:Fallback xmlns="">
           <p:pic>
             <p:nvPicPr>
               <p:cNvPr id="3" name="Ink 2">
@@ -17075,8 +18547,8 @@
           </p:pic>
         </mc:Fallback>
       </mc:AlternateContent>
-      <mc:AlternateContent xmlns:mc="http://schemas.openxmlformats.org/markup-compatibility/2006">
-        <mc:Choice xmlns:p14="http://schemas.microsoft.com/office/powerpoint/2010/main" Requires="p14">
+      <mc:AlternateContent xmlns:mc="http://schemas.openxmlformats.org/markup-compatibility/2006" xmlns:p14="http://schemas.microsoft.com/office/powerpoint/2010/main">
+        <mc:Choice Requires="p14">
           <p:contentPart p14:bwMode="auto" r:id="rId5">
             <p14:nvContentPartPr>
               <p14:cNvPr id="5" name="Ink 4">
@@ -17095,7 +18567,7 @@
             </p14:xfrm>
           </p:contentPart>
         </mc:Choice>
-        <mc:Fallback>
+        <mc:Fallback xmlns="">
           <p:pic>
             <p:nvPicPr>
               <p:cNvPr id="5" name="Ink 4">
@@ -17126,8 +18598,8 @@
           </p:pic>
         </mc:Fallback>
       </mc:AlternateContent>
-      <mc:AlternateContent xmlns:mc="http://schemas.openxmlformats.org/markup-compatibility/2006">
-        <mc:Choice xmlns:p14="http://schemas.microsoft.com/office/powerpoint/2010/main" Requires="p14">
+      <mc:AlternateContent xmlns:mc="http://schemas.openxmlformats.org/markup-compatibility/2006" xmlns:p14="http://schemas.microsoft.com/office/powerpoint/2010/main">
+        <mc:Choice Requires="p14">
           <p:contentPart p14:bwMode="auto" r:id="rId7">
             <p14:nvContentPartPr>
               <p14:cNvPr id="7" name="Ink 6">
@@ -17146,7 +18618,7 @@
             </p14:xfrm>
           </p:contentPart>
         </mc:Choice>
-        <mc:Fallback>
+        <mc:Fallback xmlns="">
           <p:pic>
             <p:nvPicPr>
               <p:cNvPr id="7" name="Ink 6">
@@ -17177,8 +18649,8 @@
           </p:pic>
         </mc:Fallback>
       </mc:AlternateContent>
-      <mc:AlternateContent xmlns:mc="http://schemas.openxmlformats.org/markup-compatibility/2006">
-        <mc:Choice xmlns:p14="http://schemas.microsoft.com/office/powerpoint/2010/main" Requires="p14">
+      <mc:AlternateContent xmlns:mc="http://schemas.openxmlformats.org/markup-compatibility/2006" xmlns:p14="http://schemas.microsoft.com/office/powerpoint/2010/main">
+        <mc:Choice Requires="p14">
           <p:contentPart p14:bwMode="auto" r:id="rId9">
             <p14:nvContentPartPr>
               <p14:cNvPr id="8" name="Ink 7">
@@ -17197,7 +18669,7 @@
             </p14:xfrm>
           </p:contentPart>
         </mc:Choice>
-        <mc:Fallback>
+        <mc:Fallback xmlns="">
           <p:pic>
             <p:nvPicPr>
               <p:cNvPr id="8" name="Ink 7">
@@ -17220,6 +18692,210 @@
               <a:xfrm>
                 <a:off x="7415977" y="2803275"/>
                 <a:ext cx="741600" cy="333360"/>
+              </a:xfrm>
+              <a:prstGeom prst="rect">
+                <a:avLst/>
+              </a:prstGeom>
+            </p:spPr>
+          </p:pic>
+        </mc:Fallback>
+      </mc:AlternateContent>
+      <mc:AlternateContent xmlns:mc="http://schemas.openxmlformats.org/markup-compatibility/2006">
+        <mc:Choice xmlns:p14="http://schemas.microsoft.com/office/powerpoint/2010/main" Requires="p14">
+          <p:contentPart p14:bwMode="auto" r:id="rId11">
+            <p14:nvContentPartPr>
+              <p14:cNvPr id="9" name="Ink 8">
+                <a:extLst>
+                  <a:ext uri="{FF2B5EF4-FFF2-40B4-BE49-F238E27FC236}">
+                    <a16:creationId xmlns:a16="http://schemas.microsoft.com/office/drawing/2014/main" id="{DA4ECFBA-B340-9832-4AAA-EF8855AA4910}"/>
+                  </a:ext>
+                </a:extLst>
+              </p14:cNvPr>
+              <p14:cNvContentPartPr/>
+              <p14:nvPr/>
+            </p14:nvContentPartPr>
+            <p14:xfrm>
+              <a:off x="3888640" y="3819160"/>
+              <a:ext cx="96840" cy="56520"/>
+            </p14:xfrm>
+          </p:contentPart>
+        </mc:Choice>
+        <mc:Fallback>
+          <p:pic>
+            <p:nvPicPr>
+              <p:cNvPr id="9" name="Ink 8">
+                <a:extLst>
+                  <a:ext uri="{FF2B5EF4-FFF2-40B4-BE49-F238E27FC236}">
+                    <a16:creationId xmlns:a16="http://schemas.microsoft.com/office/drawing/2014/main" id="{DA4ECFBA-B340-9832-4AAA-EF8855AA4910}"/>
+                  </a:ext>
+                </a:extLst>
+              </p:cNvPr>
+              <p:cNvPicPr/>
+              <p:nvPr/>
+            </p:nvPicPr>
+            <p:blipFill>
+              <a:blip r:embed="rId12"/>
+              <a:stretch>
+                <a:fillRect/>
+              </a:stretch>
+            </p:blipFill>
+            <p:spPr>
+              <a:xfrm>
+                <a:off x="3853000" y="3747160"/>
+                <a:ext cx="168480" cy="200160"/>
+              </a:xfrm>
+              <a:prstGeom prst="rect">
+                <a:avLst/>
+              </a:prstGeom>
+            </p:spPr>
+          </p:pic>
+        </mc:Fallback>
+      </mc:AlternateContent>
+      <mc:AlternateContent xmlns:mc="http://schemas.openxmlformats.org/markup-compatibility/2006">
+        <mc:Choice xmlns:p14="http://schemas.microsoft.com/office/powerpoint/2010/main" Requires="p14">
+          <p:contentPart p14:bwMode="auto" r:id="rId13">
+            <p14:nvContentPartPr>
+              <p14:cNvPr id="10" name="Ink 9">
+                <a:extLst>
+                  <a:ext uri="{FF2B5EF4-FFF2-40B4-BE49-F238E27FC236}">
+                    <a16:creationId xmlns:a16="http://schemas.microsoft.com/office/drawing/2014/main" id="{F7CD84D7-4326-ABDA-2EDA-B9A17C3E851E}"/>
+                  </a:ext>
+                </a:extLst>
+              </p14:cNvPr>
+              <p14:cNvContentPartPr/>
+              <p14:nvPr/>
+            </p14:nvContentPartPr>
+            <p14:xfrm>
+              <a:off x="3905920" y="3897280"/>
+              <a:ext cx="360" cy="360"/>
+            </p14:xfrm>
+          </p:contentPart>
+        </mc:Choice>
+        <mc:Fallback>
+          <p:pic>
+            <p:nvPicPr>
+              <p:cNvPr id="10" name="Ink 9">
+                <a:extLst>
+                  <a:ext uri="{FF2B5EF4-FFF2-40B4-BE49-F238E27FC236}">
+                    <a16:creationId xmlns:a16="http://schemas.microsoft.com/office/drawing/2014/main" id="{F7CD84D7-4326-ABDA-2EDA-B9A17C3E851E}"/>
+                  </a:ext>
+                </a:extLst>
+              </p:cNvPr>
+              <p:cNvPicPr/>
+              <p:nvPr/>
+            </p:nvPicPr>
+            <p:blipFill>
+              <a:blip r:embed="rId14"/>
+              <a:stretch>
+                <a:fillRect/>
+              </a:stretch>
+            </p:blipFill>
+            <p:spPr>
+              <a:xfrm>
+                <a:off x="3870280" y="3825640"/>
+                <a:ext cx="72000" cy="144000"/>
+              </a:xfrm>
+              <a:prstGeom prst="rect">
+                <a:avLst/>
+              </a:prstGeom>
+            </p:spPr>
+          </p:pic>
+        </mc:Fallback>
+      </mc:AlternateContent>
+      <mc:AlternateContent xmlns:mc="http://schemas.openxmlformats.org/markup-compatibility/2006">
+        <mc:Choice xmlns:p14="http://schemas.microsoft.com/office/powerpoint/2010/main" Requires="p14">
+          <p:contentPart p14:bwMode="auto" r:id="rId15">
+            <p14:nvContentPartPr>
+              <p14:cNvPr id="11" name="Ink 10">
+                <a:extLst>
+                  <a:ext uri="{FF2B5EF4-FFF2-40B4-BE49-F238E27FC236}">
+                    <a16:creationId xmlns:a16="http://schemas.microsoft.com/office/drawing/2014/main" id="{D6674415-F677-E283-979C-2ED24DB18B7C}"/>
+                  </a:ext>
+                </a:extLst>
+              </p14:cNvPr>
+              <p14:cNvContentPartPr/>
+              <p14:nvPr/>
+            </p14:nvContentPartPr>
+            <p14:xfrm>
+              <a:off x="4472920" y="3831760"/>
+              <a:ext cx="108720" cy="26280"/>
+            </p14:xfrm>
+          </p:contentPart>
+        </mc:Choice>
+        <mc:Fallback>
+          <p:pic>
+            <p:nvPicPr>
+              <p:cNvPr id="11" name="Ink 10">
+                <a:extLst>
+                  <a:ext uri="{FF2B5EF4-FFF2-40B4-BE49-F238E27FC236}">
+                    <a16:creationId xmlns:a16="http://schemas.microsoft.com/office/drawing/2014/main" id="{D6674415-F677-E283-979C-2ED24DB18B7C}"/>
+                  </a:ext>
+                </a:extLst>
+              </p:cNvPr>
+              <p:cNvPicPr/>
+              <p:nvPr/>
+            </p:nvPicPr>
+            <p:blipFill>
+              <a:blip r:embed="rId16"/>
+              <a:stretch>
+                <a:fillRect/>
+              </a:stretch>
+            </p:blipFill>
+            <p:spPr>
+              <a:xfrm>
+                <a:off x="4437280" y="3759760"/>
+                <a:ext cx="180360" cy="169920"/>
+              </a:xfrm>
+              <a:prstGeom prst="rect">
+                <a:avLst/>
+              </a:prstGeom>
+            </p:spPr>
+          </p:pic>
+        </mc:Fallback>
+      </mc:AlternateContent>
+      <mc:AlternateContent xmlns:mc="http://schemas.openxmlformats.org/markup-compatibility/2006">
+        <mc:Choice xmlns:p14="http://schemas.microsoft.com/office/powerpoint/2010/main" Requires="p14">
+          <p:contentPart p14:bwMode="auto" r:id="rId17">
+            <p14:nvContentPartPr>
+              <p14:cNvPr id="12" name="Ink 11">
+                <a:extLst>
+                  <a:ext uri="{FF2B5EF4-FFF2-40B4-BE49-F238E27FC236}">
+                    <a16:creationId xmlns:a16="http://schemas.microsoft.com/office/drawing/2014/main" id="{1287C753-68A7-033C-6170-6C6B8F613FD9}"/>
+                  </a:ext>
+                </a:extLst>
+              </p14:cNvPr>
+              <p14:cNvContentPartPr/>
+              <p14:nvPr/>
+            </p14:nvContentPartPr>
+            <p14:xfrm>
+              <a:off x="8566480" y="3681280"/>
+              <a:ext cx="807480" cy="94680"/>
+            </p14:xfrm>
+          </p:contentPart>
+        </mc:Choice>
+        <mc:Fallback>
+          <p:pic>
+            <p:nvPicPr>
+              <p:cNvPr id="12" name="Ink 11">
+                <a:extLst>
+                  <a:ext uri="{FF2B5EF4-FFF2-40B4-BE49-F238E27FC236}">
+                    <a16:creationId xmlns:a16="http://schemas.microsoft.com/office/drawing/2014/main" id="{1287C753-68A7-033C-6170-6C6B8F613FD9}"/>
+                  </a:ext>
+                </a:extLst>
+              </p:cNvPr>
+              <p:cNvPicPr/>
+              <p:nvPr/>
+            </p:nvPicPr>
+            <p:blipFill>
+              <a:blip r:embed="rId18"/>
+              <a:stretch>
+                <a:fillRect/>
+              </a:stretch>
+            </p:blipFill>
+            <p:spPr>
+              <a:xfrm>
+                <a:off x="8530480" y="3609640"/>
+                <a:ext cx="879120" cy="238320"/>
               </a:xfrm>
               <a:prstGeom prst="rect">
                 <a:avLst/>
@@ -22480,8 +24156,8 @@
           </a:p>
         </p:txBody>
       </p:sp>
-      <mc:AlternateContent xmlns:mc="http://schemas.openxmlformats.org/markup-compatibility/2006">
-        <mc:Choice xmlns:p14="http://schemas.microsoft.com/office/powerpoint/2010/main" Requires="p14">
+      <mc:AlternateContent xmlns:mc="http://schemas.openxmlformats.org/markup-compatibility/2006" xmlns:p14="http://schemas.microsoft.com/office/powerpoint/2010/main">
+        <mc:Choice Requires="p14">
           <p:contentPart p14:bwMode="auto" r:id="rId2">
             <p14:nvContentPartPr>
               <p14:cNvPr id="5" name="Ink 4">
@@ -22500,7 +24176,7 @@
             </p14:xfrm>
           </p:contentPart>
         </mc:Choice>
-        <mc:Fallback>
+        <mc:Fallback xmlns="">
           <p:pic>
             <p:nvPicPr>
               <p:cNvPr id="5" name="Ink 4">
@@ -22531,8 +24207,8 @@
           </p:pic>
         </mc:Fallback>
       </mc:AlternateContent>
-      <mc:AlternateContent xmlns:mc="http://schemas.openxmlformats.org/markup-compatibility/2006">
-        <mc:Choice xmlns:p14="http://schemas.microsoft.com/office/powerpoint/2010/main" Requires="p14">
+      <mc:AlternateContent xmlns:mc="http://schemas.openxmlformats.org/markup-compatibility/2006" xmlns:p14="http://schemas.microsoft.com/office/powerpoint/2010/main">
+        <mc:Choice Requires="p14">
           <p:contentPart p14:bwMode="auto" r:id="rId4">
             <p14:nvContentPartPr>
               <p14:cNvPr id="6" name="Ink 5">
@@ -22551,7 +24227,7 @@
             </p14:xfrm>
           </p:contentPart>
         </mc:Choice>
-        <mc:Fallback>
+        <mc:Fallback xmlns="">
           <p:pic>
             <p:nvPicPr>
               <p:cNvPr id="6" name="Ink 5">
@@ -22582,8 +24258,8 @@
           </p:pic>
         </mc:Fallback>
       </mc:AlternateContent>
-      <mc:AlternateContent xmlns:mc="http://schemas.openxmlformats.org/markup-compatibility/2006">
-        <mc:Choice xmlns:p14="http://schemas.microsoft.com/office/powerpoint/2010/main" Requires="p14">
+      <mc:AlternateContent xmlns:mc="http://schemas.openxmlformats.org/markup-compatibility/2006" xmlns:p14="http://schemas.microsoft.com/office/powerpoint/2010/main">
+        <mc:Choice Requires="p14">
           <p:contentPart p14:bwMode="auto" r:id="rId6">
             <p14:nvContentPartPr>
               <p14:cNvPr id="7" name="Ink 6">
@@ -22602,7 +24278,7 @@
             </p14:xfrm>
           </p:contentPart>
         </mc:Choice>
-        <mc:Fallback>
+        <mc:Fallback xmlns="">
           <p:pic>
             <p:nvPicPr>
               <p:cNvPr id="7" name="Ink 6">
@@ -22633,8 +24309,8 @@
           </p:pic>
         </mc:Fallback>
       </mc:AlternateContent>
-      <mc:AlternateContent xmlns:mc="http://schemas.openxmlformats.org/markup-compatibility/2006">
-        <mc:Choice xmlns:p14="http://schemas.microsoft.com/office/powerpoint/2010/main" Requires="p14">
+      <mc:AlternateContent xmlns:mc="http://schemas.openxmlformats.org/markup-compatibility/2006" xmlns:p14="http://schemas.microsoft.com/office/powerpoint/2010/main">
+        <mc:Choice Requires="p14">
           <p:contentPart p14:bwMode="auto" r:id="rId8">
             <p14:nvContentPartPr>
               <p14:cNvPr id="8" name="Ink 7">
@@ -22653,7 +24329,7 @@
             </p14:xfrm>
           </p:contentPart>
         </mc:Choice>
-        <mc:Fallback>
+        <mc:Fallback xmlns="">
           <p:pic>
             <p:nvPicPr>
               <p:cNvPr id="8" name="Ink 7">
@@ -25276,8 +26952,8 @@
           </a:p>
         </p:txBody>
       </p:sp>
-      <mc:AlternateContent xmlns:mc="http://schemas.openxmlformats.org/markup-compatibility/2006">
-        <mc:Choice xmlns:p14="http://schemas.microsoft.com/office/powerpoint/2010/main" Requires="p14">
+      <mc:AlternateContent xmlns:mc="http://schemas.openxmlformats.org/markup-compatibility/2006" xmlns:p14="http://schemas.microsoft.com/office/powerpoint/2010/main">
+        <mc:Choice Requires="p14">
           <p:contentPart p14:bwMode="auto" r:id="rId2">
             <p14:nvContentPartPr>
               <p14:cNvPr id="5" name="Ink 4">
@@ -25296,7 +26972,7 @@
             </p14:xfrm>
           </p:contentPart>
         </mc:Choice>
-        <mc:Fallback>
+        <mc:Fallback xmlns="">
           <p:pic>
             <p:nvPicPr>
               <p:cNvPr id="5" name="Ink 4">
@@ -25327,8 +27003,8 @@
           </p:pic>
         </mc:Fallback>
       </mc:AlternateContent>
-      <mc:AlternateContent xmlns:mc="http://schemas.openxmlformats.org/markup-compatibility/2006">
-        <mc:Choice xmlns:p14="http://schemas.microsoft.com/office/powerpoint/2010/main" Requires="p14">
+      <mc:AlternateContent xmlns:mc="http://schemas.openxmlformats.org/markup-compatibility/2006" xmlns:p14="http://schemas.microsoft.com/office/powerpoint/2010/main">
+        <mc:Choice Requires="p14">
           <p:contentPart p14:bwMode="auto" r:id="rId4">
             <p14:nvContentPartPr>
               <p14:cNvPr id="6" name="Ink 5">
@@ -25347,7 +27023,7 @@
             </p14:xfrm>
           </p:contentPart>
         </mc:Choice>
-        <mc:Fallback>
+        <mc:Fallback xmlns="">
           <p:pic>
             <p:nvPicPr>
               <p:cNvPr id="6" name="Ink 5">
@@ -25378,8 +27054,8 @@
           </p:pic>
         </mc:Fallback>
       </mc:AlternateContent>
-      <mc:AlternateContent xmlns:mc="http://schemas.openxmlformats.org/markup-compatibility/2006">
-        <mc:Choice xmlns:p14="http://schemas.microsoft.com/office/powerpoint/2010/main" Requires="p14">
+      <mc:AlternateContent xmlns:mc="http://schemas.openxmlformats.org/markup-compatibility/2006" xmlns:p14="http://schemas.microsoft.com/office/powerpoint/2010/main">
+        <mc:Choice Requires="p14">
           <p:contentPart p14:bwMode="auto" r:id="rId6">
             <p14:nvContentPartPr>
               <p14:cNvPr id="7" name="Ink 6">
@@ -25398,7 +27074,7 @@
             </p14:xfrm>
           </p:contentPart>
         </mc:Choice>
-        <mc:Fallback>
+        <mc:Fallback xmlns="">
           <p:pic>
             <p:nvPicPr>
               <p:cNvPr id="7" name="Ink 6">
@@ -25717,8 +27393,8 @@
           </a:p>
         </p:txBody>
       </p:sp>
-      <mc:AlternateContent xmlns:mc="http://schemas.openxmlformats.org/markup-compatibility/2006">
-        <mc:Choice xmlns:p14="http://schemas.microsoft.com/office/powerpoint/2010/main" Requires="p14">
+      <mc:AlternateContent xmlns:mc="http://schemas.openxmlformats.org/markup-compatibility/2006" xmlns:p14="http://schemas.microsoft.com/office/powerpoint/2010/main">
+        <mc:Choice Requires="p14">
           <p:contentPart p14:bwMode="auto" r:id="rId2">
             <p14:nvContentPartPr>
               <p14:cNvPr id="5" name="Ink 4">
@@ -25737,7 +27413,7 @@
             </p14:xfrm>
           </p:contentPart>
         </mc:Choice>
-        <mc:Fallback>
+        <mc:Fallback xmlns="">
           <p:pic>
             <p:nvPicPr>
               <p:cNvPr id="5" name="Ink 4">
@@ -25768,8 +27444,8 @@
           </p:pic>
         </mc:Fallback>
       </mc:AlternateContent>
-      <mc:AlternateContent xmlns:mc="http://schemas.openxmlformats.org/markup-compatibility/2006">
-        <mc:Choice xmlns:p14="http://schemas.microsoft.com/office/powerpoint/2010/main" Requires="p14">
+      <mc:AlternateContent xmlns:mc="http://schemas.openxmlformats.org/markup-compatibility/2006" xmlns:p14="http://schemas.microsoft.com/office/powerpoint/2010/main">
+        <mc:Choice Requires="p14">
           <p:contentPart p14:bwMode="auto" r:id="rId4">
             <p14:nvContentPartPr>
               <p14:cNvPr id="6" name="Ink 5">
@@ -25788,7 +27464,7 @@
             </p14:xfrm>
           </p:contentPart>
         </mc:Choice>
-        <mc:Fallback>
+        <mc:Fallback xmlns="">
           <p:pic>
             <p:nvPicPr>
               <p:cNvPr id="6" name="Ink 5">
@@ -26082,24 +27758,28 @@
               <a:t>以下，</a:t>
             </a:r>
             <a:r>
-              <a:rPr lang="ja-JP" altLang="en-US"/>
+              <a:rPr lang="ja-JP" altLang="en-US" u="sng"/>
               <a:t>レモンの</a:t>
             </a:r>
             <a:r>
-              <a:rPr lang="zh-CN" altLang="en-US" dirty="0"/>
+              <a:rPr lang="zh-CN" altLang="en-US" u="sng" dirty="0"/>
               <a:t>品質</a:t>
             </a:r>
             <a:r>
-              <a:rPr lang="ja-JP" altLang="en-US"/>
+              <a:rPr lang="ja-JP" altLang="en-US" u="sng"/>
               <a:t>は</a:t>
             </a:r>
             <a:r>
-              <a:rPr lang="zh-CN" altLang="en-US" dirty="0"/>
+              <a:rPr lang="zh-CN" altLang="en-US" u="sng" dirty="0"/>
               <a:t>均質</a:t>
             </a:r>
             <a:r>
-              <a:rPr lang="ja-JP" altLang="en-US"/>
-              <a:t>であると</a:t>
+              <a:rPr lang="ja-JP" altLang="en-US" u="sng"/>
+              <a:t>である</a:t>
+            </a:r>
+            <a:r>
+              <a:rPr lang="ja-JP" altLang="en-US"/>
+              <a:t>と</a:t>
             </a:r>
             <a:r>
               <a:rPr lang="zh-CN" altLang="en-US" dirty="0"/>
@@ -26146,8 +27826,8 @@
           </a:p>
         </p:txBody>
       </p:sp>
-      <mc:AlternateContent xmlns:mc="http://schemas.openxmlformats.org/markup-compatibility/2006">
-        <mc:Choice xmlns:p14="http://schemas.microsoft.com/office/powerpoint/2010/main" Requires="p14">
+      <mc:AlternateContent xmlns:mc="http://schemas.openxmlformats.org/markup-compatibility/2006" xmlns:p14="http://schemas.microsoft.com/office/powerpoint/2010/main">
+        <mc:Choice Requires="p14">
           <p:contentPart p14:bwMode="auto" r:id="rId2">
             <p14:nvContentPartPr>
               <p14:cNvPr id="5" name="Ink 4">
@@ -26166,7 +27846,7 @@
             </p14:xfrm>
           </p:contentPart>
         </mc:Choice>
-        <mc:Fallback>
+        <mc:Fallback xmlns="">
           <p:pic>
             <p:nvPicPr>
               <p:cNvPr id="5" name="Ink 4">
@@ -26197,8 +27877,8 @@
           </p:pic>
         </mc:Fallback>
       </mc:AlternateContent>
-      <mc:AlternateContent xmlns:mc="http://schemas.openxmlformats.org/markup-compatibility/2006">
-        <mc:Choice xmlns:p14="http://schemas.microsoft.com/office/powerpoint/2010/main" Requires="p14">
+      <mc:AlternateContent xmlns:mc="http://schemas.openxmlformats.org/markup-compatibility/2006" xmlns:p14="http://schemas.microsoft.com/office/powerpoint/2010/main">
+        <mc:Choice Requires="p14">
           <p:contentPart p14:bwMode="auto" r:id="rId4">
             <p14:nvContentPartPr>
               <p14:cNvPr id="6" name="Ink 5">
@@ -26217,7 +27897,7 @@
             </p14:xfrm>
           </p:contentPart>
         </mc:Choice>
-        <mc:Fallback>
+        <mc:Fallback xmlns="">
           <p:pic>
             <p:nvPicPr>
               <p:cNvPr id="6" name="Ink 5">
@@ -26248,8 +27928,8 @@
           </p:pic>
         </mc:Fallback>
       </mc:AlternateContent>
-      <mc:AlternateContent xmlns:mc="http://schemas.openxmlformats.org/markup-compatibility/2006">
-        <mc:Choice xmlns:p14="http://schemas.microsoft.com/office/powerpoint/2010/main" Requires="p14">
+      <mc:AlternateContent xmlns:mc="http://schemas.openxmlformats.org/markup-compatibility/2006" xmlns:p14="http://schemas.microsoft.com/office/powerpoint/2010/main">
+        <mc:Choice Requires="p14">
           <p:contentPart p14:bwMode="auto" r:id="rId6">
             <p14:nvContentPartPr>
               <p14:cNvPr id="7" name="Ink 6">
@@ -26268,7 +27948,7 @@
             </p14:xfrm>
           </p:contentPart>
         </mc:Choice>
-        <mc:Fallback>
+        <mc:Fallback xmlns="">
           <p:pic>
             <p:nvPicPr>
               <p:cNvPr id="7" name="Ink 6">
@@ -26299,8 +27979,8 @@
           </p:pic>
         </mc:Fallback>
       </mc:AlternateContent>
-      <mc:AlternateContent xmlns:mc="http://schemas.openxmlformats.org/markup-compatibility/2006">
-        <mc:Choice xmlns:p14="http://schemas.microsoft.com/office/powerpoint/2010/main" Requires="p14">
+      <mc:AlternateContent xmlns:mc="http://schemas.openxmlformats.org/markup-compatibility/2006" xmlns:p14="http://schemas.microsoft.com/office/powerpoint/2010/main">
+        <mc:Choice Requires="p14">
           <p:contentPart p14:bwMode="auto" r:id="rId8">
             <p14:nvContentPartPr>
               <p14:cNvPr id="8" name="Ink 7">
@@ -26319,7 +27999,7 @@
             </p14:xfrm>
           </p:contentPart>
         </mc:Choice>
-        <mc:Fallback>
+        <mc:Fallback xmlns="">
           <p:pic>
             <p:nvPicPr>
               <p:cNvPr id="8" name="Ink 7">
@@ -26350,8 +28030,8 @@
           </p:pic>
         </mc:Fallback>
       </mc:AlternateContent>
-      <mc:AlternateContent xmlns:mc="http://schemas.openxmlformats.org/markup-compatibility/2006">
-        <mc:Choice xmlns:p14="http://schemas.microsoft.com/office/powerpoint/2010/main" Requires="p14">
+      <mc:AlternateContent xmlns:mc="http://schemas.openxmlformats.org/markup-compatibility/2006" xmlns:p14="http://schemas.microsoft.com/office/powerpoint/2010/main">
+        <mc:Choice Requires="p14">
           <p:contentPart p14:bwMode="auto" r:id="rId10">
             <p14:nvContentPartPr>
               <p14:cNvPr id="9" name="Ink 8">
@@ -26370,7 +28050,7 @@
             </p14:xfrm>
           </p:contentPart>
         </mc:Choice>
-        <mc:Fallback>
+        <mc:Fallback xmlns="">
           <p:pic>
             <p:nvPicPr>
               <p:cNvPr id="9" name="Ink 8">
@@ -26459,8 +28139,8 @@
           </a:p>
         </p:txBody>
       </p:sp>
-      <mc:AlternateContent xmlns:mc="http://schemas.openxmlformats.org/markup-compatibility/2006">
-        <mc:Choice xmlns:a14="http://schemas.microsoft.com/office/drawing/2010/main" Requires="a14">
+      <mc:AlternateContent xmlns:mc="http://schemas.openxmlformats.org/markup-compatibility/2006" xmlns:a14="http://schemas.microsoft.com/office/drawing/2010/main">
+        <mc:Choice Requires="a14">
           <p:sp>
             <p:nvSpPr>
               <p:cNvPr id="3" name="Content Placeholder 2">
@@ -26911,7 +28591,7 @@
             </p:txBody>
           </p:sp>
         </mc:Choice>
-        <mc:Fallback>
+        <mc:Fallback xmlns="">
           <p:sp>
             <p:nvSpPr>
               <p:cNvPr id="3" name="Content Placeholder 2">
@@ -26980,8 +28660,8 @@
           </a:p>
         </p:txBody>
       </p:sp>
-      <mc:AlternateContent xmlns:mc="http://schemas.openxmlformats.org/markup-compatibility/2006">
-        <mc:Choice xmlns:p14="http://schemas.microsoft.com/office/powerpoint/2010/main" Requires="p14">
+      <mc:AlternateContent xmlns:mc="http://schemas.openxmlformats.org/markup-compatibility/2006" xmlns:p14="http://schemas.microsoft.com/office/powerpoint/2010/main">
+        <mc:Choice Requires="p14">
           <p:contentPart p14:bwMode="auto" r:id="rId3">
             <p14:nvContentPartPr>
               <p14:cNvPr id="5" name="Ink 4">
@@ -27000,7 +28680,7 @@
             </p14:xfrm>
           </p:contentPart>
         </mc:Choice>
-        <mc:Fallback>
+        <mc:Fallback xmlns="">
           <p:pic>
             <p:nvPicPr>
               <p:cNvPr id="5" name="Ink 4">
@@ -27031,8 +28711,8 @@
           </p:pic>
         </mc:Fallback>
       </mc:AlternateContent>
-      <mc:AlternateContent xmlns:mc="http://schemas.openxmlformats.org/markup-compatibility/2006">
-        <mc:Choice xmlns:p14="http://schemas.microsoft.com/office/powerpoint/2010/main" Requires="p14">
+      <mc:AlternateContent xmlns:mc="http://schemas.openxmlformats.org/markup-compatibility/2006" xmlns:p14="http://schemas.microsoft.com/office/powerpoint/2010/main">
+        <mc:Choice Requires="p14">
           <p:contentPart p14:bwMode="auto" r:id="rId5">
             <p14:nvContentPartPr>
               <p14:cNvPr id="6" name="Ink 5">
@@ -27051,7 +28731,7 @@
             </p14:xfrm>
           </p:contentPart>
         </mc:Choice>
-        <mc:Fallback>
+        <mc:Fallback xmlns="">
           <p:pic>
             <p:nvPicPr>
               <p:cNvPr id="6" name="Ink 5">
@@ -27082,8 +28762,8 @@
           </p:pic>
         </mc:Fallback>
       </mc:AlternateContent>
-      <mc:AlternateContent xmlns:mc="http://schemas.openxmlformats.org/markup-compatibility/2006">
-        <mc:Choice xmlns:p14="http://schemas.microsoft.com/office/powerpoint/2010/main" Requires="p14">
+      <mc:AlternateContent xmlns:mc="http://schemas.openxmlformats.org/markup-compatibility/2006" xmlns:p14="http://schemas.microsoft.com/office/powerpoint/2010/main">
+        <mc:Choice Requires="p14">
           <p:contentPart p14:bwMode="auto" r:id="rId7">
             <p14:nvContentPartPr>
               <p14:cNvPr id="7" name="Ink 6">
@@ -27102,7 +28782,7 @@
             </p14:xfrm>
           </p:contentPart>
         </mc:Choice>
-        <mc:Fallback>
+        <mc:Fallback xmlns="">
           <p:pic>
             <p:nvPicPr>
               <p:cNvPr id="7" name="Ink 6">
@@ -27133,8 +28813,8 @@
           </p:pic>
         </mc:Fallback>
       </mc:AlternateContent>
-      <mc:AlternateContent xmlns:mc="http://schemas.openxmlformats.org/markup-compatibility/2006">
-        <mc:Choice xmlns:p14="http://schemas.microsoft.com/office/powerpoint/2010/main" Requires="p14">
+      <mc:AlternateContent xmlns:mc="http://schemas.openxmlformats.org/markup-compatibility/2006" xmlns:p14="http://schemas.microsoft.com/office/powerpoint/2010/main">
+        <mc:Choice Requires="p14">
           <p:contentPart p14:bwMode="auto" r:id="rId9">
             <p14:nvContentPartPr>
               <p14:cNvPr id="8" name="Ink 7">
@@ -27153,7 +28833,7 @@
             </p14:xfrm>
           </p:contentPart>
         </mc:Choice>
-        <mc:Fallback>
+        <mc:Fallback xmlns="">
           <p:pic>
             <p:nvPicPr>
               <p:cNvPr id="8" name="Ink 7">
@@ -27184,8 +28864,8 @@
           </p:pic>
         </mc:Fallback>
       </mc:AlternateContent>
-      <mc:AlternateContent xmlns:mc="http://schemas.openxmlformats.org/markup-compatibility/2006">
-        <mc:Choice xmlns:p14="http://schemas.microsoft.com/office/powerpoint/2010/main" Requires="p14">
+      <mc:AlternateContent xmlns:mc="http://schemas.openxmlformats.org/markup-compatibility/2006" xmlns:p14="http://schemas.microsoft.com/office/powerpoint/2010/main">
+        <mc:Choice Requires="p14">
           <p:contentPart p14:bwMode="auto" r:id="rId11">
             <p14:nvContentPartPr>
               <p14:cNvPr id="9" name="Ink 8">
@@ -27204,7 +28884,7 @@
             </p14:xfrm>
           </p:contentPart>
         </mc:Choice>
-        <mc:Fallback>
+        <mc:Fallback xmlns="">
           <p:pic>
             <p:nvPicPr>
               <p:cNvPr id="9" name="Ink 8">
@@ -27235,8 +28915,8 @@
           </p:pic>
         </mc:Fallback>
       </mc:AlternateContent>
-      <mc:AlternateContent xmlns:mc="http://schemas.openxmlformats.org/markup-compatibility/2006">
-        <mc:Choice xmlns:p14="http://schemas.microsoft.com/office/powerpoint/2010/main" Requires="p14">
+      <mc:AlternateContent xmlns:mc="http://schemas.openxmlformats.org/markup-compatibility/2006" xmlns:p14="http://schemas.microsoft.com/office/powerpoint/2010/main">
+        <mc:Choice Requires="p14">
           <p:contentPart p14:bwMode="auto" r:id="rId13">
             <p14:nvContentPartPr>
               <p14:cNvPr id="10" name="Ink 9">
@@ -27255,7 +28935,7 @@
             </p14:xfrm>
           </p:contentPart>
         </mc:Choice>
-        <mc:Fallback>
+        <mc:Fallback xmlns="">
           <p:pic>
             <p:nvPicPr>
               <p:cNvPr id="10" name="Ink 9">
@@ -27286,8 +28966,8 @@
           </p:pic>
         </mc:Fallback>
       </mc:AlternateContent>
-      <mc:AlternateContent xmlns:mc="http://schemas.openxmlformats.org/markup-compatibility/2006">
-        <mc:Choice xmlns:p14="http://schemas.microsoft.com/office/powerpoint/2010/main" Requires="p14">
+      <mc:AlternateContent xmlns:mc="http://schemas.openxmlformats.org/markup-compatibility/2006" xmlns:p14="http://schemas.microsoft.com/office/powerpoint/2010/main">
+        <mc:Choice Requires="p14">
           <p:contentPart p14:bwMode="auto" r:id="rId15">
             <p14:nvContentPartPr>
               <p14:cNvPr id="11" name="Ink 10">
@@ -27306,7 +28986,7 @@
             </p14:xfrm>
           </p:contentPart>
         </mc:Choice>
-        <mc:Fallback>
+        <mc:Fallback xmlns="">
           <p:pic>
             <p:nvPicPr>
               <p:cNvPr id="11" name="Ink 10">
@@ -27337,8 +29017,8 @@
           </p:pic>
         </mc:Fallback>
       </mc:AlternateContent>
-      <mc:AlternateContent xmlns:mc="http://schemas.openxmlformats.org/markup-compatibility/2006">
-        <mc:Choice xmlns:p14="http://schemas.microsoft.com/office/powerpoint/2010/main" Requires="p14">
+      <mc:AlternateContent xmlns:mc="http://schemas.openxmlformats.org/markup-compatibility/2006" xmlns:p14="http://schemas.microsoft.com/office/powerpoint/2010/main">
+        <mc:Choice Requires="p14">
           <p:contentPart p14:bwMode="auto" r:id="rId17">
             <p14:nvContentPartPr>
               <p14:cNvPr id="12" name="Ink 11">
@@ -27357,7 +29037,7 @@
             </p14:xfrm>
           </p:contentPart>
         </mc:Choice>
-        <mc:Fallback>
+        <mc:Fallback xmlns="">
           <p:pic>
             <p:nvPicPr>
               <p:cNvPr id="12" name="Ink 11">
@@ -27388,8 +29068,8 @@
           </p:pic>
         </mc:Fallback>
       </mc:AlternateContent>
-      <mc:AlternateContent xmlns:mc="http://schemas.openxmlformats.org/markup-compatibility/2006">
-        <mc:Choice xmlns:p14="http://schemas.microsoft.com/office/powerpoint/2010/main" Requires="p14">
+      <mc:AlternateContent xmlns:mc="http://schemas.openxmlformats.org/markup-compatibility/2006" xmlns:p14="http://schemas.microsoft.com/office/powerpoint/2010/main">
+        <mc:Choice Requires="p14">
           <p:contentPart p14:bwMode="auto" r:id="rId19">
             <p14:nvContentPartPr>
               <p14:cNvPr id="13" name="Ink 12">
@@ -27408,7 +29088,7 @@
             </p14:xfrm>
           </p:contentPart>
         </mc:Choice>
-        <mc:Fallback>
+        <mc:Fallback xmlns="">
           <p:pic>
             <p:nvPicPr>
               <p:cNvPr id="13" name="Ink 12">
@@ -27439,8 +29119,8 @@
           </p:pic>
         </mc:Fallback>
       </mc:AlternateContent>
-      <mc:AlternateContent xmlns:mc="http://schemas.openxmlformats.org/markup-compatibility/2006">
-        <mc:Choice xmlns:p14="http://schemas.microsoft.com/office/powerpoint/2010/main" Requires="p14">
+      <mc:AlternateContent xmlns:mc="http://schemas.openxmlformats.org/markup-compatibility/2006" xmlns:p14="http://schemas.microsoft.com/office/powerpoint/2010/main">
+        <mc:Choice Requires="p14">
           <p:contentPart p14:bwMode="auto" r:id="rId21">
             <p14:nvContentPartPr>
               <p14:cNvPr id="14" name="Ink 13">
@@ -27459,7 +29139,7 @@
             </p14:xfrm>
           </p:contentPart>
         </mc:Choice>
-        <mc:Fallback>
+        <mc:Fallback xmlns="">
           <p:pic>
             <p:nvPicPr>
               <p:cNvPr id="14" name="Ink 13">
@@ -27506,7 +29186,7 @@
             </p:nvSpPr>
             <p:spPr>
               <a:xfrm>
-                <a:off x="8576793" y="3752071"/>
+                <a:off x="8924520" y="3774915"/>
                 <a:ext cx="2743200" cy="610936"/>
               </a:xfrm>
               <a:prstGeom prst="rect">
@@ -27652,7 +29332,7 @@
             </p:nvSpPr>
             <p:spPr>
               <a:xfrm>
-                <a:off x="8576793" y="3752071"/>
+                <a:off x="8924520" y="3774915"/>
                 <a:ext cx="2743200" cy="610936"/>
               </a:xfrm>
               <a:prstGeom prst="rect">
